--- a/.file/.doc/架构图.pptx
+++ b/.file/.doc/架构图.pptx
@@ -4,9 +4,11 @@
   <p:sldMasterIdLst>
     <p:sldMasterId id="2147483648" r:id="rId1"/>
   </p:sldMasterIdLst>
+  <p:notesMasterIdLst>
+    <p:notesMasterId r:id="rId3"/>
+  </p:notesMasterIdLst>
   <p:sldIdLst>
     <p:sldId id="256" r:id="rId2"/>
-    <p:sldId id="257" r:id="rId3"/>
   </p:sldIdLst>
   <p:sldSz cx="12192000" cy="6858000"/>
   <p:notesSz cx="6858000" cy="9144000"/>
@@ -125,6 +127,355 @@
 </p:cmAuthorLst>
 </file>
 
+<file path=ppt/notesMasters/notesMaster1.xml><?xml version="1.0" encoding="utf-8"?>
+<p:notesMaster xmlns:a="http://schemas.openxmlformats.org/drawingml/2006/main" xmlns:r="http://schemas.openxmlformats.org/officeDocument/2006/relationships" xmlns:p="http://schemas.openxmlformats.org/presentationml/2006/main">
+  <p:cSld>
+    <p:bg>
+      <p:bgRef idx="1001">
+        <a:schemeClr val="bg1"/>
+      </p:bgRef>
+    </p:bg>
+    <p:spTree>
+      <p:nvGrpSpPr>
+        <p:cNvPr id="1" name=""/>
+        <p:cNvGrpSpPr/>
+        <p:nvPr/>
+      </p:nvGrpSpPr>
+      <p:grpSpPr>
+        <a:xfrm>
+          <a:off x="0" y="0"/>
+          <a:ext cx="0" cy="0"/>
+          <a:chOff x="0" y="0"/>
+          <a:chExt cx="0" cy="0"/>
+        </a:xfrm>
+      </p:grpSpPr>
+      <p:sp>
+        <p:nvSpPr>
+          <p:cNvPr id="2" name="页眉占位符 1"/>
+          <p:cNvSpPr>
+            <a:spLocks noGrp="1"/>
+          </p:cNvSpPr>
+          <p:nvPr>
+            <p:ph type="hdr" sz="quarter"/>
+          </p:nvPr>
+        </p:nvSpPr>
+        <p:spPr>
+          <a:xfrm>
+            <a:off x="0" y="0"/>
+            <a:ext cx="2971800" cy="458788"/>
+          </a:xfrm>
+          <a:prstGeom prst="rect">
+            <a:avLst/>
+          </a:prstGeom>
+        </p:spPr>
+        <p:txBody>
+          <a:bodyPr vert="horz" lIns="91440" tIns="45720" rIns="91440" bIns="45720" rtlCol="0"/>
+          <a:lstStyle>
+            <a:lvl1pPr algn="l">
+              <a:defRPr sz="1200"/>
+            </a:lvl1pPr>
+          </a:lstStyle>
+          <a:p>
+            <a:endParaRPr lang="zh-CN" altLang="en-US"/>
+          </a:p>
+        </p:txBody>
+      </p:sp>
+      <p:sp>
+        <p:nvSpPr>
+          <p:cNvPr id="3" name="日期占位符 2"/>
+          <p:cNvSpPr>
+            <a:spLocks noGrp="1"/>
+          </p:cNvSpPr>
+          <p:nvPr>
+            <p:ph type="dt" idx="1"/>
+          </p:nvPr>
+        </p:nvSpPr>
+        <p:spPr>
+          <a:xfrm>
+            <a:off x="3884613" y="0"/>
+            <a:ext cx="2971800" cy="458788"/>
+          </a:xfrm>
+          <a:prstGeom prst="rect">
+            <a:avLst/>
+          </a:prstGeom>
+        </p:spPr>
+        <p:txBody>
+          <a:bodyPr vert="horz" lIns="91440" tIns="45720" rIns="91440" bIns="45720" rtlCol="0"/>
+          <a:lstStyle>
+            <a:lvl1pPr algn="r">
+              <a:defRPr sz="1200"/>
+            </a:lvl1pPr>
+          </a:lstStyle>
+          <a:p>
+            <a:fld id="{C8012301-46EC-4835-A05C-C0C6EF57E930}" type="datetimeFigureOut">
+              <a:rPr lang="zh-CN" altLang="en-US" smtClean="0"/>
+              <a:t>2020-05-24-Sun</a:t>
+            </a:fld>
+            <a:endParaRPr lang="zh-CN" altLang="en-US"/>
+          </a:p>
+        </p:txBody>
+      </p:sp>
+      <p:sp>
+        <p:nvSpPr>
+          <p:cNvPr id="4" name="幻灯片图像占位符 3"/>
+          <p:cNvSpPr>
+            <a:spLocks noGrp="1" noRot="1" noChangeAspect="1"/>
+          </p:cNvSpPr>
+          <p:nvPr>
+            <p:ph type="sldImg" idx="2"/>
+          </p:nvPr>
+        </p:nvSpPr>
+        <p:spPr>
+          <a:xfrm>
+            <a:off x="685800" y="1143000"/>
+            <a:ext cx="5486400" cy="3086100"/>
+          </a:xfrm>
+          <a:prstGeom prst="rect">
+            <a:avLst/>
+          </a:prstGeom>
+          <a:noFill/>
+          <a:ln w="12700">
+            <a:solidFill>
+              <a:prstClr val="black"/>
+            </a:solidFill>
+          </a:ln>
+        </p:spPr>
+        <p:txBody>
+          <a:bodyPr vert="horz" lIns="91440" tIns="45720" rIns="91440" bIns="45720" rtlCol="0" anchor="ctr"/>
+          <a:lstStyle/>
+          <a:p>
+            <a:endParaRPr lang="zh-CN" altLang="en-US"/>
+          </a:p>
+        </p:txBody>
+      </p:sp>
+      <p:sp>
+        <p:nvSpPr>
+          <p:cNvPr id="5" name="备注占位符 4"/>
+          <p:cNvSpPr>
+            <a:spLocks noGrp="1"/>
+          </p:cNvSpPr>
+          <p:nvPr>
+            <p:ph type="body" sz="quarter" idx="3"/>
+          </p:nvPr>
+        </p:nvSpPr>
+        <p:spPr>
+          <a:xfrm>
+            <a:off x="685800" y="4400550"/>
+            <a:ext cx="5486400" cy="3600450"/>
+          </a:xfrm>
+          <a:prstGeom prst="rect">
+            <a:avLst/>
+          </a:prstGeom>
+        </p:spPr>
+        <p:txBody>
+          <a:bodyPr vert="horz" lIns="91440" tIns="45720" rIns="91440" bIns="45720" rtlCol="0"/>
+          <a:lstStyle/>
+          <a:p>
+            <a:pPr lvl="0"/>
+            <a:r>
+              <a:rPr lang="zh-CN" altLang="en-US"/>
+              <a:t>单击此处编辑母版文本样式</a:t>
+            </a:r>
+          </a:p>
+          <a:p>
+            <a:pPr lvl="1"/>
+            <a:r>
+              <a:rPr lang="zh-CN" altLang="en-US"/>
+              <a:t>二级</a:t>
+            </a:r>
+          </a:p>
+          <a:p>
+            <a:pPr lvl="2"/>
+            <a:r>
+              <a:rPr lang="zh-CN" altLang="en-US"/>
+              <a:t>三级</a:t>
+            </a:r>
+          </a:p>
+          <a:p>
+            <a:pPr lvl="3"/>
+            <a:r>
+              <a:rPr lang="zh-CN" altLang="en-US"/>
+              <a:t>四级</a:t>
+            </a:r>
+          </a:p>
+          <a:p>
+            <a:pPr lvl="4"/>
+            <a:r>
+              <a:rPr lang="zh-CN" altLang="en-US"/>
+              <a:t>五级</a:t>
+            </a:r>
+          </a:p>
+        </p:txBody>
+      </p:sp>
+      <p:sp>
+        <p:nvSpPr>
+          <p:cNvPr id="6" name="页脚占位符 5"/>
+          <p:cNvSpPr>
+            <a:spLocks noGrp="1"/>
+          </p:cNvSpPr>
+          <p:nvPr>
+            <p:ph type="ftr" sz="quarter" idx="4"/>
+          </p:nvPr>
+        </p:nvSpPr>
+        <p:spPr>
+          <a:xfrm>
+            <a:off x="0" y="8685213"/>
+            <a:ext cx="2971800" cy="458787"/>
+          </a:xfrm>
+          <a:prstGeom prst="rect">
+            <a:avLst/>
+          </a:prstGeom>
+        </p:spPr>
+        <p:txBody>
+          <a:bodyPr vert="horz" lIns="91440" tIns="45720" rIns="91440" bIns="45720" rtlCol="0" anchor="b"/>
+          <a:lstStyle>
+            <a:lvl1pPr algn="l">
+              <a:defRPr sz="1200"/>
+            </a:lvl1pPr>
+          </a:lstStyle>
+          <a:p>
+            <a:endParaRPr lang="zh-CN" altLang="en-US"/>
+          </a:p>
+        </p:txBody>
+      </p:sp>
+      <p:sp>
+        <p:nvSpPr>
+          <p:cNvPr id="7" name="灯片编号占位符 6"/>
+          <p:cNvSpPr>
+            <a:spLocks noGrp="1"/>
+          </p:cNvSpPr>
+          <p:nvPr>
+            <p:ph type="sldNum" sz="quarter" idx="5"/>
+          </p:nvPr>
+        </p:nvSpPr>
+        <p:spPr>
+          <a:xfrm>
+            <a:off x="3884613" y="8685213"/>
+            <a:ext cx="2971800" cy="458787"/>
+          </a:xfrm>
+          <a:prstGeom prst="rect">
+            <a:avLst/>
+          </a:prstGeom>
+        </p:spPr>
+        <p:txBody>
+          <a:bodyPr vert="horz" lIns="91440" tIns="45720" rIns="91440" bIns="45720" rtlCol="0" anchor="b"/>
+          <a:lstStyle>
+            <a:lvl1pPr algn="r">
+              <a:defRPr sz="1200"/>
+            </a:lvl1pPr>
+          </a:lstStyle>
+          <a:p>
+            <a:fld id="{627BEF7D-D241-41F5-961B-00D2283818ED}" type="slidenum">
+              <a:rPr lang="zh-CN" altLang="en-US" smtClean="0"/>
+              <a:t>‹#›</a:t>
+            </a:fld>
+            <a:endParaRPr lang="zh-CN" altLang="en-US"/>
+          </a:p>
+        </p:txBody>
+      </p:sp>
+    </p:spTree>
+    <p:extLst>
+      <p:ext uri="{BB962C8B-B14F-4D97-AF65-F5344CB8AC3E}">
+        <p14:creationId xmlns:p14="http://schemas.microsoft.com/office/powerpoint/2010/main" val="3371949341"/>
+      </p:ext>
+    </p:extLst>
+  </p:cSld>
+  <p:clrMap bg1="lt1" tx1="dk1" bg2="lt2" tx2="dk2" accent1="accent1" accent2="accent2" accent3="accent3" accent4="accent4" accent5="accent5" accent6="accent6" hlink="hlink" folHlink="folHlink"/>
+  <p:notesStyle>
+    <a:lvl1pPr marL="0" algn="l" defTabSz="914400" rtl="0" eaLnBrk="1" latinLnBrk="0" hangingPunct="1">
+      <a:defRPr sz="1200" kern="1200">
+        <a:solidFill>
+          <a:schemeClr val="tx1"/>
+        </a:solidFill>
+        <a:latin typeface="+mn-lt"/>
+        <a:ea typeface="+mn-ea"/>
+        <a:cs typeface="+mn-cs"/>
+      </a:defRPr>
+    </a:lvl1pPr>
+    <a:lvl2pPr marL="457200" algn="l" defTabSz="914400" rtl="0" eaLnBrk="1" latinLnBrk="0" hangingPunct="1">
+      <a:defRPr sz="1200" kern="1200">
+        <a:solidFill>
+          <a:schemeClr val="tx1"/>
+        </a:solidFill>
+        <a:latin typeface="+mn-lt"/>
+        <a:ea typeface="+mn-ea"/>
+        <a:cs typeface="+mn-cs"/>
+      </a:defRPr>
+    </a:lvl2pPr>
+    <a:lvl3pPr marL="914400" algn="l" defTabSz="914400" rtl="0" eaLnBrk="1" latinLnBrk="0" hangingPunct="1">
+      <a:defRPr sz="1200" kern="1200">
+        <a:solidFill>
+          <a:schemeClr val="tx1"/>
+        </a:solidFill>
+        <a:latin typeface="+mn-lt"/>
+        <a:ea typeface="+mn-ea"/>
+        <a:cs typeface="+mn-cs"/>
+      </a:defRPr>
+    </a:lvl3pPr>
+    <a:lvl4pPr marL="1371600" algn="l" defTabSz="914400" rtl="0" eaLnBrk="1" latinLnBrk="0" hangingPunct="1">
+      <a:defRPr sz="1200" kern="1200">
+        <a:solidFill>
+          <a:schemeClr val="tx1"/>
+        </a:solidFill>
+        <a:latin typeface="+mn-lt"/>
+        <a:ea typeface="+mn-ea"/>
+        <a:cs typeface="+mn-cs"/>
+      </a:defRPr>
+    </a:lvl4pPr>
+    <a:lvl5pPr marL="1828800" algn="l" defTabSz="914400" rtl="0" eaLnBrk="1" latinLnBrk="0" hangingPunct="1">
+      <a:defRPr sz="1200" kern="1200">
+        <a:solidFill>
+          <a:schemeClr val="tx1"/>
+        </a:solidFill>
+        <a:latin typeface="+mn-lt"/>
+        <a:ea typeface="+mn-ea"/>
+        <a:cs typeface="+mn-cs"/>
+      </a:defRPr>
+    </a:lvl5pPr>
+    <a:lvl6pPr marL="2286000" algn="l" defTabSz="914400" rtl="0" eaLnBrk="1" latinLnBrk="0" hangingPunct="1">
+      <a:defRPr sz="1200" kern="1200">
+        <a:solidFill>
+          <a:schemeClr val="tx1"/>
+        </a:solidFill>
+        <a:latin typeface="+mn-lt"/>
+        <a:ea typeface="+mn-ea"/>
+        <a:cs typeface="+mn-cs"/>
+      </a:defRPr>
+    </a:lvl6pPr>
+    <a:lvl7pPr marL="2743200" algn="l" defTabSz="914400" rtl="0" eaLnBrk="1" latinLnBrk="0" hangingPunct="1">
+      <a:defRPr sz="1200" kern="1200">
+        <a:solidFill>
+          <a:schemeClr val="tx1"/>
+        </a:solidFill>
+        <a:latin typeface="+mn-lt"/>
+        <a:ea typeface="+mn-ea"/>
+        <a:cs typeface="+mn-cs"/>
+      </a:defRPr>
+    </a:lvl7pPr>
+    <a:lvl8pPr marL="3200400" algn="l" defTabSz="914400" rtl="0" eaLnBrk="1" latinLnBrk="0" hangingPunct="1">
+      <a:defRPr sz="1200" kern="1200">
+        <a:solidFill>
+          <a:schemeClr val="tx1"/>
+        </a:solidFill>
+        <a:latin typeface="+mn-lt"/>
+        <a:ea typeface="+mn-ea"/>
+        <a:cs typeface="+mn-cs"/>
+      </a:defRPr>
+    </a:lvl8pPr>
+    <a:lvl9pPr marL="3657600" algn="l" defTabSz="914400" rtl="0" eaLnBrk="1" latinLnBrk="0" hangingPunct="1">
+      <a:defRPr sz="1200" kern="1200">
+        <a:solidFill>
+          <a:schemeClr val="tx1"/>
+        </a:solidFill>
+        <a:latin typeface="+mn-lt"/>
+        <a:ea typeface="+mn-ea"/>
+        <a:cs typeface="+mn-cs"/>
+      </a:defRPr>
+    </a:lvl9pPr>
+  </p:notesStyle>
+</p:notesMaster>
+</file>
+
 <file path=ppt/slideLayouts/slideLayout1.xml><?xml version="1.0" encoding="utf-8"?>
 <p:sldLayout xmlns:a="http://schemas.openxmlformats.org/drawingml/2006/main" xmlns:r="http://schemas.openxmlformats.org/officeDocument/2006/relationships" xmlns:p="http://schemas.openxmlformats.org/presentationml/2006/main" type="title" preserve="1">
   <p:cSld name="标题幻灯片">
@@ -272,7 +623,7 @@
           <a:p>
             <a:fld id="{C23E1258-A067-492D-8C6A-C8BCAB950038}" type="datetimeFigureOut">
               <a:rPr lang="zh-CN" altLang="en-US" smtClean="0"/>
-              <a:t>2020-05-22-Fri</a:t>
+              <a:t>2020-05-24-Sun</a:t>
             </a:fld>
             <a:endParaRPr lang="zh-CN" altLang="en-US"/>
           </a:p>
@@ -470,7 +821,7 @@
           <a:p>
             <a:fld id="{C23E1258-A067-492D-8C6A-C8BCAB950038}" type="datetimeFigureOut">
               <a:rPr lang="zh-CN" altLang="en-US" smtClean="0"/>
-              <a:t>2020-05-22-Fri</a:t>
+              <a:t>2020-05-24-Sun</a:t>
             </a:fld>
             <a:endParaRPr lang="zh-CN" altLang="en-US"/>
           </a:p>
@@ -678,7 +1029,7 @@
           <a:p>
             <a:fld id="{C23E1258-A067-492D-8C6A-C8BCAB950038}" type="datetimeFigureOut">
               <a:rPr lang="zh-CN" altLang="en-US" smtClean="0"/>
-              <a:t>2020-05-22-Fri</a:t>
+              <a:t>2020-05-24-Sun</a:t>
             </a:fld>
             <a:endParaRPr lang="zh-CN" altLang="en-US"/>
           </a:p>
@@ -876,7 +1227,7 @@
           <a:p>
             <a:fld id="{C23E1258-A067-492D-8C6A-C8BCAB950038}" type="datetimeFigureOut">
               <a:rPr lang="zh-CN" altLang="en-US" smtClean="0"/>
-              <a:t>2020-05-22-Fri</a:t>
+              <a:t>2020-05-24-Sun</a:t>
             </a:fld>
             <a:endParaRPr lang="zh-CN" altLang="en-US"/>
           </a:p>
@@ -1151,7 +1502,7 @@
           <a:p>
             <a:fld id="{C23E1258-A067-492D-8C6A-C8BCAB950038}" type="datetimeFigureOut">
               <a:rPr lang="zh-CN" altLang="en-US" smtClean="0"/>
-              <a:t>2020-05-22-Fri</a:t>
+              <a:t>2020-05-24-Sun</a:t>
             </a:fld>
             <a:endParaRPr lang="zh-CN" altLang="en-US"/>
           </a:p>
@@ -1416,7 +1767,7 @@
           <a:p>
             <a:fld id="{C23E1258-A067-492D-8C6A-C8BCAB950038}" type="datetimeFigureOut">
               <a:rPr lang="zh-CN" altLang="en-US" smtClean="0"/>
-              <a:t>2020-05-22-Fri</a:t>
+              <a:t>2020-05-24-Sun</a:t>
             </a:fld>
             <a:endParaRPr lang="zh-CN" altLang="en-US"/>
           </a:p>
@@ -1828,7 +2179,7 @@
           <a:p>
             <a:fld id="{C23E1258-A067-492D-8C6A-C8BCAB950038}" type="datetimeFigureOut">
               <a:rPr lang="zh-CN" altLang="en-US" smtClean="0"/>
-              <a:t>2020-05-22-Fri</a:t>
+              <a:t>2020-05-24-Sun</a:t>
             </a:fld>
             <a:endParaRPr lang="zh-CN" altLang="en-US"/>
           </a:p>
@@ -1969,7 +2320,7 @@
           <a:p>
             <a:fld id="{C23E1258-A067-492D-8C6A-C8BCAB950038}" type="datetimeFigureOut">
               <a:rPr lang="zh-CN" altLang="en-US" smtClean="0"/>
-              <a:t>2020-05-22-Fri</a:t>
+              <a:t>2020-05-24-Sun</a:t>
             </a:fld>
             <a:endParaRPr lang="zh-CN" altLang="en-US"/>
           </a:p>
@@ -2082,7 +2433,7 @@
           <a:p>
             <a:fld id="{C23E1258-A067-492D-8C6A-C8BCAB950038}" type="datetimeFigureOut">
               <a:rPr lang="zh-CN" altLang="en-US" smtClean="0"/>
-              <a:t>2020-05-22-Fri</a:t>
+              <a:t>2020-05-24-Sun</a:t>
             </a:fld>
             <a:endParaRPr lang="zh-CN" altLang="en-US"/>
           </a:p>
@@ -2393,7 +2744,7 @@
           <a:p>
             <a:fld id="{C23E1258-A067-492D-8C6A-C8BCAB950038}" type="datetimeFigureOut">
               <a:rPr lang="zh-CN" altLang="en-US" smtClean="0"/>
-              <a:t>2020-05-22-Fri</a:t>
+              <a:t>2020-05-24-Sun</a:t>
             </a:fld>
             <a:endParaRPr lang="zh-CN" altLang="en-US"/>
           </a:p>
@@ -2681,7 +3032,7 @@
           <a:p>
             <a:fld id="{C23E1258-A067-492D-8C6A-C8BCAB950038}" type="datetimeFigureOut">
               <a:rPr lang="zh-CN" altLang="en-US" smtClean="0"/>
-              <a:t>2020-05-22-Fri</a:t>
+              <a:t>2020-05-24-Sun</a:t>
             </a:fld>
             <a:endParaRPr lang="zh-CN" altLang="en-US"/>
           </a:p>
@@ -2922,7 +3273,7 @@
           <a:p>
             <a:fld id="{C23E1258-A067-492D-8C6A-C8BCAB950038}" type="datetimeFigureOut">
               <a:rPr lang="zh-CN" altLang="en-US" smtClean="0"/>
-              <a:t>2020-05-22-Fri</a:t>
+              <a:t>2020-05-24-Sun</a:t>
             </a:fld>
             <a:endParaRPr lang="zh-CN" altLang="en-US"/>
           </a:p>
@@ -3339,1340 +3690,12 @@
           <a:chExt cx="0" cy="0"/>
         </a:xfrm>
       </p:grpSpPr>
-      <p:sp>
-        <p:nvSpPr>
-          <p:cNvPr id="4" name="文本框 3">
+      <p:grpSp>
+        <p:nvGrpSpPr>
+          <p:cNvPr id="3" name="组合 2">
             <a:extLst>
               <a:ext uri="{FF2B5EF4-FFF2-40B4-BE49-F238E27FC236}">
-                <a16:creationId xmlns:a16="http://schemas.microsoft.com/office/drawing/2014/main" id="{2753D7F7-4FC1-4D41-97D3-28496A2D3462}"/>
-              </a:ext>
-            </a:extLst>
-          </p:cNvPr>
-          <p:cNvSpPr txBox="1"/>
-          <p:nvPr/>
-        </p:nvSpPr>
-        <p:spPr>
-          <a:xfrm>
-            <a:off x="6604611" y="114805"/>
-            <a:ext cx="736099" cy="261610"/>
-          </a:xfrm>
-          <a:prstGeom prst="rect">
-            <a:avLst/>
-          </a:prstGeom>
-          <a:solidFill>
-            <a:schemeClr val="accent3">
-              <a:lumMod val="20000"/>
-              <a:lumOff val="80000"/>
-            </a:schemeClr>
-          </a:solidFill>
-          <a:ln>
-            <a:noFill/>
-          </a:ln>
-        </p:spPr>
-        <p:txBody>
-          <a:bodyPr wrap="none" rtlCol="0">
-            <a:spAutoFit/>
-          </a:bodyPr>
-          <a:lstStyle/>
-          <a:p>
-            <a:pPr algn="ctr"/>
-            <a:r>
-              <a:rPr lang="en-US" altLang="zh-CN" sz="1100" b="1">
-                <a:latin typeface="+mn-ea"/>
-              </a:rPr>
-              <a:t>WEB API</a:t>
-            </a:r>
-            <a:endParaRPr lang="zh-CN" altLang="en-US" sz="1100" b="1">
-              <a:latin typeface="+mn-ea"/>
-            </a:endParaRPr>
-          </a:p>
-        </p:txBody>
-      </p:sp>
-      <p:sp>
-        <p:nvSpPr>
-          <p:cNvPr id="5" name="文本框 4">
-            <a:extLst>
-              <a:ext uri="{FF2B5EF4-FFF2-40B4-BE49-F238E27FC236}">
-                <a16:creationId xmlns:a16="http://schemas.microsoft.com/office/drawing/2014/main" id="{64AA1F56-8820-4F71-8718-6F04D7364FC7}"/>
-              </a:ext>
-            </a:extLst>
-          </p:cNvPr>
-          <p:cNvSpPr txBox="1"/>
-          <p:nvPr/>
-        </p:nvSpPr>
-        <p:spPr>
-          <a:xfrm>
-            <a:off x="6193442" y="1127353"/>
-            <a:ext cx="1558439" cy="430887"/>
-          </a:xfrm>
-          <a:prstGeom prst="rect">
-            <a:avLst/>
-          </a:prstGeom>
-          <a:solidFill>
-            <a:schemeClr val="accent3">
-              <a:lumMod val="20000"/>
-              <a:lumOff val="80000"/>
-            </a:schemeClr>
-          </a:solidFill>
-          <a:ln>
-            <a:noFill/>
-          </a:ln>
-        </p:spPr>
-        <p:txBody>
-          <a:bodyPr wrap="none" rtlCol="0">
-            <a:spAutoFit/>
-          </a:bodyPr>
-          <a:lstStyle/>
-          <a:p>
-            <a:pPr algn="ctr"/>
-            <a:r>
-              <a:rPr lang="en-US" altLang="zh-CN" sz="1100" b="1">
-                <a:latin typeface="+mn-ea"/>
-              </a:rPr>
-              <a:t>File</a:t>
-            </a:r>
-          </a:p>
-          <a:p>
-            <a:pPr algn="ctr"/>
-            <a:r>
-              <a:rPr lang="en-US" altLang="zh-CN" sz="1100" b="1">
-                <a:latin typeface="+mn-ea"/>
-              </a:rPr>
-              <a:t>[szt-data-page.jsons]</a:t>
-            </a:r>
-            <a:endParaRPr lang="zh-CN" altLang="en-US" sz="1100" b="1">
-              <a:latin typeface="+mn-ea"/>
-            </a:endParaRPr>
-          </a:p>
-        </p:txBody>
-      </p:sp>
-      <p:sp>
-        <p:nvSpPr>
-          <p:cNvPr id="6" name="文本框 5">
-            <a:extLst>
-              <a:ext uri="{FF2B5EF4-FFF2-40B4-BE49-F238E27FC236}">
-                <a16:creationId xmlns:a16="http://schemas.microsoft.com/office/drawing/2014/main" id="{B89EBE7B-D177-4B31-98D2-E312F3316EF3}"/>
-              </a:ext>
-            </a:extLst>
-          </p:cNvPr>
-          <p:cNvSpPr txBox="1"/>
-          <p:nvPr/>
-        </p:nvSpPr>
-        <p:spPr>
-          <a:xfrm>
-            <a:off x="6426677" y="2315470"/>
-            <a:ext cx="1091966" cy="430887"/>
-          </a:xfrm>
-          <a:prstGeom prst="rect">
-            <a:avLst/>
-          </a:prstGeom>
-          <a:solidFill>
-            <a:schemeClr val="accent3">
-              <a:lumMod val="20000"/>
-              <a:lumOff val="80000"/>
-            </a:schemeClr>
-          </a:solidFill>
-          <a:ln>
-            <a:noFill/>
-          </a:ln>
-        </p:spPr>
-        <p:txBody>
-          <a:bodyPr wrap="none" rtlCol="0">
-            <a:spAutoFit/>
-          </a:bodyPr>
-          <a:lstStyle/>
-          <a:p>
-            <a:pPr algn="ctr"/>
-            <a:r>
-              <a:rPr lang="en-US" altLang="zh-CN" sz="1100" b="1">
-                <a:latin typeface="+mn-ea"/>
-              </a:rPr>
-              <a:t>Redis</a:t>
-            </a:r>
-          </a:p>
-          <a:p>
-            <a:pPr algn="ctr"/>
-            <a:r>
-              <a:rPr lang="en-US" altLang="zh-CN" sz="1100" b="1">
-                <a:latin typeface="+mn-ea"/>
-              </a:rPr>
-              <a:t>[szt:pageJson]</a:t>
-            </a:r>
-            <a:endParaRPr lang="zh-CN" altLang="en-US" sz="1100" b="1">
-              <a:latin typeface="+mn-ea"/>
-            </a:endParaRPr>
-          </a:p>
-        </p:txBody>
-      </p:sp>
-      <p:sp>
-        <p:nvSpPr>
-          <p:cNvPr id="7" name="文本框 6">
-            <a:extLst>
-              <a:ext uri="{FF2B5EF4-FFF2-40B4-BE49-F238E27FC236}">
-                <a16:creationId xmlns:a16="http://schemas.microsoft.com/office/drawing/2014/main" id="{72E9449A-04D6-4799-880E-3B23F9C8EBA4}"/>
-              </a:ext>
-            </a:extLst>
-          </p:cNvPr>
-          <p:cNvSpPr txBox="1"/>
-          <p:nvPr/>
-        </p:nvSpPr>
-        <p:spPr>
-          <a:xfrm>
-            <a:off x="8634332" y="2405644"/>
-            <a:ext cx="758541" cy="261610"/>
-          </a:xfrm>
-          <a:prstGeom prst="rect">
-            <a:avLst/>
-          </a:prstGeom>
-          <a:solidFill>
-            <a:schemeClr val="accent3">
-              <a:lumMod val="20000"/>
-              <a:lumOff val="80000"/>
-            </a:schemeClr>
-          </a:solidFill>
-          <a:ln>
-            <a:noFill/>
-          </a:ln>
-        </p:spPr>
-        <p:txBody>
-          <a:bodyPr wrap="none" rtlCol="0">
-            <a:spAutoFit/>
-          </a:bodyPr>
-          <a:lstStyle/>
-          <a:p>
-            <a:pPr algn="ctr"/>
-            <a:r>
-              <a:rPr lang="en-US" altLang="zh-CN" sz="1100" b="1">
-                <a:latin typeface="+mn-ea"/>
-              </a:rPr>
-              <a:t>REST API</a:t>
-            </a:r>
-            <a:endParaRPr lang="zh-CN" altLang="en-US" sz="1100" b="1">
-              <a:latin typeface="+mn-ea"/>
-            </a:endParaRPr>
-          </a:p>
-        </p:txBody>
-      </p:sp>
-      <p:sp>
-        <p:nvSpPr>
-          <p:cNvPr id="8" name="文本框 7">
-            <a:extLst>
-              <a:ext uri="{FF2B5EF4-FFF2-40B4-BE49-F238E27FC236}">
-                <a16:creationId xmlns:a16="http://schemas.microsoft.com/office/drawing/2014/main" id="{C113CBD5-B56B-491E-A541-4F377E79B1AF}"/>
-              </a:ext>
-            </a:extLst>
-          </p:cNvPr>
-          <p:cNvSpPr txBox="1"/>
-          <p:nvPr/>
-        </p:nvSpPr>
-        <p:spPr>
-          <a:xfrm>
-            <a:off x="4386806" y="3552450"/>
-            <a:ext cx="1197764" cy="430887"/>
-          </a:xfrm>
-          <a:prstGeom prst="rect">
-            <a:avLst/>
-          </a:prstGeom>
-          <a:solidFill>
-            <a:schemeClr val="accent3">
-              <a:lumMod val="20000"/>
-              <a:lumOff val="80000"/>
-            </a:schemeClr>
-          </a:solidFill>
-          <a:ln>
-            <a:noFill/>
-          </a:ln>
-        </p:spPr>
-        <p:txBody>
-          <a:bodyPr wrap="none" rtlCol="0">
-            <a:spAutoFit/>
-          </a:bodyPr>
-          <a:lstStyle/>
-          <a:p>
-            <a:pPr algn="ctr"/>
-            <a:r>
-              <a:rPr lang="en-US" altLang="zh-CN" sz="1100" b="1">
-                <a:latin typeface="+mn-ea"/>
-              </a:rPr>
-              <a:t>Kafka</a:t>
-            </a:r>
-          </a:p>
-          <a:p>
-            <a:pPr algn="ctr"/>
-            <a:r>
-              <a:rPr lang="en-US" altLang="zh-CN" sz="1100" b="1">
-                <a:latin typeface="+mn-ea"/>
-              </a:rPr>
-              <a:t>[topic-flink-szt]</a:t>
-            </a:r>
-            <a:endParaRPr lang="zh-CN" altLang="en-US" sz="1100" b="1">
-              <a:latin typeface="+mn-ea"/>
-            </a:endParaRPr>
-          </a:p>
-        </p:txBody>
-      </p:sp>
-      <p:sp>
-        <p:nvSpPr>
-          <p:cNvPr id="9" name="文本框 8">
-            <a:extLst>
-              <a:ext uri="{FF2B5EF4-FFF2-40B4-BE49-F238E27FC236}">
-                <a16:creationId xmlns:a16="http://schemas.microsoft.com/office/drawing/2014/main" id="{C926C509-B1BD-46EC-97D1-A975323EB035}"/>
-              </a:ext>
-            </a:extLst>
-          </p:cNvPr>
-          <p:cNvSpPr txBox="1"/>
-          <p:nvPr/>
-        </p:nvSpPr>
-        <p:spPr>
-          <a:xfrm>
-            <a:off x="6421069" y="3552449"/>
-            <a:ext cx="1103186" cy="430887"/>
-          </a:xfrm>
-          <a:prstGeom prst="rect">
-            <a:avLst/>
-          </a:prstGeom>
-          <a:solidFill>
-            <a:schemeClr val="accent3">
-              <a:lumMod val="20000"/>
-              <a:lumOff val="80000"/>
-            </a:schemeClr>
-          </a:solidFill>
-          <a:ln>
-            <a:noFill/>
-          </a:ln>
-        </p:spPr>
-        <p:txBody>
-          <a:bodyPr wrap="none" rtlCol="0">
-            <a:spAutoFit/>
-          </a:bodyPr>
-          <a:lstStyle/>
-          <a:p>
-            <a:pPr algn="ctr"/>
-            <a:r>
-              <a:rPr lang="en-US" altLang="zh-CN" sz="1100" b="1">
-                <a:latin typeface="+mn-ea"/>
-              </a:rPr>
-              <a:t>CSV</a:t>
-            </a:r>
-          </a:p>
-          <a:p>
-            <a:pPr algn="ctr"/>
-            <a:r>
-              <a:rPr lang="en-US" altLang="zh-CN" sz="1100" b="1">
-                <a:latin typeface="+mn-ea"/>
-              </a:rPr>
-              <a:t>[szt-data*.csv]</a:t>
-            </a:r>
-            <a:endParaRPr lang="zh-CN" altLang="en-US" sz="1100" b="1">
-              <a:latin typeface="+mn-ea"/>
-            </a:endParaRPr>
-          </a:p>
-        </p:txBody>
-      </p:sp>
-      <p:sp>
-        <p:nvSpPr>
-          <p:cNvPr id="10" name="文本框 9">
-            <a:extLst>
-              <a:ext uri="{FF2B5EF4-FFF2-40B4-BE49-F238E27FC236}">
-                <a16:creationId xmlns:a16="http://schemas.microsoft.com/office/drawing/2014/main" id="{2F13FF06-D411-4E0F-A091-ADB05AA280BF}"/>
-              </a:ext>
-            </a:extLst>
-          </p:cNvPr>
-          <p:cNvSpPr txBox="1"/>
-          <p:nvPr/>
-        </p:nvSpPr>
-        <p:spPr>
-          <a:xfrm>
-            <a:off x="8397231" y="3552450"/>
-            <a:ext cx="994183" cy="430887"/>
-          </a:xfrm>
-          <a:prstGeom prst="rect">
-            <a:avLst/>
-          </a:prstGeom>
-          <a:solidFill>
-            <a:schemeClr val="accent3">
-              <a:lumMod val="20000"/>
-              <a:lumOff val="80000"/>
-            </a:schemeClr>
-          </a:solidFill>
-          <a:ln>
-            <a:noFill/>
-          </a:ln>
-        </p:spPr>
-        <p:txBody>
-          <a:bodyPr wrap="none" rtlCol="0">
-            <a:spAutoFit/>
-          </a:bodyPr>
-          <a:lstStyle/>
-          <a:p>
-            <a:pPr algn="ctr"/>
-            <a:r>
-              <a:rPr lang="en-US" altLang="zh-CN" sz="1100" b="1">
-                <a:latin typeface="+mn-ea"/>
-              </a:rPr>
-              <a:t>Elasticsearch</a:t>
-            </a:r>
-          </a:p>
-          <a:p>
-            <a:pPr algn="ctr"/>
-            <a:r>
-              <a:rPr lang="en-US" altLang="zh-CN" sz="1100" b="1">
-                <a:latin typeface="+mn-ea"/>
-              </a:rPr>
-              <a:t>[szt-data]</a:t>
-            </a:r>
-            <a:endParaRPr lang="zh-CN" altLang="en-US" sz="1100" b="1">
-              <a:latin typeface="+mn-ea"/>
-            </a:endParaRPr>
-          </a:p>
-        </p:txBody>
-      </p:sp>
-      <p:sp>
-        <p:nvSpPr>
-          <p:cNvPr id="11" name="文本框 10">
-            <a:extLst>
-              <a:ext uri="{FF2B5EF4-FFF2-40B4-BE49-F238E27FC236}">
-                <a16:creationId xmlns:a16="http://schemas.microsoft.com/office/drawing/2014/main" id="{02C3B48B-76C2-4A46-BB78-ED50154C061F}"/>
-              </a:ext>
-            </a:extLst>
-          </p:cNvPr>
-          <p:cNvSpPr txBox="1"/>
-          <p:nvPr/>
-        </p:nvSpPr>
-        <p:spPr>
-          <a:xfrm>
-            <a:off x="1881311" y="4698809"/>
-            <a:ext cx="1620957" cy="430887"/>
-          </a:xfrm>
-          <a:prstGeom prst="rect">
-            <a:avLst/>
-          </a:prstGeom>
-          <a:solidFill>
-            <a:schemeClr val="accent3">
-              <a:lumMod val="20000"/>
-              <a:lumOff val="80000"/>
-            </a:schemeClr>
-          </a:solidFill>
-          <a:ln>
-            <a:noFill/>
-          </a:ln>
-        </p:spPr>
-        <p:txBody>
-          <a:bodyPr wrap="none" rtlCol="0">
-            <a:spAutoFit/>
-          </a:bodyPr>
-          <a:lstStyle/>
-          <a:p>
-            <a:pPr algn="ctr"/>
-            <a:r>
-              <a:rPr lang="en-US" altLang="zh-CN" sz="1100" b="1">
-                <a:latin typeface="+mn-ea"/>
-              </a:rPr>
-              <a:t>Hbase</a:t>
-            </a:r>
-          </a:p>
-          <a:p>
-            <a:pPr algn="ctr"/>
-            <a:r>
-              <a:rPr lang="en-US" altLang="zh-CN" sz="1100" b="1">
-                <a:latin typeface="+mn-ea"/>
-              </a:rPr>
-              <a:t>[szt:data | flink2hbase]</a:t>
-            </a:r>
-            <a:endParaRPr lang="zh-CN" altLang="en-US" sz="1100" b="1">
-              <a:latin typeface="+mn-ea"/>
-            </a:endParaRPr>
-          </a:p>
-        </p:txBody>
-      </p:sp>
-      <p:sp>
-        <p:nvSpPr>
-          <p:cNvPr id="12" name="文本框 11">
-            <a:extLst>
-              <a:ext uri="{FF2B5EF4-FFF2-40B4-BE49-F238E27FC236}">
-                <a16:creationId xmlns:a16="http://schemas.microsoft.com/office/drawing/2014/main" id="{25B81C95-DBC9-4902-A433-B3B7BF60D40C}"/>
-              </a:ext>
-            </a:extLst>
-          </p:cNvPr>
-          <p:cNvSpPr txBox="1"/>
-          <p:nvPr/>
-        </p:nvSpPr>
-        <p:spPr>
-          <a:xfrm>
-            <a:off x="2035567" y="5839642"/>
-            <a:ext cx="1329542" cy="261610"/>
-          </a:xfrm>
-          <a:prstGeom prst="rect">
-            <a:avLst/>
-          </a:prstGeom>
-          <a:solidFill>
-            <a:schemeClr val="accent3">
-              <a:lumMod val="20000"/>
-              <a:lumOff val="80000"/>
-            </a:schemeClr>
-          </a:solidFill>
-          <a:ln>
-            <a:noFill/>
-          </a:ln>
-        </p:spPr>
-        <p:txBody>
-          <a:bodyPr wrap="square" rtlCol="0">
-            <a:spAutoFit/>
-          </a:bodyPr>
-          <a:lstStyle/>
-          <a:p>
-            <a:pPr algn="ctr"/>
-            <a:r>
-              <a:rPr lang="en-US" altLang="zh-CN" sz="1100" b="1">
-                <a:latin typeface="+mn-ea"/>
-              </a:rPr>
-              <a:t>HUE </a:t>
-            </a:r>
-            <a:r>
-              <a:rPr lang="zh-CN" altLang="en-US" sz="1100" b="1">
-                <a:latin typeface="+mn-ea"/>
-              </a:rPr>
-              <a:t>查询可视化</a:t>
-            </a:r>
-          </a:p>
-        </p:txBody>
-      </p:sp>
-      <p:sp>
-        <p:nvSpPr>
-          <p:cNvPr id="13" name="文本框 12">
-            <a:extLst>
-              <a:ext uri="{FF2B5EF4-FFF2-40B4-BE49-F238E27FC236}">
-                <a16:creationId xmlns:a16="http://schemas.microsoft.com/office/drawing/2014/main" id="{5A93039B-002C-4988-B7C6-D5A9A72B8B4A}"/>
-              </a:ext>
-            </a:extLst>
-          </p:cNvPr>
-          <p:cNvSpPr txBox="1"/>
-          <p:nvPr/>
-        </p:nvSpPr>
-        <p:spPr>
-          <a:xfrm>
-            <a:off x="4398750" y="4710762"/>
-            <a:ext cx="1173878" cy="430887"/>
-          </a:xfrm>
-          <a:prstGeom prst="rect">
-            <a:avLst/>
-          </a:prstGeom>
-          <a:solidFill>
-            <a:schemeClr val="accent3">
-              <a:lumMod val="20000"/>
-              <a:lumOff val="80000"/>
-            </a:schemeClr>
-          </a:solidFill>
-          <a:ln>
-            <a:noFill/>
-          </a:ln>
-        </p:spPr>
-        <p:txBody>
-          <a:bodyPr wrap="square" rtlCol="0">
-            <a:spAutoFit/>
-          </a:bodyPr>
-          <a:lstStyle/>
-          <a:p>
-            <a:pPr algn="ctr"/>
-            <a:r>
-              <a:rPr lang="en-US" altLang="zh-CN" sz="1100" b="1">
-                <a:latin typeface="+mn-ea"/>
-              </a:rPr>
-              <a:t>Flink </a:t>
-            </a:r>
-          </a:p>
-          <a:p>
-            <a:pPr algn="ctr"/>
-            <a:r>
-              <a:rPr lang="zh-CN" altLang="en-US" sz="1100" b="1">
-                <a:latin typeface="+mn-ea"/>
-              </a:rPr>
-              <a:t>实时处理</a:t>
-            </a:r>
-          </a:p>
-        </p:txBody>
-      </p:sp>
-      <p:sp>
-        <p:nvSpPr>
-          <p:cNvPr id="14" name="文本框 13">
-            <a:extLst>
-              <a:ext uri="{FF2B5EF4-FFF2-40B4-BE49-F238E27FC236}">
-                <a16:creationId xmlns:a16="http://schemas.microsoft.com/office/drawing/2014/main" id="{4BEF778D-A96B-45E1-87A7-665409CC733D}"/>
-              </a:ext>
-            </a:extLst>
-          </p:cNvPr>
-          <p:cNvSpPr txBox="1"/>
-          <p:nvPr/>
-        </p:nvSpPr>
-        <p:spPr>
-          <a:xfrm>
-            <a:off x="8437910" y="4698809"/>
-            <a:ext cx="920445" cy="430887"/>
-          </a:xfrm>
-          <a:prstGeom prst="rect">
-            <a:avLst/>
-          </a:prstGeom>
-          <a:solidFill>
-            <a:schemeClr val="accent3">
-              <a:lumMod val="20000"/>
-              <a:lumOff val="80000"/>
-            </a:schemeClr>
-          </a:solidFill>
-          <a:ln>
-            <a:noFill/>
-          </a:ln>
-        </p:spPr>
-        <p:txBody>
-          <a:bodyPr wrap="none" rtlCol="0">
-            <a:spAutoFit/>
-          </a:bodyPr>
-          <a:lstStyle/>
-          <a:p>
-            <a:pPr algn="ctr"/>
-            <a:r>
-              <a:rPr lang="en-US" altLang="zh-CN" sz="1100" b="1">
-                <a:latin typeface="+mn-ea"/>
-              </a:rPr>
-              <a:t>Kibana </a:t>
-            </a:r>
-          </a:p>
-          <a:p>
-            <a:pPr algn="ctr"/>
-            <a:r>
-              <a:rPr lang="zh-CN" altLang="en-US" sz="1100" b="1">
-                <a:latin typeface="+mn-ea"/>
-              </a:rPr>
-              <a:t>检索数据源</a:t>
-            </a:r>
-          </a:p>
-        </p:txBody>
-      </p:sp>
-      <p:cxnSp>
-        <p:nvCxnSpPr>
-          <p:cNvPr id="15" name="直接箭头连接符 14">
-            <a:extLst>
-              <a:ext uri="{FF2B5EF4-FFF2-40B4-BE49-F238E27FC236}">
-                <a16:creationId xmlns:a16="http://schemas.microsoft.com/office/drawing/2014/main" id="{53B3731C-FA60-4455-8172-B4601E696D33}"/>
-              </a:ext>
-            </a:extLst>
-          </p:cNvPr>
-          <p:cNvCxnSpPr>
-            <a:cxnSpLocks/>
-            <a:stCxn id="4" idx="2"/>
-            <a:endCxn id="5" idx="0"/>
-          </p:cNvCxnSpPr>
-          <p:nvPr/>
-        </p:nvCxnSpPr>
-        <p:spPr>
-          <a:xfrm>
-            <a:off x="6972661" y="376415"/>
-            <a:ext cx="1" cy="750938"/>
-          </a:xfrm>
-          <a:prstGeom prst="straightConnector1">
-            <a:avLst/>
-          </a:prstGeom>
-          <a:ln>
-            <a:tailEnd type="triangle"/>
-          </a:ln>
-        </p:spPr>
-        <p:style>
-          <a:lnRef idx="1">
-            <a:schemeClr val="accent1"/>
-          </a:lnRef>
-          <a:fillRef idx="0">
-            <a:schemeClr val="accent1"/>
-          </a:fillRef>
-          <a:effectRef idx="0">
-            <a:schemeClr val="accent1"/>
-          </a:effectRef>
-          <a:fontRef idx="minor">
-            <a:schemeClr val="tx1"/>
-          </a:fontRef>
-        </p:style>
-      </p:cxnSp>
-      <p:cxnSp>
-        <p:nvCxnSpPr>
-          <p:cNvPr id="16" name="直接箭头连接符 15">
-            <a:extLst>
-              <a:ext uri="{FF2B5EF4-FFF2-40B4-BE49-F238E27FC236}">
-                <a16:creationId xmlns:a16="http://schemas.microsoft.com/office/drawing/2014/main" id="{E96B8598-8310-4A43-B274-BE07606BDF46}"/>
-              </a:ext>
-            </a:extLst>
-          </p:cNvPr>
-          <p:cNvCxnSpPr>
-            <a:cxnSpLocks/>
-            <a:stCxn id="5" idx="2"/>
-            <a:endCxn id="6" idx="0"/>
-          </p:cNvCxnSpPr>
-          <p:nvPr/>
-        </p:nvCxnSpPr>
-        <p:spPr>
-          <a:xfrm flipH="1">
-            <a:off x="6972660" y="1558240"/>
-            <a:ext cx="2" cy="757230"/>
-          </a:xfrm>
-          <a:prstGeom prst="straightConnector1">
-            <a:avLst/>
-          </a:prstGeom>
-          <a:ln>
-            <a:tailEnd type="triangle"/>
-          </a:ln>
-        </p:spPr>
-        <p:style>
-          <a:lnRef idx="1">
-            <a:schemeClr val="accent1"/>
-          </a:lnRef>
-          <a:fillRef idx="0">
-            <a:schemeClr val="accent1"/>
-          </a:fillRef>
-          <a:effectRef idx="0">
-            <a:schemeClr val="accent1"/>
-          </a:effectRef>
-          <a:fontRef idx="minor">
-            <a:schemeClr val="tx1"/>
-          </a:fontRef>
-        </p:style>
-      </p:cxnSp>
-      <p:cxnSp>
-        <p:nvCxnSpPr>
-          <p:cNvPr id="17" name="直接箭头连接符 16">
-            <a:extLst>
-              <a:ext uri="{FF2B5EF4-FFF2-40B4-BE49-F238E27FC236}">
-                <a16:creationId xmlns:a16="http://schemas.microsoft.com/office/drawing/2014/main" id="{68CCFF4C-FA14-4970-88B5-882A87FB6BD3}"/>
-              </a:ext>
-            </a:extLst>
-          </p:cNvPr>
-          <p:cNvCxnSpPr>
-            <a:stCxn id="6" idx="3"/>
-            <a:endCxn id="7" idx="1"/>
-          </p:cNvCxnSpPr>
-          <p:nvPr/>
-        </p:nvCxnSpPr>
-        <p:spPr>
-          <a:xfrm>
-            <a:off x="7518643" y="2530914"/>
-            <a:ext cx="1115689" cy="5535"/>
-          </a:xfrm>
-          <a:prstGeom prst="straightConnector1">
-            <a:avLst/>
-          </a:prstGeom>
-          <a:ln>
-            <a:prstDash val="dashDot"/>
-            <a:tailEnd type="triangle"/>
-          </a:ln>
-        </p:spPr>
-        <p:style>
-          <a:lnRef idx="1">
-            <a:schemeClr val="accent1"/>
-          </a:lnRef>
-          <a:fillRef idx="0">
-            <a:schemeClr val="accent1"/>
-          </a:fillRef>
-          <a:effectRef idx="0">
-            <a:schemeClr val="accent1"/>
-          </a:effectRef>
-          <a:fontRef idx="minor">
-            <a:schemeClr val="tx1"/>
-          </a:fontRef>
-        </p:style>
-      </p:cxnSp>
-      <p:cxnSp>
-        <p:nvCxnSpPr>
-          <p:cNvPr id="18" name="直接箭头连接符 17">
-            <a:extLst>
-              <a:ext uri="{FF2B5EF4-FFF2-40B4-BE49-F238E27FC236}">
-                <a16:creationId xmlns:a16="http://schemas.microsoft.com/office/drawing/2014/main" id="{3AAB8465-6A4D-41DC-BD45-B5F22B49DEE1}"/>
-              </a:ext>
-            </a:extLst>
-          </p:cNvPr>
-          <p:cNvCxnSpPr>
-            <a:stCxn id="6" idx="2"/>
-            <a:endCxn id="8" idx="0"/>
-          </p:cNvCxnSpPr>
-          <p:nvPr/>
-        </p:nvCxnSpPr>
-        <p:spPr>
-          <a:xfrm flipH="1">
-            <a:off x="4985688" y="2746357"/>
-            <a:ext cx="1986972" cy="806093"/>
-          </a:xfrm>
-          <a:prstGeom prst="straightConnector1">
-            <a:avLst/>
-          </a:prstGeom>
-          <a:ln>
-            <a:tailEnd type="triangle"/>
-          </a:ln>
-        </p:spPr>
-        <p:style>
-          <a:lnRef idx="1">
-            <a:schemeClr val="accent1"/>
-          </a:lnRef>
-          <a:fillRef idx="0">
-            <a:schemeClr val="accent1"/>
-          </a:fillRef>
-          <a:effectRef idx="0">
-            <a:schemeClr val="accent1"/>
-          </a:effectRef>
-          <a:fontRef idx="minor">
-            <a:schemeClr val="tx1"/>
-          </a:fontRef>
-        </p:style>
-      </p:cxnSp>
-      <p:cxnSp>
-        <p:nvCxnSpPr>
-          <p:cNvPr id="19" name="直接箭头连接符 34">
-            <a:extLst>
-              <a:ext uri="{FF2B5EF4-FFF2-40B4-BE49-F238E27FC236}">
-                <a16:creationId xmlns:a16="http://schemas.microsoft.com/office/drawing/2014/main" id="{F4DEAD02-BF5B-4C8A-B8B7-D3BA96E9CE3C}"/>
-              </a:ext>
-            </a:extLst>
-          </p:cNvPr>
-          <p:cNvCxnSpPr>
-            <a:cxnSpLocks/>
-            <a:stCxn id="6" idx="1"/>
-            <a:endCxn id="11" idx="0"/>
-          </p:cNvCxnSpPr>
-          <p:nvPr/>
-        </p:nvCxnSpPr>
-        <p:spPr>
-          <a:xfrm rot="10800000" flipV="1">
-            <a:off x="2691791" y="2530913"/>
-            <a:ext cx="3734887" cy="2167895"/>
-          </a:xfrm>
-          <a:prstGeom prst="bentConnector2">
-            <a:avLst/>
-          </a:prstGeom>
-          <a:ln w="9525">
-            <a:prstDash val="dashDot"/>
-            <a:tailEnd type="triangle"/>
-          </a:ln>
-        </p:spPr>
-        <p:style>
-          <a:lnRef idx="1">
-            <a:schemeClr val="accent1"/>
-          </a:lnRef>
-          <a:fillRef idx="0">
-            <a:schemeClr val="accent1"/>
-          </a:fillRef>
-          <a:effectRef idx="0">
-            <a:schemeClr val="accent1"/>
-          </a:effectRef>
-          <a:fontRef idx="minor">
-            <a:schemeClr val="tx1"/>
-          </a:fontRef>
-        </p:style>
-      </p:cxnSp>
-      <p:cxnSp>
-        <p:nvCxnSpPr>
-          <p:cNvPr id="20" name="直接箭头连接符 19">
-            <a:extLst>
-              <a:ext uri="{FF2B5EF4-FFF2-40B4-BE49-F238E27FC236}">
-                <a16:creationId xmlns:a16="http://schemas.microsoft.com/office/drawing/2014/main" id="{0C945FE8-9A67-4120-ADD5-EB5B6218CC3D}"/>
-              </a:ext>
-            </a:extLst>
-          </p:cNvPr>
-          <p:cNvCxnSpPr>
-            <a:cxnSpLocks/>
-            <a:stCxn id="8" idx="2"/>
-            <a:endCxn id="11" idx="0"/>
-          </p:cNvCxnSpPr>
-          <p:nvPr/>
-        </p:nvCxnSpPr>
-        <p:spPr>
-          <a:xfrm flipH="1">
-            <a:off x="2691790" y="3983337"/>
-            <a:ext cx="2293898" cy="715472"/>
-          </a:xfrm>
-          <a:prstGeom prst="straightConnector1">
-            <a:avLst/>
-          </a:prstGeom>
-          <a:ln>
-            <a:tailEnd type="triangle"/>
-          </a:ln>
-        </p:spPr>
-        <p:style>
-          <a:lnRef idx="1">
-            <a:schemeClr val="accent1"/>
-          </a:lnRef>
-          <a:fillRef idx="0">
-            <a:schemeClr val="accent1"/>
-          </a:fillRef>
-          <a:effectRef idx="0">
-            <a:schemeClr val="accent1"/>
-          </a:effectRef>
-          <a:fontRef idx="minor">
-            <a:schemeClr val="tx1"/>
-          </a:fontRef>
-        </p:style>
-      </p:cxnSp>
-      <p:cxnSp>
-        <p:nvCxnSpPr>
-          <p:cNvPr id="21" name="直接箭头连接符 20">
-            <a:extLst>
-              <a:ext uri="{FF2B5EF4-FFF2-40B4-BE49-F238E27FC236}">
-                <a16:creationId xmlns:a16="http://schemas.microsoft.com/office/drawing/2014/main" id="{EBFABE46-8E90-40F4-ABFD-517C5CA37803}"/>
-              </a:ext>
-            </a:extLst>
-          </p:cNvPr>
-          <p:cNvCxnSpPr>
-            <a:cxnSpLocks/>
-            <a:stCxn id="6" idx="2"/>
-            <a:endCxn id="9" idx="0"/>
-          </p:cNvCxnSpPr>
-          <p:nvPr/>
-        </p:nvCxnSpPr>
-        <p:spPr>
-          <a:xfrm>
-            <a:off x="6972660" y="2746357"/>
-            <a:ext cx="2" cy="806092"/>
-          </a:xfrm>
-          <a:prstGeom prst="straightConnector1">
-            <a:avLst/>
-          </a:prstGeom>
-          <a:ln>
-            <a:tailEnd type="triangle"/>
-          </a:ln>
-        </p:spPr>
-        <p:style>
-          <a:lnRef idx="1">
-            <a:schemeClr val="accent1"/>
-          </a:lnRef>
-          <a:fillRef idx="0">
-            <a:schemeClr val="accent1"/>
-          </a:fillRef>
-          <a:effectRef idx="0">
-            <a:schemeClr val="accent1"/>
-          </a:effectRef>
-          <a:fontRef idx="minor">
-            <a:schemeClr val="tx1"/>
-          </a:fontRef>
-        </p:style>
-      </p:cxnSp>
-      <p:cxnSp>
-        <p:nvCxnSpPr>
-          <p:cNvPr id="22" name="直接箭头连接符 21">
-            <a:extLst>
-              <a:ext uri="{FF2B5EF4-FFF2-40B4-BE49-F238E27FC236}">
-                <a16:creationId xmlns:a16="http://schemas.microsoft.com/office/drawing/2014/main" id="{D5EF3B70-9D76-427F-8A51-8C38F1DAA1F6}"/>
-              </a:ext>
-            </a:extLst>
-          </p:cNvPr>
-          <p:cNvCxnSpPr>
-            <a:stCxn id="6" idx="2"/>
-            <a:endCxn id="10" idx="0"/>
-          </p:cNvCxnSpPr>
-          <p:nvPr/>
-        </p:nvCxnSpPr>
-        <p:spPr>
-          <a:xfrm>
-            <a:off x="6972660" y="2746357"/>
-            <a:ext cx="1921663" cy="806093"/>
-          </a:xfrm>
-          <a:prstGeom prst="straightConnector1">
-            <a:avLst/>
-          </a:prstGeom>
-          <a:ln>
-            <a:tailEnd type="triangle"/>
-          </a:ln>
-        </p:spPr>
-        <p:style>
-          <a:lnRef idx="1">
-            <a:schemeClr val="accent1"/>
-          </a:lnRef>
-          <a:fillRef idx="0">
-            <a:schemeClr val="accent1"/>
-          </a:fillRef>
-          <a:effectRef idx="0">
-            <a:schemeClr val="accent1"/>
-          </a:effectRef>
-          <a:fontRef idx="minor">
-            <a:schemeClr val="tx1"/>
-          </a:fontRef>
-        </p:style>
-      </p:cxnSp>
-      <p:cxnSp>
-        <p:nvCxnSpPr>
-          <p:cNvPr id="23" name="直接箭头连接符 22">
-            <a:extLst>
-              <a:ext uri="{FF2B5EF4-FFF2-40B4-BE49-F238E27FC236}">
-                <a16:creationId xmlns:a16="http://schemas.microsoft.com/office/drawing/2014/main" id="{9CB3818D-1EC4-41E5-92A7-4FF56AFA8F4C}"/>
-              </a:ext>
-            </a:extLst>
-          </p:cNvPr>
-          <p:cNvCxnSpPr>
-            <a:cxnSpLocks/>
-            <a:stCxn id="8" idx="2"/>
-            <a:endCxn id="13" idx="0"/>
-          </p:cNvCxnSpPr>
-          <p:nvPr/>
-        </p:nvCxnSpPr>
-        <p:spPr>
-          <a:xfrm>
-            <a:off x="4985688" y="3983337"/>
-            <a:ext cx="1" cy="727425"/>
-          </a:xfrm>
-          <a:prstGeom prst="straightConnector1">
-            <a:avLst/>
-          </a:prstGeom>
-          <a:ln>
-            <a:tailEnd type="triangle"/>
-          </a:ln>
-        </p:spPr>
-        <p:style>
-          <a:lnRef idx="1">
-            <a:schemeClr val="accent1"/>
-          </a:lnRef>
-          <a:fillRef idx="0">
-            <a:schemeClr val="accent1"/>
-          </a:fillRef>
-          <a:effectRef idx="0">
-            <a:schemeClr val="accent1"/>
-          </a:effectRef>
-          <a:fontRef idx="minor">
-            <a:schemeClr val="tx1"/>
-          </a:fontRef>
-        </p:style>
-      </p:cxnSp>
-      <p:cxnSp>
-        <p:nvCxnSpPr>
-          <p:cNvPr id="24" name="直接箭头连接符 23">
-            <a:extLst>
-              <a:ext uri="{FF2B5EF4-FFF2-40B4-BE49-F238E27FC236}">
-                <a16:creationId xmlns:a16="http://schemas.microsoft.com/office/drawing/2014/main" id="{0379CBD7-70AB-4374-B26D-DA90EEFF2072}"/>
-              </a:ext>
-            </a:extLst>
-          </p:cNvPr>
-          <p:cNvCxnSpPr>
-            <a:cxnSpLocks/>
-            <a:stCxn id="11" idx="2"/>
-            <a:endCxn id="12" idx="0"/>
-          </p:cNvCxnSpPr>
-          <p:nvPr/>
-        </p:nvCxnSpPr>
-        <p:spPr>
-          <a:xfrm>
-            <a:off x="2691790" y="5129696"/>
-            <a:ext cx="8548" cy="709946"/>
-          </a:xfrm>
-          <a:prstGeom prst="straightConnector1">
-            <a:avLst/>
-          </a:prstGeom>
-          <a:ln>
-            <a:tailEnd type="triangle"/>
-          </a:ln>
-        </p:spPr>
-        <p:style>
-          <a:lnRef idx="1">
-            <a:schemeClr val="accent1"/>
-          </a:lnRef>
-          <a:fillRef idx="0">
-            <a:schemeClr val="accent1"/>
-          </a:fillRef>
-          <a:effectRef idx="0">
-            <a:schemeClr val="accent1"/>
-          </a:effectRef>
-          <a:fontRef idx="minor">
-            <a:schemeClr val="tx1"/>
-          </a:fontRef>
-        </p:style>
-      </p:cxnSp>
-      <p:cxnSp>
-        <p:nvCxnSpPr>
-          <p:cNvPr id="25" name="直接箭头连接符 50">
-            <a:extLst>
-              <a:ext uri="{FF2B5EF4-FFF2-40B4-BE49-F238E27FC236}">
-                <a16:creationId xmlns:a16="http://schemas.microsoft.com/office/drawing/2014/main" id="{E9F065FA-7101-4675-8193-0A0592106D27}"/>
-              </a:ext>
-            </a:extLst>
-          </p:cNvPr>
-          <p:cNvCxnSpPr>
-            <a:cxnSpLocks/>
-            <a:stCxn id="9" idx="2"/>
-            <a:endCxn id="33" idx="3"/>
-          </p:cNvCxnSpPr>
-          <p:nvPr/>
-        </p:nvCxnSpPr>
-        <p:spPr>
-          <a:xfrm rot="5400000">
-            <a:off x="5441353" y="4439139"/>
-            <a:ext cx="1987113" cy="1075507"/>
-          </a:xfrm>
-          <a:prstGeom prst="bentConnector2">
-            <a:avLst/>
-          </a:prstGeom>
-          <a:ln>
-            <a:tailEnd type="triangle"/>
-          </a:ln>
-        </p:spPr>
-        <p:style>
-          <a:lnRef idx="1">
-            <a:schemeClr val="accent1"/>
-          </a:lnRef>
-          <a:fillRef idx="0">
-            <a:schemeClr val="accent1"/>
-          </a:fillRef>
-          <a:effectRef idx="0">
-            <a:schemeClr val="accent1"/>
-          </a:effectRef>
-          <a:fontRef idx="minor">
-            <a:schemeClr val="tx1"/>
-          </a:fontRef>
-        </p:style>
-      </p:cxnSp>
-      <p:cxnSp>
-        <p:nvCxnSpPr>
-          <p:cNvPr id="26" name="直接箭头连接符 25">
-            <a:extLst>
-              <a:ext uri="{FF2B5EF4-FFF2-40B4-BE49-F238E27FC236}">
-                <a16:creationId xmlns:a16="http://schemas.microsoft.com/office/drawing/2014/main" id="{9C72ED17-212B-499E-B558-5CB658DEF636}"/>
-              </a:ext>
-            </a:extLst>
-          </p:cNvPr>
-          <p:cNvCxnSpPr>
-            <a:stCxn id="10" idx="2"/>
-            <a:endCxn id="14" idx="0"/>
-          </p:cNvCxnSpPr>
-          <p:nvPr/>
-        </p:nvCxnSpPr>
-        <p:spPr>
-          <a:xfrm>
-            <a:off x="8894323" y="3983337"/>
-            <a:ext cx="3810" cy="715472"/>
-          </a:xfrm>
-          <a:prstGeom prst="straightConnector1">
-            <a:avLst/>
-          </a:prstGeom>
-          <a:ln>
-            <a:tailEnd type="triangle"/>
-          </a:ln>
-        </p:spPr>
-        <p:style>
-          <a:lnRef idx="1">
-            <a:schemeClr val="accent1"/>
-          </a:lnRef>
-          <a:fillRef idx="0">
-            <a:schemeClr val="accent1"/>
-          </a:fillRef>
-          <a:effectRef idx="0">
-            <a:schemeClr val="accent1"/>
-          </a:effectRef>
-          <a:fontRef idx="minor">
-            <a:schemeClr val="tx1"/>
-          </a:fontRef>
-        </p:style>
-      </p:cxnSp>
-      <p:cxnSp>
-        <p:nvCxnSpPr>
-          <p:cNvPr id="27" name="直接箭头连接符 26">
-            <a:extLst>
-              <a:ext uri="{FF2B5EF4-FFF2-40B4-BE49-F238E27FC236}">
-                <a16:creationId xmlns:a16="http://schemas.microsoft.com/office/drawing/2014/main" id="{5E91368D-61BF-4F6B-81DC-31D43A28FB47}"/>
-              </a:ext>
-            </a:extLst>
-          </p:cNvPr>
-          <p:cNvCxnSpPr>
-            <a:cxnSpLocks/>
-            <a:stCxn id="13" idx="2"/>
-            <a:endCxn id="33" idx="0"/>
-          </p:cNvCxnSpPr>
-          <p:nvPr/>
-        </p:nvCxnSpPr>
-        <p:spPr>
-          <a:xfrm flipH="1">
-            <a:off x="4985688" y="5141649"/>
-            <a:ext cx="1" cy="697995"/>
-          </a:xfrm>
-          <a:prstGeom prst="straightConnector1">
-            <a:avLst/>
-          </a:prstGeom>
-          <a:ln>
-            <a:tailEnd type="triangle"/>
-          </a:ln>
-        </p:spPr>
-        <p:style>
-          <a:lnRef idx="1">
-            <a:schemeClr val="accent1"/>
-          </a:lnRef>
-          <a:fillRef idx="0">
-            <a:schemeClr val="accent1"/>
-          </a:fillRef>
-          <a:effectRef idx="0">
-            <a:schemeClr val="accent1"/>
-          </a:effectRef>
-          <a:fontRef idx="minor">
-            <a:schemeClr val="tx1"/>
-          </a:fontRef>
-        </p:style>
-      </p:cxnSp>
-      <p:cxnSp>
-        <p:nvCxnSpPr>
-          <p:cNvPr id="28" name="直接箭头连接符 27">
-            <a:extLst>
-              <a:ext uri="{FF2B5EF4-FFF2-40B4-BE49-F238E27FC236}">
-                <a16:creationId xmlns:a16="http://schemas.microsoft.com/office/drawing/2014/main" id="{CC218C80-7D45-4A41-BCAC-0BCE1540DFFE}"/>
-              </a:ext>
-            </a:extLst>
-          </p:cNvPr>
-          <p:cNvCxnSpPr>
-            <a:cxnSpLocks/>
-            <a:stCxn id="33" idx="1"/>
-            <a:endCxn id="12" idx="3"/>
-          </p:cNvCxnSpPr>
-          <p:nvPr/>
-        </p:nvCxnSpPr>
-        <p:spPr>
-          <a:xfrm flipH="1">
-            <a:off x="3365109" y="5970447"/>
-            <a:ext cx="709111" cy="0"/>
-          </a:xfrm>
-          <a:prstGeom prst="straightConnector1">
-            <a:avLst/>
-          </a:prstGeom>
-          <a:ln>
-            <a:tailEnd type="triangle"/>
-          </a:ln>
-        </p:spPr>
-        <p:style>
-          <a:lnRef idx="1">
-            <a:schemeClr val="accent1"/>
-          </a:lnRef>
-          <a:fillRef idx="0">
-            <a:schemeClr val="accent1"/>
-          </a:fillRef>
-          <a:effectRef idx="0">
-            <a:schemeClr val="accent1"/>
-          </a:effectRef>
-          <a:fontRef idx="minor">
-            <a:schemeClr val="tx1"/>
-          </a:fontRef>
-        </p:style>
-      </p:cxnSp>
-      <p:sp>
-        <p:nvSpPr>
-          <p:cNvPr id="29" name="文本框 28">
-            <a:extLst>
-              <a:ext uri="{FF2B5EF4-FFF2-40B4-BE49-F238E27FC236}">
-                <a16:creationId xmlns:a16="http://schemas.microsoft.com/office/drawing/2014/main" id="{D1BCBC2E-CC39-471D-81ED-0355A55D5BA4}"/>
-              </a:ext>
-            </a:extLst>
-          </p:cNvPr>
-          <p:cNvSpPr txBox="1"/>
-          <p:nvPr/>
-        </p:nvSpPr>
-        <p:spPr>
-          <a:xfrm>
-            <a:off x="6951226" y="459564"/>
-            <a:ext cx="790601" cy="261610"/>
-          </a:xfrm>
-          <a:prstGeom prst="rect">
-            <a:avLst/>
-          </a:prstGeom>
-          <a:noFill/>
-        </p:spPr>
-        <p:txBody>
-          <a:bodyPr wrap="none" rtlCol="0">
-            <a:spAutoFit/>
-          </a:bodyPr>
-          <a:lstStyle/>
-          <a:p>
-            <a:r>
-              <a:rPr lang="en-US" altLang="zh-CN" sz="1100" b="1">
-                <a:latin typeface="+mn-ea"/>
-              </a:rPr>
-              <a:t>Java Http</a:t>
-            </a:r>
-            <a:endParaRPr lang="zh-CN" altLang="en-US" sz="1100" b="1">
-              <a:latin typeface="+mn-ea"/>
-            </a:endParaRPr>
-          </a:p>
-        </p:txBody>
-      </p:sp>
-      <p:sp>
-        <p:nvSpPr>
-          <p:cNvPr id="30" name="文本框 29">
-            <a:extLst>
-              <a:ext uri="{FF2B5EF4-FFF2-40B4-BE49-F238E27FC236}">
-                <a16:creationId xmlns:a16="http://schemas.microsoft.com/office/drawing/2014/main" id="{DB2230FC-1F62-43A5-9B5F-0D2E474D0BD2}"/>
-              </a:ext>
-            </a:extLst>
-          </p:cNvPr>
-          <p:cNvSpPr txBox="1"/>
-          <p:nvPr/>
-        </p:nvSpPr>
-        <p:spPr>
-          <a:xfrm>
-            <a:off x="6969160" y="1817839"/>
-            <a:ext cx="484428" cy="261610"/>
-          </a:xfrm>
-          <a:prstGeom prst="rect">
-            <a:avLst/>
-          </a:prstGeom>
-          <a:noFill/>
-        </p:spPr>
-        <p:txBody>
-          <a:bodyPr wrap="none" rtlCol="0">
-            <a:spAutoFit/>
-          </a:bodyPr>
-          <a:lstStyle/>
-          <a:p>
-            <a:r>
-              <a:rPr lang="en-US" altLang="zh-CN" sz="1100" b="1">
-                <a:latin typeface="+mn-ea"/>
-              </a:rPr>
-              <a:t>Flink</a:t>
-            </a:r>
-            <a:endParaRPr lang="zh-CN" altLang="en-US" sz="1100" b="1">
-              <a:latin typeface="+mn-ea"/>
-            </a:endParaRPr>
-          </a:p>
-        </p:txBody>
-      </p:sp>
-      <p:sp>
-        <p:nvSpPr>
-          <p:cNvPr id="31" name="文本框 30">
-            <a:extLst>
-              <a:ext uri="{FF2B5EF4-FFF2-40B4-BE49-F238E27FC236}">
-                <a16:creationId xmlns:a16="http://schemas.microsoft.com/office/drawing/2014/main" id="{17C0A32A-F5B3-47E9-ACAD-EF663FADC5EB}"/>
-              </a:ext>
-            </a:extLst>
-          </p:cNvPr>
-          <p:cNvSpPr txBox="1"/>
-          <p:nvPr/>
-        </p:nvSpPr>
-        <p:spPr>
-          <a:xfrm>
-            <a:off x="7610728" y="2285278"/>
-            <a:ext cx="909223" cy="261610"/>
-          </a:xfrm>
-          <a:prstGeom prst="rect">
-            <a:avLst/>
-          </a:prstGeom>
-          <a:noFill/>
-        </p:spPr>
-        <p:txBody>
-          <a:bodyPr wrap="none" rtlCol="0">
-            <a:spAutoFit/>
-          </a:bodyPr>
-          <a:lstStyle/>
-          <a:p>
-            <a:r>
-              <a:rPr lang="en-US" altLang="zh-CN" sz="1100" b="1">
-                <a:latin typeface="+mn-ea"/>
-              </a:rPr>
-              <a:t>Springboot</a:t>
-            </a:r>
-            <a:endParaRPr lang="zh-CN" altLang="en-US" sz="1100" b="1">
-              <a:latin typeface="+mn-ea"/>
-            </a:endParaRPr>
-          </a:p>
-        </p:txBody>
-      </p:sp>
-      <p:grpSp>
-        <p:nvGrpSpPr>
-          <p:cNvPr id="32" name="组合 31">
-            <a:extLst>
-              <a:ext uri="{FF2B5EF4-FFF2-40B4-BE49-F238E27FC236}">
-                <a16:creationId xmlns:a16="http://schemas.microsoft.com/office/drawing/2014/main" id="{F049546C-F96D-4182-837F-E2953D999C6A}"/>
+                <a16:creationId xmlns:a16="http://schemas.microsoft.com/office/drawing/2014/main" id="{6D2A3EA5-3F3A-4DC8-87A7-6BF27750F33C}"/>
               </a:ext>
             </a:extLst>
           </p:cNvPr>
@@ -4681,24 +3704,18 @@
         </p:nvGrpSpPr>
         <p:grpSpPr>
           <a:xfrm>
-            <a:off x="4074220" y="5839642"/>
-            <a:ext cx="1822935" cy="501164"/>
-            <a:chOff x="7430997" y="5902433"/>
-            <a:chExt cx="2787344" cy="766301"/>
+            <a:off x="4363991" y="114805"/>
+            <a:ext cx="7589130" cy="6523405"/>
+            <a:chOff x="1881311" y="114805"/>
+            <a:chExt cx="7589130" cy="6523405"/>
           </a:xfrm>
-          <a:solidFill>
-            <a:schemeClr val="accent3">
-              <a:lumMod val="20000"/>
-              <a:lumOff val="80000"/>
-            </a:schemeClr>
-          </a:solidFill>
         </p:grpSpPr>
         <p:sp>
           <p:nvSpPr>
-            <p:cNvPr id="33" name="文本框 32">
+            <p:cNvPr id="4" name="文本框 3">
               <a:extLst>
                 <a:ext uri="{FF2B5EF4-FFF2-40B4-BE49-F238E27FC236}">
-                  <a16:creationId xmlns:a16="http://schemas.microsoft.com/office/drawing/2014/main" id="{9C87CDDB-7AF8-4ED1-AD37-4C3AC40DB103}"/>
+                  <a16:creationId xmlns:a16="http://schemas.microsoft.com/office/drawing/2014/main" id="{2753D7F7-4FC1-4D41-97D3-28496A2D3462}"/>
                 </a:ext>
               </a:extLst>
             </p:cNvPr>
@@ -4707,13 +3724,18 @@
           </p:nvSpPr>
           <p:spPr>
             <a:xfrm>
-              <a:off x="7430997" y="5902433"/>
-              <a:ext cx="2787344" cy="400013"/>
+              <a:off x="6604611" y="114805"/>
+              <a:ext cx="736099" cy="261610"/>
             </a:xfrm>
             <a:prstGeom prst="rect">
               <a:avLst/>
             </a:prstGeom>
-            <a:grpFill/>
+            <a:solidFill>
+              <a:schemeClr val="accent3">
+                <a:lumMod val="20000"/>
+                <a:lumOff val="80000"/>
+              </a:schemeClr>
+            </a:solidFill>
             <a:ln>
               <a:noFill/>
             </a:ln>
@@ -4729,15 +3751,9 @@
                 <a:rPr lang="en-US" altLang="zh-CN" sz="1100" b="1">
                   <a:latin typeface="+mn-ea"/>
                 </a:rPr>
-                <a:t>Hive on Spark </a:t>
+                <a:t>WEB API</a:t>
               </a:r>
-              <a:r>
-                <a:rPr lang="zh-CN" altLang="en-US" sz="1100" b="1">
-                  <a:latin typeface="+mn-ea"/>
-                </a:rPr>
-                <a:t>离线批处理</a:t>
-              </a:r>
-              <a:endParaRPr lang="en-US" altLang="zh-CN" sz="1100" b="1">
+              <a:endParaRPr lang="zh-CN" altLang="en-US" sz="1100" b="1">
                 <a:latin typeface="+mn-ea"/>
               </a:endParaRPr>
             </a:p>
@@ -4745,10 +3761,10 @@
         </p:sp>
         <p:sp>
           <p:nvSpPr>
-            <p:cNvPr id="34" name="文本框 33">
+            <p:cNvPr id="5" name="文本框 4">
               <a:extLst>
                 <a:ext uri="{FF2B5EF4-FFF2-40B4-BE49-F238E27FC236}">
-                  <a16:creationId xmlns:a16="http://schemas.microsoft.com/office/drawing/2014/main" id="{12168866-73E3-4E28-99FC-1AAD94E4AAA9}"/>
+                  <a16:creationId xmlns:a16="http://schemas.microsoft.com/office/drawing/2014/main" id="{64AA1F56-8820-4F71-8718-6F04D7364FC7}"/>
                 </a:ext>
               </a:extLst>
             </p:cNvPr>
@@ -4757,13 +3773,18 @@
           </p:nvSpPr>
           <p:spPr>
             <a:xfrm>
-              <a:off x="8182914" y="6268721"/>
-              <a:ext cx="1311806" cy="400013"/>
+              <a:off x="6193442" y="1127353"/>
+              <a:ext cx="1558439" cy="430887"/>
             </a:xfrm>
             <a:prstGeom prst="rect">
               <a:avLst/>
             </a:prstGeom>
-            <a:grpFill/>
+            <a:solidFill>
+              <a:schemeClr val="accent3">
+                <a:lumMod val="20000"/>
+                <a:lumOff val="80000"/>
+              </a:schemeClr>
+            </a:solidFill>
             <a:ln>
               <a:noFill/>
             </a:ln>
@@ -4779,16 +3800,3029 @@
                 <a:rPr lang="en-US" altLang="zh-CN" sz="1100" b="1">
                   <a:latin typeface="+mn-ea"/>
                 </a:rPr>
-                <a:t>HDFS </a:t>
+                <a:t>File</a:t>
+              </a:r>
+            </a:p>
+            <a:p>
+              <a:pPr algn="ctr"/>
+              <a:r>
+                <a:rPr lang="en-US" altLang="zh-CN" sz="1100" b="1">
+                  <a:latin typeface="+mn-ea"/>
+                </a:rPr>
+                <a:t>[szt-data-page.jsons]</a:t>
+              </a:r>
+              <a:endParaRPr lang="zh-CN" altLang="en-US" sz="1100" b="1">
+                <a:latin typeface="+mn-ea"/>
+              </a:endParaRPr>
+            </a:p>
+          </p:txBody>
+        </p:sp>
+        <p:sp>
+          <p:nvSpPr>
+            <p:cNvPr id="6" name="文本框 5">
+              <a:extLst>
+                <a:ext uri="{FF2B5EF4-FFF2-40B4-BE49-F238E27FC236}">
+                  <a16:creationId xmlns:a16="http://schemas.microsoft.com/office/drawing/2014/main" id="{B89EBE7B-D177-4B31-98D2-E312F3316EF3}"/>
+                </a:ext>
+              </a:extLst>
+            </p:cNvPr>
+            <p:cNvSpPr txBox="1"/>
+            <p:nvPr/>
+          </p:nvSpPr>
+          <p:spPr>
+            <a:xfrm>
+              <a:off x="6426677" y="2315470"/>
+              <a:ext cx="1091966" cy="430887"/>
+            </a:xfrm>
+            <a:prstGeom prst="rect">
+              <a:avLst/>
+            </a:prstGeom>
+            <a:solidFill>
+              <a:schemeClr val="accent3">
+                <a:lumMod val="20000"/>
+                <a:lumOff val="80000"/>
+              </a:schemeClr>
+            </a:solidFill>
+            <a:ln>
+              <a:noFill/>
+            </a:ln>
+          </p:spPr>
+          <p:txBody>
+            <a:bodyPr wrap="none" rtlCol="0">
+              <a:spAutoFit/>
+            </a:bodyPr>
+            <a:lstStyle/>
+            <a:p>
+              <a:pPr algn="ctr"/>
+              <a:r>
+                <a:rPr lang="en-US" altLang="zh-CN" sz="1100" b="1">
+                  <a:latin typeface="+mn-ea"/>
+                </a:rPr>
+                <a:t>Redis</a:t>
+              </a:r>
+            </a:p>
+            <a:p>
+              <a:pPr algn="ctr"/>
+              <a:r>
+                <a:rPr lang="en-US" altLang="zh-CN" sz="1100" b="1">
+                  <a:latin typeface="+mn-ea"/>
+                </a:rPr>
+                <a:t>[szt:pageJson]</a:t>
+              </a:r>
+              <a:endParaRPr lang="zh-CN" altLang="en-US" sz="1100" b="1">
+                <a:latin typeface="+mn-ea"/>
+              </a:endParaRPr>
+            </a:p>
+          </p:txBody>
+        </p:sp>
+        <p:sp>
+          <p:nvSpPr>
+            <p:cNvPr id="7" name="文本框 6">
+              <a:extLst>
+                <a:ext uri="{FF2B5EF4-FFF2-40B4-BE49-F238E27FC236}">
+                  <a16:creationId xmlns:a16="http://schemas.microsoft.com/office/drawing/2014/main" id="{72E9449A-04D6-4799-880E-3B23F9C8EBA4}"/>
+                </a:ext>
+              </a:extLst>
+            </p:cNvPr>
+            <p:cNvSpPr txBox="1"/>
+            <p:nvPr/>
+          </p:nvSpPr>
+          <p:spPr>
+            <a:xfrm>
+              <a:off x="8634332" y="2405644"/>
+              <a:ext cx="758541" cy="261610"/>
+            </a:xfrm>
+            <a:prstGeom prst="rect">
+              <a:avLst/>
+            </a:prstGeom>
+            <a:solidFill>
+              <a:schemeClr val="accent3">
+                <a:lumMod val="20000"/>
+                <a:lumOff val="80000"/>
+              </a:schemeClr>
+            </a:solidFill>
+            <a:ln>
+              <a:noFill/>
+            </a:ln>
+          </p:spPr>
+          <p:txBody>
+            <a:bodyPr wrap="none" rtlCol="0">
+              <a:spAutoFit/>
+            </a:bodyPr>
+            <a:lstStyle/>
+            <a:p>
+              <a:pPr algn="ctr"/>
+              <a:r>
+                <a:rPr lang="en-US" altLang="zh-CN" sz="1100" b="1">
+                  <a:latin typeface="+mn-ea"/>
+                </a:rPr>
+                <a:t>REST API</a:t>
+              </a:r>
+              <a:endParaRPr lang="zh-CN" altLang="en-US" sz="1100" b="1">
+                <a:latin typeface="+mn-ea"/>
+              </a:endParaRPr>
+            </a:p>
+          </p:txBody>
+        </p:sp>
+        <p:sp>
+          <p:nvSpPr>
+            <p:cNvPr id="8" name="文本框 7">
+              <a:extLst>
+                <a:ext uri="{FF2B5EF4-FFF2-40B4-BE49-F238E27FC236}">
+                  <a16:creationId xmlns:a16="http://schemas.microsoft.com/office/drawing/2014/main" id="{C113CBD5-B56B-491E-A541-4F377E79B1AF}"/>
+                </a:ext>
+              </a:extLst>
+            </p:cNvPr>
+            <p:cNvSpPr txBox="1"/>
+            <p:nvPr/>
+          </p:nvSpPr>
+          <p:spPr>
+            <a:xfrm>
+              <a:off x="4386806" y="3552450"/>
+              <a:ext cx="1197764" cy="430887"/>
+            </a:xfrm>
+            <a:prstGeom prst="rect">
+              <a:avLst/>
+            </a:prstGeom>
+            <a:solidFill>
+              <a:schemeClr val="accent3">
+                <a:lumMod val="20000"/>
+                <a:lumOff val="80000"/>
+              </a:schemeClr>
+            </a:solidFill>
+            <a:ln>
+              <a:noFill/>
+            </a:ln>
+          </p:spPr>
+          <p:txBody>
+            <a:bodyPr wrap="none" rtlCol="0">
+              <a:spAutoFit/>
+            </a:bodyPr>
+            <a:lstStyle/>
+            <a:p>
+              <a:pPr algn="ctr"/>
+              <a:r>
+                <a:rPr lang="en-US" altLang="zh-CN" sz="1100" b="1">
+                  <a:latin typeface="+mn-ea"/>
+                </a:rPr>
+                <a:t>Kafka</a:t>
+              </a:r>
+            </a:p>
+            <a:p>
+              <a:pPr algn="ctr"/>
+              <a:r>
+                <a:rPr lang="en-US" altLang="zh-CN" sz="1100" b="1">
+                  <a:latin typeface="+mn-ea"/>
+                </a:rPr>
+                <a:t>[topic-flink-szt]</a:t>
+              </a:r>
+              <a:endParaRPr lang="zh-CN" altLang="en-US" sz="1100" b="1">
+                <a:latin typeface="+mn-ea"/>
+              </a:endParaRPr>
+            </a:p>
+          </p:txBody>
+        </p:sp>
+        <p:sp>
+          <p:nvSpPr>
+            <p:cNvPr id="9" name="文本框 8">
+              <a:extLst>
+                <a:ext uri="{FF2B5EF4-FFF2-40B4-BE49-F238E27FC236}">
+                  <a16:creationId xmlns:a16="http://schemas.microsoft.com/office/drawing/2014/main" id="{C926C509-B1BD-46EC-97D1-A975323EB035}"/>
+                </a:ext>
+              </a:extLst>
+            </p:cNvPr>
+            <p:cNvSpPr txBox="1"/>
+            <p:nvPr/>
+          </p:nvSpPr>
+          <p:spPr>
+            <a:xfrm>
+              <a:off x="6421069" y="3552449"/>
+              <a:ext cx="1103186" cy="430887"/>
+            </a:xfrm>
+            <a:prstGeom prst="rect">
+              <a:avLst/>
+            </a:prstGeom>
+            <a:solidFill>
+              <a:schemeClr val="accent3">
+                <a:lumMod val="20000"/>
+                <a:lumOff val="80000"/>
+              </a:schemeClr>
+            </a:solidFill>
+            <a:ln>
+              <a:noFill/>
+            </a:ln>
+          </p:spPr>
+          <p:txBody>
+            <a:bodyPr wrap="none" rtlCol="0">
+              <a:spAutoFit/>
+            </a:bodyPr>
+            <a:lstStyle/>
+            <a:p>
+              <a:pPr algn="ctr"/>
+              <a:r>
+                <a:rPr lang="en-US" altLang="zh-CN" sz="1100" b="1">
+                  <a:latin typeface="+mn-ea"/>
+                </a:rPr>
+                <a:t>CSV</a:t>
+              </a:r>
+            </a:p>
+            <a:p>
+              <a:pPr algn="ctr"/>
+              <a:r>
+                <a:rPr lang="en-US" altLang="zh-CN" sz="1100" b="1">
+                  <a:latin typeface="+mn-ea"/>
+                </a:rPr>
+                <a:t>[szt-data*.csv]</a:t>
+              </a:r>
+              <a:endParaRPr lang="zh-CN" altLang="en-US" sz="1100" b="1">
+                <a:latin typeface="+mn-ea"/>
+              </a:endParaRPr>
+            </a:p>
+          </p:txBody>
+        </p:sp>
+        <p:sp>
+          <p:nvSpPr>
+            <p:cNvPr id="10" name="文本框 9">
+              <a:extLst>
+                <a:ext uri="{FF2B5EF4-FFF2-40B4-BE49-F238E27FC236}">
+                  <a16:creationId xmlns:a16="http://schemas.microsoft.com/office/drawing/2014/main" id="{2F13FF06-D411-4E0F-A091-ADB05AA280BF}"/>
+                </a:ext>
+              </a:extLst>
+            </p:cNvPr>
+            <p:cNvSpPr txBox="1"/>
+            <p:nvPr/>
+          </p:nvSpPr>
+          <p:spPr>
+            <a:xfrm>
+              <a:off x="8397231" y="3552450"/>
+              <a:ext cx="994183" cy="430887"/>
+            </a:xfrm>
+            <a:prstGeom prst="rect">
+              <a:avLst/>
+            </a:prstGeom>
+            <a:solidFill>
+              <a:schemeClr val="accent3">
+                <a:lumMod val="20000"/>
+                <a:lumOff val="80000"/>
+              </a:schemeClr>
+            </a:solidFill>
+            <a:ln>
+              <a:noFill/>
+            </a:ln>
+          </p:spPr>
+          <p:txBody>
+            <a:bodyPr wrap="none" rtlCol="0">
+              <a:spAutoFit/>
+            </a:bodyPr>
+            <a:lstStyle/>
+            <a:p>
+              <a:pPr algn="ctr"/>
+              <a:r>
+                <a:rPr lang="en-US" altLang="zh-CN" sz="1100" b="1">
+                  <a:latin typeface="+mn-ea"/>
+                </a:rPr>
+                <a:t>Elasticsearch</a:t>
+              </a:r>
+            </a:p>
+            <a:p>
+              <a:pPr algn="ctr"/>
+              <a:r>
+                <a:rPr lang="en-US" altLang="zh-CN" sz="1100" b="1">
+                  <a:latin typeface="+mn-ea"/>
+                </a:rPr>
+                <a:t>[szt-data]</a:t>
+              </a:r>
+              <a:endParaRPr lang="zh-CN" altLang="en-US" sz="1100" b="1">
+                <a:latin typeface="+mn-ea"/>
+              </a:endParaRPr>
+            </a:p>
+          </p:txBody>
+        </p:sp>
+        <p:sp>
+          <p:nvSpPr>
+            <p:cNvPr id="11" name="文本框 10">
+              <a:extLst>
+                <a:ext uri="{FF2B5EF4-FFF2-40B4-BE49-F238E27FC236}">
+                  <a16:creationId xmlns:a16="http://schemas.microsoft.com/office/drawing/2014/main" id="{02C3B48B-76C2-4A46-BB78-ED50154C061F}"/>
+                </a:ext>
+              </a:extLst>
+            </p:cNvPr>
+            <p:cNvSpPr txBox="1"/>
+            <p:nvPr/>
+          </p:nvSpPr>
+          <p:spPr>
+            <a:xfrm>
+              <a:off x="1881311" y="4698809"/>
+              <a:ext cx="1620957" cy="430887"/>
+            </a:xfrm>
+            <a:prstGeom prst="rect">
+              <a:avLst/>
+            </a:prstGeom>
+            <a:solidFill>
+              <a:schemeClr val="accent3">
+                <a:lumMod val="20000"/>
+                <a:lumOff val="80000"/>
+              </a:schemeClr>
+            </a:solidFill>
+            <a:ln>
+              <a:noFill/>
+            </a:ln>
+          </p:spPr>
+          <p:txBody>
+            <a:bodyPr wrap="none" rtlCol="0">
+              <a:spAutoFit/>
+            </a:bodyPr>
+            <a:lstStyle/>
+            <a:p>
+              <a:pPr algn="ctr"/>
+              <a:r>
+                <a:rPr lang="en-US" altLang="zh-CN" sz="1100" b="1">
+                  <a:latin typeface="+mn-ea"/>
+                </a:rPr>
+                <a:t>Hbase</a:t>
+              </a:r>
+            </a:p>
+            <a:p>
+              <a:pPr algn="ctr"/>
+              <a:r>
+                <a:rPr lang="en-US" altLang="zh-CN" sz="1100" b="1">
+                  <a:latin typeface="+mn-ea"/>
+                </a:rPr>
+                <a:t>[szt:data | flink2hbase]</a:t>
+              </a:r>
+              <a:endParaRPr lang="zh-CN" altLang="en-US" sz="1100" b="1">
+                <a:latin typeface="+mn-ea"/>
+              </a:endParaRPr>
+            </a:p>
+          </p:txBody>
+        </p:sp>
+        <p:sp>
+          <p:nvSpPr>
+            <p:cNvPr id="12" name="文本框 11">
+              <a:extLst>
+                <a:ext uri="{FF2B5EF4-FFF2-40B4-BE49-F238E27FC236}">
+                  <a16:creationId xmlns:a16="http://schemas.microsoft.com/office/drawing/2014/main" id="{25B81C95-DBC9-4902-A433-B3B7BF60D40C}"/>
+                </a:ext>
+              </a:extLst>
+            </p:cNvPr>
+            <p:cNvSpPr txBox="1"/>
+            <p:nvPr/>
+          </p:nvSpPr>
+          <p:spPr>
+            <a:xfrm>
+              <a:off x="2035567" y="5839642"/>
+              <a:ext cx="1329542" cy="430887"/>
+            </a:xfrm>
+            <a:prstGeom prst="rect">
+              <a:avLst/>
+            </a:prstGeom>
+            <a:solidFill>
+              <a:schemeClr val="accent3">
+                <a:lumMod val="20000"/>
+                <a:lumOff val="80000"/>
+              </a:schemeClr>
+            </a:solidFill>
+            <a:ln>
+              <a:noFill/>
+            </a:ln>
+          </p:spPr>
+          <p:txBody>
+            <a:bodyPr wrap="square" rtlCol="0">
+              <a:spAutoFit/>
+            </a:bodyPr>
+            <a:lstStyle/>
+            <a:p>
+              <a:pPr algn="ctr"/>
+              <a:r>
+                <a:rPr lang="en-US" altLang="zh-CN" sz="1100" b="1">
+                  <a:latin typeface="+mn-ea"/>
+                </a:rPr>
+                <a:t>HUE</a:t>
+              </a:r>
+            </a:p>
+            <a:p>
+              <a:pPr algn="ctr"/>
+              <a:r>
+                <a:rPr lang="zh-CN" altLang="en-US" sz="1100" b="1">
+                  <a:latin typeface="+mn-ea"/>
+                </a:rPr>
+                <a:t>查询可视化</a:t>
+              </a:r>
+            </a:p>
+          </p:txBody>
+        </p:sp>
+        <p:sp>
+          <p:nvSpPr>
+            <p:cNvPr id="13" name="文本框 12">
+              <a:extLst>
+                <a:ext uri="{FF2B5EF4-FFF2-40B4-BE49-F238E27FC236}">
+                  <a16:creationId xmlns:a16="http://schemas.microsoft.com/office/drawing/2014/main" id="{5A93039B-002C-4988-B7C6-D5A9A72B8B4A}"/>
+                </a:ext>
+              </a:extLst>
+            </p:cNvPr>
+            <p:cNvSpPr txBox="1"/>
+            <p:nvPr/>
+          </p:nvSpPr>
+          <p:spPr>
+            <a:xfrm>
+              <a:off x="4398750" y="4710762"/>
+              <a:ext cx="1173878" cy="600164"/>
+            </a:xfrm>
+            <a:prstGeom prst="rect">
+              <a:avLst/>
+            </a:prstGeom>
+            <a:solidFill>
+              <a:schemeClr val="accent3">
+                <a:lumMod val="20000"/>
+                <a:lumOff val="80000"/>
+              </a:schemeClr>
+            </a:solidFill>
+            <a:ln>
+              <a:noFill/>
+            </a:ln>
+          </p:spPr>
+          <p:txBody>
+            <a:bodyPr wrap="square" rtlCol="0">
+              <a:spAutoFit/>
+            </a:bodyPr>
+            <a:lstStyle/>
+            <a:p>
+              <a:pPr algn="ctr"/>
+              <a:r>
+                <a:rPr lang="en-US" altLang="zh-CN" sz="1100" b="1">
+                  <a:latin typeface="+mn-ea"/>
+                </a:rPr>
+                <a:t>Flink </a:t>
+              </a:r>
+            </a:p>
+            <a:p>
+              <a:pPr algn="ctr"/>
+              <a:r>
+                <a:rPr lang="zh-CN" altLang="en-US" sz="1100" b="1">
+                  <a:latin typeface="+mn-ea"/>
+                </a:rPr>
+                <a:t>实时流处理</a:t>
+              </a:r>
+              <a:endParaRPr lang="en-US" altLang="zh-CN" sz="1100" b="1">
+                <a:latin typeface="+mn-ea"/>
+              </a:endParaRPr>
+            </a:p>
+            <a:p>
+              <a:pPr algn="ctr"/>
+              <a:r>
+                <a:rPr lang="zh-CN" altLang="en-US" sz="1100" b="1">
+                  <a:latin typeface="+mn-ea"/>
+                </a:rPr>
+                <a:t>流批一体化</a:t>
+              </a:r>
+            </a:p>
+          </p:txBody>
+        </p:sp>
+        <p:sp>
+          <p:nvSpPr>
+            <p:cNvPr id="14" name="文本框 13">
+              <a:extLst>
+                <a:ext uri="{FF2B5EF4-FFF2-40B4-BE49-F238E27FC236}">
+                  <a16:creationId xmlns:a16="http://schemas.microsoft.com/office/drawing/2014/main" id="{4BEF778D-A96B-45E1-87A7-665409CC733D}"/>
+                </a:ext>
+              </a:extLst>
+            </p:cNvPr>
+            <p:cNvSpPr txBox="1"/>
+            <p:nvPr/>
+          </p:nvSpPr>
+          <p:spPr>
+            <a:xfrm>
+              <a:off x="8437910" y="4698809"/>
+              <a:ext cx="920445" cy="430887"/>
+            </a:xfrm>
+            <a:prstGeom prst="rect">
+              <a:avLst/>
+            </a:prstGeom>
+            <a:solidFill>
+              <a:schemeClr val="accent3">
+                <a:lumMod val="20000"/>
+                <a:lumOff val="80000"/>
+              </a:schemeClr>
+            </a:solidFill>
+            <a:ln>
+              <a:noFill/>
+            </a:ln>
+          </p:spPr>
+          <p:txBody>
+            <a:bodyPr wrap="none" rtlCol="0">
+              <a:spAutoFit/>
+            </a:bodyPr>
+            <a:lstStyle/>
+            <a:p>
+              <a:pPr algn="ctr"/>
+              <a:r>
+                <a:rPr lang="en-US" altLang="zh-CN" sz="1100" b="1">
+                  <a:latin typeface="+mn-ea"/>
+                </a:rPr>
+                <a:t>Kibana </a:t>
+              </a:r>
+            </a:p>
+            <a:p>
+              <a:pPr algn="ctr"/>
+              <a:r>
+                <a:rPr lang="zh-CN" altLang="en-US" sz="1100" b="1">
+                  <a:latin typeface="+mn-ea"/>
+                </a:rPr>
+                <a:t>检索数据源</a:t>
+              </a:r>
+            </a:p>
+          </p:txBody>
+        </p:sp>
+        <p:cxnSp>
+          <p:nvCxnSpPr>
+            <p:cNvPr id="15" name="直接箭头连接符 14">
+              <a:extLst>
+                <a:ext uri="{FF2B5EF4-FFF2-40B4-BE49-F238E27FC236}">
+                  <a16:creationId xmlns:a16="http://schemas.microsoft.com/office/drawing/2014/main" id="{53B3731C-FA60-4455-8172-B4601E696D33}"/>
+                </a:ext>
+              </a:extLst>
+            </p:cNvPr>
+            <p:cNvCxnSpPr>
+              <a:cxnSpLocks/>
+              <a:stCxn id="4" idx="2"/>
+              <a:endCxn id="5" idx="0"/>
+            </p:cNvCxnSpPr>
+            <p:nvPr/>
+          </p:nvCxnSpPr>
+          <p:spPr>
+            <a:xfrm>
+              <a:off x="6972661" y="376415"/>
+              <a:ext cx="1" cy="750938"/>
+            </a:xfrm>
+            <a:prstGeom prst="straightConnector1">
+              <a:avLst/>
+            </a:prstGeom>
+            <a:ln>
+              <a:tailEnd type="triangle"/>
+            </a:ln>
+          </p:spPr>
+          <p:style>
+            <a:lnRef idx="1">
+              <a:schemeClr val="accent1"/>
+            </a:lnRef>
+            <a:fillRef idx="0">
+              <a:schemeClr val="accent1"/>
+            </a:fillRef>
+            <a:effectRef idx="0">
+              <a:schemeClr val="accent1"/>
+            </a:effectRef>
+            <a:fontRef idx="minor">
+              <a:schemeClr val="tx1"/>
+            </a:fontRef>
+          </p:style>
+        </p:cxnSp>
+        <p:cxnSp>
+          <p:nvCxnSpPr>
+            <p:cNvPr id="16" name="直接箭头连接符 15">
+              <a:extLst>
+                <a:ext uri="{FF2B5EF4-FFF2-40B4-BE49-F238E27FC236}">
+                  <a16:creationId xmlns:a16="http://schemas.microsoft.com/office/drawing/2014/main" id="{E96B8598-8310-4A43-B274-BE07606BDF46}"/>
+                </a:ext>
+              </a:extLst>
+            </p:cNvPr>
+            <p:cNvCxnSpPr>
+              <a:cxnSpLocks/>
+              <a:stCxn id="5" idx="2"/>
+              <a:endCxn id="6" idx="0"/>
+            </p:cNvCxnSpPr>
+            <p:nvPr/>
+          </p:nvCxnSpPr>
+          <p:spPr>
+            <a:xfrm flipH="1">
+              <a:off x="6972660" y="1558240"/>
+              <a:ext cx="2" cy="757230"/>
+            </a:xfrm>
+            <a:prstGeom prst="straightConnector1">
+              <a:avLst/>
+            </a:prstGeom>
+            <a:ln>
+              <a:tailEnd type="triangle"/>
+            </a:ln>
+          </p:spPr>
+          <p:style>
+            <a:lnRef idx="1">
+              <a:schemeClr val="accent1"/>
+            </a:lnRef>
+            <a:fillRef idx="0">
+              <a:schemeClr val="accent1"/>
+            </a:fillRef>
+            <a:effectRef idx="0">
+              <a:schemeClr val="accent1"/>
+            </a:effectRef>
+            <a:fontRef idx="minor">
+              <a:schemeClr val="tx1"/>
+            </a:fontRef>
+          </p:style>
+        </p:cxnSp>
+        <p:cxnSp>
+          <p:nvCxnSpPr>
+            <p:cNvPr id="17" name="直接箭头连接符 16">
+              <a:extLst>
+                <a:ext uri="{FF2B5EF4-FFF2-40B4-BE49-F238E27FC236}">
+                  <a16:creationId xmlns:a16="http://schemas.microsoft.com/office/drawing/2014/main" id="{68CCFF4C-FA14-4970-88B5-882A87FB6BD3}"/>
+                </a:ext>
+              </a:extLst>
+            </p:cNvPr>
+            <p:cNvCxnSpPr>
+              <a:stCxn id="6" idx="3"/>
+              <a:endCxn id="7" idx="1"/>
+            </p:cNvCxnSpPr>
+            <p:nvPr/>
+          </p:nvCxnSpPr>
+          <p:spPr>
+            <a:xfrm>
+              <a:off x="7518643" y="2530914"/>
+              <a:ext cx="1115689" cy="5535"/>
+            </a:xfrm>
+            <a:prstGeom prst="straightConnector1">
+              <a:avLst/>
+            </a:prstGeom>
+            <a:ln>
+              <a:prstDash val="dashDot"/>
+              <a:tailEnd type="triangle"/>
+            </a:ln>
+          </p:spPr>
+          <p:style>
+            <a:lnRef idx="1">
+              <a:schemeClr val="accent1"/>
+            </a:lnRef>
+            <a:fillRef idx="0">
+              <a:schemeClr val="accent1"/>
+            </a:fillRef>
+            <a:effectRef idx="0">
+              <a:schemeClr val="accent1"/>
+            </a:effectRef>
+            <a:fontRef idx="minor">
+              <a:schemeClr val="tx1"/>
+            </a:fontRef>
+          </p:style>
+        </p:cxnSp>
+        <p:cxnSp>
+          <p:nvCxnSpPr>
+            <p:cNvPr id="18" name="直接箭头连接符 17">
+              <a:extLst>
+                <a:ext uri="{FF2B5EF4-FFF2-40B4-BE49-F238E27FC236}">
+                  <a16:creationId xmlns:a16="http://schemas.microsoft.com/office/drawing/2014/main" id="{3AAB8465-6A4D-41DC-BD45-B5F22B49DEE1}"/>
+                </a:ext>
+              </a:extLst>
+            </p:cNvPr>
+            <p:cNvCxnSpPr>
+              <a:stCxn id="6" idx="2"/>
+              <a:endCxn id="8" idx="0"/>
+            </p:cNvCxnSpPr>
+            <p:nvPr/>
+          </p:nvCxnSpPr>
+          <p:spPr>
+            <a:xfrm flipH="1">
+              <a:off x="4985688" y="2746357"/>
+              <a:ext cx="1986972" cy="806093"/>
+            </a:xfrm>
+            <a:prstGeom prst="straightConnector1">
+              <a:avLst/>
+            </a:prstGeom>
+            <a:ln>
+              <a:tailEnd type="triangle"/>
+            </a:ln>
+          </p:spPr>
+          <p:style>
+            <a:lnRef idx="1">
+              <a:schemeClr val="accent1"/>
+            </a:lnRef>
+            <a:fillRef idx="0">
+              <a:schemeClr val="accent1"/>
+            </a:fillRef>
+            <a:effectRef idx="0">
+              <a:schemeClr val="accent1"/>
+            </a:effectRef>
+            <a:fontRef idx="minor">
+              <a:schemeClr val="tx1"/>
+            </a:fontRef>
+          </p:style>
+        </p:cxnSp>
+        <p:cxnSp>
+          <p:nvCxnSpPr>
+            <p:cNvPr id="19" name="直接箭头连接符 34">
+              <a:extLst>
+                <a:ext uri="{FF2B5EF4-FFF2-40B4-BE49-F238E27FC236}">
+                  <a16:creationId xmlns:a16="http://schemas.microsoft.com/office/drawing/2014/main" id="{F4DEAD02-BF5B-4C8A-B8B7-D3BA96E9CE3C}"/>
+                </a:ext>
+              </a:extLst>
+            </p:cNvPr>
+            <p:cNvCxnSpPr>
+              <a:cxnSpLocks/>
+              <a:stCxn id="6" idx="1"/>
+              <a:endCxn id="11" idx="0"/>
+            </p:cNvCxnSpPr>
+            <p:nvPr/>
+          </p:nvCxnSpPr>
+          <p:spPr>
+            <a:xfrm rot="10800000" flipV="1">
+              <a:off x="2691791" y="2530913"/>
+              <a:ext cx="3734887" cy="2167895"/>
+            </a:xfrm>
+            <a:prstGeom prst="bentConnector2">
+              <a:avLst/>
+            </a:prstGeom>
+            <a:ln w="9525">
+              <a:prstDash val="dashDot"/>
+              <a:tailEnd type="triangle"/>
+            </a:ln>
+          </p:spPr>
+          <p:style>
+            <a:lnRef idx="1">
+              <a:schemeClr val="accent1"/>
+            </a:lnRef>
+            <a:fillRef idx="0">
+              <a:schemeClr val="accent1"/>
+            </a:fillRef>
+            <a:effectRef idx="0">
+              <a:schemeClr val="accent1"/>
+            </a:effectRef>
+            <a:fontRef idx="minor">
+              <a:schemeClr val="tx1"/>
+            </a:fontRef>
+          </p:style>
+        </p:cxnSp>
+        <p:cxnSp>
+          <p:nvCxnSpPr>
+            <p:cNvPr id="20" name="直接箭头连接符 19">
+              <a:extLst>
+                <a:ext uri="{FF2B5EF4-FFF2-40B4-BE49-F238E27FC236}">
+                  <a16:creationId xmlns:a16="http://schemas.microsoft.com/office/drawing/2014/main" id="{0C945FE8-9A67-4120-ADD5-EB5B6218CC3D}"/>
+                </a:ext>
+              </a:extLst>
+            </p:cNvPr>
+            <p:cNvCxnSpPr>
+              <a:cxnSpLocks/>
+              <a:stCxn id="8" idx="2"/>
+              <a:endCxn id="11" idx="0"/>
+            </p:cNvCxnSpPr>
+            <p:nvPr/>
+          </p:nvCxnSpPr>
+          <p:spPr>
+            <a:xfrm flipH="1">
+              <a:off x="2691790" y="3983337"/>
+              <a:ext cx="2293898" cy="715472"/>
+            </a:xfrm>
+            <a:prstGeom prst="straightConnector1">
+              <a:avLst/>
+            </a:prstGeom>
+            <a:ln>
+              <a:tailEnd type="triangle"/>
+            </a:ln>
+          </p:spPr>
+          <p:style>
+            <a:lnRef idx="1">
+              <a:schemeClr val="accent1"/>
+            </a:lnRef>
+            <a:fillRef idx="0">
+              <a:schemeClr val="accent1"/>
+            </a:fillRef>
+            <a:effectRef idx="0">
+              <a:schemeClr val="accent1"/>
+            </a:effectRef>
+            <a:fontRef idx="minor">
+              <a:schemeClr val="tx1"/>
+            </a:fontRef>
+          </p:style>
+        </p:cxnSp>
+        <p:cxnSp>
+          <p:nvCxnSpPr>
+            <p:cNvPr id="21" name="直接箭头连接符 20">
+              <a:extLst>
+                <a:ext uri="{FF2B5EF4-FFF2-40B4-BE49-F238E27FC236}">
+                  <a16:creationId xmlns:a16="http://schemas.microsoft.com/office/drawing/2014/main" id="{EBFABE46-8E90-40F4-ABFD-517C5CA37803}"/>
+                </a:ext>
+              </a:extLst>
+            </p:cNvPr>
+            <p:cNvCxnSpPr>
+              <a:cxnSpLocks/>
+              <a:stCxn id="6" idx="2"/>
+              <a:endCxn id="9" idx="0"/>
+            </p:cNvCxnSpPr>
+            <p:nvPr/>
+          </p:nvCxnSpPr>
+          <p:spPr>
+            <a:xfrm>
+              <a:off x="6972660" y="2746357"/>
+              <a:ext cx="2" cy="806092"/>
+            </a:xfrm>
+            <a:prstGeom prst="straightConnector1">
+              <a:avLst/>
+            </a:prstGeom>
+            <a:ln>
+              <a:tailEnd type="triangle"/>
+            </a:ln>
+          </p:spPr>
+          <p:style>
+            <a:lnRef idx="1">
+              <a:schemeClr val="accent1"/>
+            </a:lnRef>
+            <a:fillRef idx="0">
+              <a:schemeClr val="accent1"/>
+            </a:fillRef>
+            <a:effectRef idx="0">
+              <a:schemeClr val="accent1"/>
+            </a:effectRef>
+            <a:fontRef idx="minor">
+              <a:schemeClr val="tx1"/>
+            </a:fontRef>
+          </p:style>
+        </p:cxnSp>
+        <p:cxnSp>
+          <p:nvCxnSpPr>
+            <p:cNvPr id="22" name="直接箭头连接符 21">
+              <a:extLst>
+                <a:ext uri="{FF2B5EF4-FFF2-40B4-BE49-F238E27FC236}">
+                  <a16:creationId xmlns:a16="http://schemas.microsoft.com/office/drawing/2014/main" id="{D5EF3B70-9D76-427F-8A51-8C38F1DAA1F6}"/>
+                </a:ext>
+              </a:extLst>
+            </p:cNvPr>
+            <p:cNvCxnSpPr>
+              <a:stCxn id="6" idx="2"/>
+              <a:endCxn id="10" idx="0"/>
+            </p:cNvCxnSpPr>
+            <p:nvPr/>
+          </p:nvCxnSpPr>
+          <p:spPr>
+            <a:xfrm>
+              <a:off x="6972660" y="2746357"/>
+              <a:ext cx="1921663" cy="806093"/>
+            </a:xfrm>
+            <a:prstGeom prst="straightConnector1">
+              <a:avLst/>
+            </a:prstGeom>
+            <a:ln>
+              <a:tailEnd type="triangle"/>
+            </a:ln>
+          </p:spPr>
+          <p:style>
+            <a:lnRef idx="1">
+              <a:schemeClr val="accent1"/>
+            </a:lnRef>
+            <a:fillRef idx="0">
+              <a:schemeClr val="accent1"/>
+            </a:fillRef>
+            <a:effectRef idx="0">
+              <a:schemeClr val="accent1"/>
+            </a:effectRef>
+            <a:fontRef idx="minor">
+              <a:schemeClr val="tx1"/>
+            </a:fontRef>
+          </p:style>
+        </p:cxnSp>
+        <p:cxnSp>
+          <p:nvCxnSpPr>
+            <p:cNvPr id="23" name="直接箭头连接符 22">
+              <a:extLst>
+                <a:ext uri="{FF2B5EF4-FFF2-40B4-BE49-F238E27FC236}">
+                  <a16:creationId xmlns:a16="http://schemas.microsoft.com/office/drawing/2014/main" id="{9CB3818D-1EC4-41E5-92A7-4FF56AFA8F4C}"/>
+                </a:ext>
+              </a:extLst>
+            </p:cNvPr>
+            <p:cNvCxnSpPr>
+              <a:cxnSpLocks/>
+              <a:stCxn id="8" idx="2"/>
+              <a:endCxn id="13" idx="0"/>
+            </p:cNvCxnSpPr>
+            <p:nvPr/>
+          </p:nvCxnSpPr>
+          <p:spPr>
+            <a:xfrm>
+              <a:off x="4985688" y="3983337"/>
+              <a:ext cx="1" cy="727425"/>
+            </a:xfrm>
+            <a:prstGeom prst="straightConnector1">
+              <a:avLst/>
+            </a:prstGeom>
+            <a:ln>
+              <a:tailEnd type="triangle"/>
+            </a:ln>
+          </p:spPr>
+          <p:style>
+            <a:lnRef idx="1">
+              <a:schemeClr val="accent1"/>
+            </a:lnRef>
+            <a:fillRef idx="0">
+              <a:schemeClr val="accent1"/>
+            </a:fillRef>
+            <a:effectRef idx="0">
+              <a:schemeClr val="accent1"/>
+            </a:effectRef>
+            <a:fontRef idx="minor">
+              <a:schemeClr val="tx1"/>
+            </a:fontRef>
+          </p:style>
+        </p:cxnSp>
+        <p:cxnSp>
+          <p:nvCxnSpPr>
+            <p:cNvPr id="24" name="直接箭头连接符 23">
+              <a:extLst>
+                <a:ext uri="{FF2B5EF4-FFF2-40B4-BE49-F238E27FC236}">
+                  <a16:creationId xmlns:a16="http://schemas.microsoft.com/office/drawing/2014/main" id="{0379CBD7-70AB-4374-B26D-DA90EEFF2072}"/>
+                </a:ext>
+              </a:extLst>
+            </p:cNvPr>
+            <p:cNvCxnSpPr>
+              <a:cxnSpLocks/>
+              <a:stCxn id="11" idx="2"/>
+              <a:endCxn id="12" idx="0"/>
+            </p:cNvCxnSpPr>
+            <p:nvPr/>
+          </p:nvCxnSpPr>
+          <p:spPr>
+            <a:xfrm>
+              <a:off x="2691790" y="5129696"/>
+              <a:ext cx="8548" cy="709946"/>
+            </a:xfrm>
+            <a:prstGeom prst="straightConnector1">
+              <a:avLst/>
+            </a:prstGeom>
+            <a:ln>
+              <a:tailEnd type="triangle"/>
+            </a:ln>
+          </p:spPr>
+          <p:style>
+            <a:lnRef idx="1">
+              <a:schemeClr val="accent1"/>
+            </a:lnRef>
+            <a:fillRef idx="0">
+              <a:schemeClr val="accent1"/>
+            </a:fillRef>
+            <a:effectRef idx="0">
+              <a:schemeClr val="accent1"/>
+            </a:effectRef>
+            <a:fontRef idx="minor">
+              <a:schemeClr val="tx1"/>
+            </a:fontRef>
+          </p:style>
+        </p:cxnSp>
+        <p:cxnSp>
+          <p:nvCxnSpPr>
+            <p:cNvPr id="25" name="直接箭头连接符 50">
+              <a:extLst>
+                <a:ext uri="{FF2B5EF4-FFF2-40B4-BE49-F238E27FC236}">
+                  <a16:creationId xmlns:a16="http://schemas.microsoft.com/office/drawing/2014/main" id="{E9F065FA-7101-4675-8193-0A0592106D27}"/>
+                </a:ext>
+              </a:extLst>
+            </p:cNvPr>
+            <p:cNvCxnSpPr>
+              <a:cxnSpLocks/>
+              <a:stCxn id="9" idx="2"/>
+              <a:endCxn id="33" idx="1"/>
+            </p:cNvCxnSpPr>
+            <p:nvPr/>
+          </p:nvCxnSpPr>
+          <p:spPr>
+            <a:xfrm rot="5400000">
+              <a:off x="6163265" y="4017757"/>
+              <a:ext cx="843818" cy="774976"/>
+            </a:xfrm>
+            <a:prstGeom prst="bentConnector4">
+              <a:avLst>
+                <a:gd name="adj1" fmla="val 42249"/>
+                <a:gd name="adj2" fmla="val 129498"/>
+              </a:avLst>
+            </a:prstGeom>
+            <a:ln>
+              <a:tailEnd type="triangle"/>
+            </a:ln>
+          </p:spPr>
+          <p:style>
+            <a:lnRef idx="1">
+              <a:schemeClr val="accent1"/>
+            </a:lnRef>
+            <a:fillRef idx="0">
+              <a:schemeClr val="accent1"/>
+            </a:fillRef>
+            <a:effectRef idx="0">
+              <a:schemeClr val="accent1"/>
+            </a:effectRef>
+            <a:fontRef idx="minor">
+              <a:schemeClr val="tx1"/>
+            </a:fontRef>
+          </p:style>
+        </p:cxnSp>
+        <p:cxnSp>
+          <p:nvCxnSpPr>
+            <p:cNvPr id="26" name="直接箭头连接符 25">
+              <a:extLst>
+                <a:ext uri="{FF2B5EF4-FFF2-40B4-BE49-F238E27FC236}">
+                  <a16:creationId xmlns:a16="http://schemas.microsoft.com/office/drawing/2014/main" id="{9C72ED17-212B-499E-B558-5CB658DEF636}"/>
+                </a:ext>
+              </a:extLst>
+            </p:cNvPr>
+            <p:cNvCxnSpPr>
+              <a:stCxn id="10" idx="2"/>
+              <a:endCxn id="14" idx="0"/>
+            </p:cNvCxnSpPr>
+            <p:nvPr/>
+          </p:nvCxnSpPr>
+          <p:spPr>
+            <a:xfrm>
+              <a:off x="8894323" y="3983337"/>
+              <a:ext cx="3810" cy="715472"/>
+            </a:xfrm>
+            <a:prstGeom prst="straightConnector1">
+              <a:avLst/>
+            </a:prstGeom>
+            <a:ln>
+              <a:tailEnd type="triangle"/>
+            </a:ln>
+          </p:spPr>
+          <p:style>
+            <a:lnRef idx="1">
+              <a:schemeClr val="accent1"/>
+            </a:lnRef>
+            <a:fillRef idx="0">
+              <a:schemeClr val="accent1"/>
+            </a:fillRef>
+            <a:effectRef idx="0">
+              <a:schemeClr val="accent1"/>
+            </a:effectRef>
+            <a:fontRef idx="minor">
+              <a:schemeClr val="tx1"/>
+            </a:fontRef>
+          </p:style>
+        </p:cxnSp>
+        <p:sp>
+          <p:nvSpPr>
+            <p:cNvPr id="29" name="文本框 28">
+              <a:extLst>
+                <a:ext uri="{FF2B5EF4-FFF2-40B4-BE49-F238E27FC236}">
+                  <a16:creationId xmlns:a16="http://schemas.microsoft.com/office/drawing/2014/main" id="{D1BCBC2E-CC39-471D-81ED-0355A55D5BA4}"/>
+                </a:ext>
+              </a:extLst>
+            </p:cNvPr>
+            <p:cNvSpPr txBox="1"/>
+            <p:nvPr/>
+          </p:nvSpPr>
+          <p:spPr>
+            <a:xfrm>
+              <a:off x="6951226" y="459564"/>
+              <a:ext cx="790601" cy="261610"/>
+            </a:xfrm>
+            <a:prstGeom prst="rect">
+              <a:avLst/>
+            </a:prstGeom>
+            <a:noFill/>
+          </p:spPr>
+          <p:txBody>
+            <a:bodyPr wrap="none" rtlCol="0">
+              <a:spAutoFit/>
+            </a:bodyPr>
+            <a:lstStyle/>
+            <a:p>
+              <a:r>
+                <a:rPr lang="en-US" altLang="zh-CN" sz="1100" b="1">
+                  <a:latin typeface="+mn-ea"/>
+                </a:rPr>
+                <a:t>Java Http</a:t>
+              </a:r>
+              <a:endParaRPr lang="zh-CN" altLang="en-US" sz="1100" b="1">
+                <a:latin typeface="+mn-ea"/>
+              </a:endParaRPr>
+            </a:p>
+          </p:txBody>
+        </p:sp>
+        <p:sp>
+          <p:nvSpPr>
+            <p:cNvPr id="30" name="文本框 29">
+              <a:extLst>
+                <a:ext uri="{FF2B5EF4-FFF2-40B4-BE49-F238E27FC236}">
+                  <a16:creationId xmlns:a16="http://schemas.microsoft.com/office/drawing/2014/main" id="{DB2230FC-1F62-43A5-9B5F-0D2E474D0BD2}"/>
+                </a:ext>
+              </a:extLst>
+            </p:cNvPr>
+            <p:cNvSpPr txBox="1"/>
+            <p:nvPr/>
+          </p:nvSpPr>
+          <p:spPr>
+            <a:xfrm>
+              <a:off x="6969160" y="1817839"/>
+              <a:ext cx="484428" cy="261610"/>
+            </a:xfrm>
+            <a:prstGeom prst="rect">
+              <a:avLst/>
+            </a:prstGeom>
+            <a:noFill/>
+          </p:spPr>
+          <p:txBody>
+            <a:bodyPr wrap="none" rtlCol="0">
+              <a:spAutoFit/>
+            </a:bodyPr>
+            <a:lstStyle/>
+            <a:p>
+              <a:r>
+                <a:rPr lang="en-US" altLang="zh-CN" sz="1100" b="1">
+                  <a:latin typeface="+mn-ea"/>
+                </a:rPr>
+                <a:t>Flink</a:t>
+              </a:r>
+              <a:endParaRPr lang="zh-CN" altLang="en-US" sz="1100" b="1">
+                <a:latin typeface="+mn-ea"/>
+              </a:endParaRPr>
+            </a:p>
+          </p:txBody>
+        </p:sp>
+        <p:sp>
+          <p:nvSpPr>
+            <p:cNvPr id="31" name="文本框 30">
+              <a:extLst>
+                <a:ext uri="{FF2B5EF4-FFF2-40B4-BE49-F238E27FC236}">
+                  <a16:creationId xmlns:a16="http://schemas.microsoft.com/office/drawing/2014/main" id="{17C0A32A-F5B3-47E9-ACAD-EF663FADC5EB}"/>
+                </a:ext>
+              </a:extLst>
+            </p:cNvPr>
+            <p:cNvSpPr txBox="1"/>
+            <p:nvPr/>
+          </p:nvSpPr>
+          <p:spPr>
+            <a:xfrm>
+              <a:off x="7610728" y="2285278"/>
+              <a:ext cx="909223" cy="261610"/>
+            </a:xfrm>
+            <a:prstGeom prst="rect">
+              <a:avLst/>
+            </a:prstGeom>
+            <a:noFill/>
+          </p:spPr>
+          <p:txBody>
+            <a:bodyPr wrap="none" rtlCol="0">
+              <a:spAutoFit/>
+            </a:bodyPr>
+            <a:lstStyle/>
+            <a:p>
+              <a:r>
+                <a:rPr lang="en-US" altLang="zh-CN" sz="1100" b="1">
+                  <a:latin typeface="+mn-ea"/>
+                </a:rPr>
+                <a:t>Springboot</a:t>
+              </a:r>
+              <a:endParaRPr lang="zh-CN" altLang="en-US" sz="1100" b="1">
+                <a:latin typeface="+mn-ea"/>
+              </a:endParaRPr>
+            </a:p>
+          </p:txBody>
+        </p:sp>
+        <p:grpSp>
+          <p:nvGrpSpPr>
+            <p:cNvPr id="32" name="组合 31">
+              <a:extLst>
+                <a:ext uri="{FF2B5EF4-FFF2-40B4-BE49-F238E27FC236}">
+                  <a16:creationId xmlns:a16="http://schemas.microsoft.com/office/drawing/2014/main" id="{F049546C-F96D-4182-837F-E2953D999C6A}"/>
+                </a:ext>
+              </a:extLst>
+            </p:cNvPr>
+            <p:cNvGrpSpPr/>
+            <p:nvPr/>
+          </p:nvGrpSpPr>
+          <p:grpSpPr>
+            <a:xfrm>
+              <a:off x="6197685" y="4696347"/>
+              <a:ext cx="1540807" cy="762111"/>
+              <a:chOff x="7646688" y="5902433"/>
+              <a:chExt cx="2355958" cy="1165301"/>
+            </a:xfrm>
+            <a:solidFill>
+              <a:schemeClr val="accent3">
+                <a:lumMod val="20000"/>
+                <a:lumOff val="80000"/>
+              </a:schemeClr>
+            </a:solidFill>
+          </p:grpSpPr>
+          <p:sp>
+            <p:nvSpPr>
+              <p:cNvPr id="33" name="文本框 32">
+                <a:extLst>
+                  <a:ext uri="{FF2B5EF4-FFF2-40B4-BE49-F238E27FC236}">
+                    <a16:creationId xmlns:a16="http://schemas.microsoft.com/office/drawing/2014/main" id="{9C87CDDB-7AF8-4ED1-AD37-4C3AC40DB103}"/>
+                  </a:ext>
+                </a:extLst>
+              </p:cNvPr>
+              <p:cNvSpPr txBox="1"/>
+              <p:nvPr/>
+            </p:nvSpPr>
+            <p:spPr>
+              <a:xfrm>
+                <a:off x="7646689" y="5902433"/>
+                <a:ext cx="2355957" cy="400013"/>
+              </a:xfrm>
+              <a:prstGeom prst="rect">
+                <a:avLst/>
+              </a:prstGeom>
+              <a:grpFill/>
+              <a:ln>
+                <a:noFill/>
+              </a:ln>
+            </p:spPr>
+            <p:txBody>
+              <a:bodyPr wrap="none" rtlCol="0">
+                <a:spAutoFit/>
+              </a:bodyPr>
+              <a:lstStyle/>
+              <a:p>
+                <a:pPr algn="ctr"/>
+                <a:r>
+                  <a:rPr lang="en-US" altLang="zh-CN" sz="1100" b="1">
+                    <a:latin typeface="+mn-ea"/>
+                  </a:rPr>
+                  <a:t>Hive on Spark </a:t>
+                </a:r>
+                <a:r>
+                  <a:rPr lang="zh-CN" altLang="en-US" sz="1100" b="1">
+                    <a:latin typeface="+mn-ea"/>
+                  </a:rPr>
+                  <a:t>批处理</a:t>
+                </a:r>
+                <a:endParaRPr lang="en-US" altLang="zh-CN" sz="1100" b="1">
+                  <a:latin typeface="+mn-ea"/>
+                </a:endParaRPr>
+              </a:p>
+            </p:txBody>
+          </p:sp>
+          <p:sp>
+            <p:nvSpPr>
+              <p:cNvPr id="46" name="文本框 45">
+                <a:extLst>
+                  <a:ext uri="{FF2B5EF4-FFF2-40B4-BE49-F238E27FC236}">
+                    <a16:creationId xmlns:a16="http://schemas.microsoft.com/office/drawing/2014/main" id="{827CB038-2A61-4B6E-8500-73821C82650A}"/>
+                  </a:ext>
+                </a:extLst>
+              </p:cNvPr>
+              <p:cNvSpPr txBox="1"/>
+              <p:nvPr/>
+            </p:nvSpPr>
+            <p:spPr>
+              <a:xfrm>
+                <a:off x="7646688" y="6667721"/>
+                <a:ext cx="2355956" cy="400013"/>
+              </a:xfrm>
+              <a:prstGeom prst="rect">
+                <a:avLst/>
+              </a:prstGeom>
+              <a:grpFill/>
+              <a:ln>
+                <a:noFill/>
+              </a:ln>
+            </p:spPr>
+            <p:txBody>
+              <a:bodyPr wrap="none" rtlCol="0">
+                <a:spAutoFit/>
+              </a:bodyPr>
+              <a:lstStyle/>
+              <a:p>
+                <a:pPr algn="ctr"/>
+                <a:r>
+                  <a:rPr lang="en-US" altLang="zh-CN" sz="1100" b="1">
+                    <a:latin typeface="+mn-ea"/>
+                  </a:rPr>
+                  <a:t>Spark on Hive </a:t>
+                </a:r>
+                <a:r>
+                  <a:rPr lang="zh-CN" altLang="en-US" sz="1100" b="1">
+                    <a:latin typeface="+mn-ea"/>
+                  </a:rPr>
+                  <a:t>批处理</a:t>
+                </a:r>
+                <a:endParaRPr lang="en-US" altLang="zh-CN" sz="1100" b="1">
+                  <a:latin typeface="+mn-ea"/>
+                </a:endParaRPr>
+              </a:p>
+            </p:txBody>
+          </p:sp>
+          <p:sp>
+            <p:nvSpPr>
+              <p:cNvPr id="34" name="文本框 33">
+                <a:extLst>
+                  <a:ext uri="{FF2B5EF4-FFF2-40B4-BE49-F238E27FC236}">
+                    <a16:creationId xmlns:a16="http://schemas.microsoft.com/office/drawing/2014/main" id="{12168866-73E3-4E28-99FC-1AAD94E4AAA9}"/>
+                  </a:ext>
+                </a:extLst>
+              </p:cNvPr>
+              <p:cNvSpPr txBox="1"/>
+              <p:nvPr/>
+            </p:nvSpPr>
+            <p:spPr>
+              <a:xfrm>
+                <a:off x="8182914" y="6268721"/>
+                <a:ext cx="1311806" cy="400013"/>
+              </a:xfrm>
+              <a:prstGeom prst="rect">
+                <a:avLst/>
+              </a:prstGeom>
+              <a:grpFill/>
+              <a:ln w="12700">
+                <a:solidFill>
+                  <a:schemeClr val="accent1"/>
+                </a:solidFill>
+              </a:ln>
+            </p:spPr>
+            <p:txBody>
+              <a:bodyPr wrap="none" rtlCol="0">
+                <a:spAutoFit/>
+              </a:bodyPr>
+              <a:lstStyle/>
+              <a:p>
+                <a:pPr algn="ctr"/>
+                <a:r>
+                  <a:rPr lang="en-US" altLang="zh-CN" sz="1100" b="1">
+                    <a:latin typeface="+mn-ea"/>
+                  </a:rPr>
+                  <a:t>HDFS </a:t>
+                </a:r>
+                <a:r>
+                  <a:rPr lang="zh-CN" altLang="en-US" sz="1100" b="1">
+                    <a:latin typeface="+mn-ea"/>
+                  </a:rPr>
+                  <a:t>存储</a:t>
+                </a:r>
+                <a:endParaRPr lang="en-US" altLang="zh-CN" sz="1100" b="1">
+                  <a:latin typeface="+mn-ea"/>
+                </a:endParaRPr>
+              </a:p>
+            </p:txBody>
+          </p:sp>
+        </p:grpSp>
+        <p:sp>
+          <p:nvSpPr>
+            <p:cNvPr id="35" name="文本框 34">
+              <a:extLst>
+                <a:ext uri="{FF2B5EF4-FFF2-40B4-BE49-F238E27FC236}">
+                  <a16:creationId xmlns:a16="http://schemas.microsoft.com/office/drawing/2014/main" id="{0905FC4A-380F-4E05-A80D-51339D97870B}"/>
+                </a:ext>
+              </a:extLst>
+            </p:cNvPr>
+            <p:cNvSpPr txBox="1"/>
+            <p:nvPr/>
+          </p:nvSpPr>
+          <p:spPr>
+            <a:xfrm>
+              <a:off x="2966660" y="2336568"/>
+              <a:ext cx="466794" cy="261610"/>
+            </a:xfrm>
+            <a:prstGeom prst="rect">
+              <a:avLst/>
+            </a:prstGeom>
+            <a:noFill/>
+          </p:spPr>
+          <p:txBody>
+            <a:bodyPr wrap="none" rtlCol="0">
+              <a:spAutoFit/>
+            </a:bodyPr>
+            <a:lstStyle/>
+            <a:p>
+              <a:r>
+                <a:rPr lang="zh-CN" altLang="en-US" sz="1100" b="1">
+                  <a:solidFill>
+                    <a:schemeClr val="accent2"/>
+                  </a:solidFill>
+                  <a:latin typeface="+mn-ea"/>
+                </a:rPr>
+                <a:t>可选</a:t>
+              </a:r>
+            </a:p>
+          </p:txBody>
+        </p:sp>
+        <p:sp>
+          <p:nvSpPr>
+            <p:cNvPr id="36" name="文本框 35">
+              <a:extLst>
+                <a:ext uri="{FF2B5EF4-FFF2-40B4-BE49-F238E27FC236}">
+                  <a16:creationId xmlns:a16="http://schemas.microsoft.com/office/drawing/2014/main" id="{A5B9C7CB-D791-4DFD-B6FF-A38E50831CA7}"/>
+                </a:ext>
+              </a:extLst>
+            </p:cNvPr>
+            <p:cNvSpPr txBox="1"/>
+            <p:nvPr/>
+          </p:nvSpPr>
+          <p:spPr>
+            <a:xfrm>
+              <a:off x="7768165" y="2573170"/>
+              <a:ext cx="466794" cy="261610"/>
+            </a:xfrm>
+            <a:prstGeom prst="rect">
+              <a:avLst/>
+            </a:prstGeom>
+            <a:noFill/>
+          </p:spPr>
+          <p:txBody>
+            <a:bodyPr wrap="none" rtlCol="0">
+              <a:spAutoFit/>
+            </a:bodyPr>
+            <a:lstStyle/>
+            <a:p>
+              <a:r>
+                <a:rPr lang="zh-CN" altLang="en-US" sz="1100" b="1">
+                  <a:solidFill>
+                    <a:schemeClr val="accent2"/>
+                  </a:solidFill>
+                  <a:latin typeface="+mn-ea"/>
+                </a:rPr>
+                <a:t>可选</a:t>
+              </a:r>
+            </a:p>
+          </p:txBody>
+        </p:sp>
+        <p:sp>
+          <p:nvSpPr>
+            <p:cNvPr id="37" name="文本框 36">
+              <a:extLst>
+                <a:ext uri="{FF2B5EF4-FFF2-40B4-BE49-F238E27FC236}">
+                  <a16:creationId xmlns:a16="http://schemas.microsoft.com/office/drawing/2014/main" id="{4195F2E0-1700-4B39-B165-CF9BF12668CA}"/>
+                </a:ext>
+              </a:extLst>
+            </p:cNvPr>
+            <p:cNvSpPr txBox="1"/>
+            <p:nvPr/>
+          </p:nvSpPr>
+          <p:spPr>
+            <a:xfrm>
+              <a:off x="5342356" y="3018598"/>
+              <a:ext cx="484428" cy="261610"/>
+            </a:xfrm>
+            <a:prstGeom prst="rect">
+              <a:avLst/>
+            </a:prstGeom>
+            <a:noFill/>
+          </p:spPr>
+          <p:txBody>
+            <a:bodyPr wrap="none" rtlCol="0">
+              <a:spAutoFit/>
+            </a:bodyPr>
+            <a:lstStyle/>
+            <a:p>
+              <a:r>
+                <a:rPr lang="en-US" altLang="zh-CN" sz="1100" b="1">
+                  <a:latin typeface="+mn-ea"/>
+                </a:rPr>
+                <a:t>Flink</a:t>
+              </a:r>
+              <a:endParaRPr lang="zh-CN" altLang="en-US" sz="1100" b="1">
+                <a:latin typeface="+mn-ea"/>
+              </a:endParaRPr>
+            </a:p>
+          </p:txBody>
+        </p:sp>
+        <p:sp>
+          <p:nvSpPr>
+            <p:cNvPr id="38" name="文本框 37">
+              <a:extLst>
+                <a:ext uri="{FF2B5EF4-FFF2-40B4-BE49-F238E27FC236}">
+                  <a16:creationId xmlns:a16="http://schemas.microsoft.com/office/drawing/2014/main" id="{8B7E28BE-C346-41CD-AB75-AD7511CB46D6}"/>
+                </a:ext>
+              </a:extLst>
+            </p:cNvPr>
+            <p:cNvSpPr txBox="1"/>
+            <p:nvPr/>
+          </p:nvSpPr>
+          <p:spPr>
+            <a:xfrm>
+              <a:off x="6521815" y="3018598"/>
+              <a:ext cx="484428" cy="261610"/>
+            </a:xfrm>
+            <a:prstGeom prst="rect">
+              <a:avLst/>
+            </a:prstGeom>
+            <a:noFill/>
+          </p:spPr>
+          <p:txBody>
+            <a:bodyPr wrap="none" rtlCol="0">
+              <a:spAutoFit/>
+            </a:bodyPr>
+            <a:lstStyle/>
+            <a:p>
+              <a:r>
+                <a:rPr lang="en-US" altLang="zh-CN" sz="1100" b="1">
+                  <a:latin typeface="+mn-ea"/>
+                </a:rPr>
+                <a:t>Flink</a:t>
+              </a:r>
+              <a:endParaRPr lang="zh-CN" altLang="en-US" sz="1100" b="1">
+                <a:latin typeface="+mn-ea"/>
+              </a:endParaRPr>
+            </a:p>
+          </p:txBody>
+        </p:sp>
+        <p:sp>
+          <p:nvSpPr>
+            <p:cNvPr id="39" name="文本框 38">
+              <a:extLst>
+                <a:ext uri="{FF2B5EF4-FFF2-40B4-BE49-F238E27FC236}">
+                  <a16:creationId xmlns:a16="http://schemas.microsoft.com/office/drawing/2014/main" id="{52ABB6E2-9EB9-4393-9747-EF8C4AFDE57F}"/>
+                </a:ext>
+              </a:extLst>
+            </p:cNvPr>
+            <p:cNvSpPr txBox="1"/>
+            <p:nvPr/>
+          </p:nvSpPr>
+          <p:spPr>
+            <a:xfrm>
+              <a:off x="8155017" y="3018598"/>
+              <a:ext cx="484428" cy="261610"/>
+            </a:xfrm>
+            <a:prstGeom prst="rect">
+              <a:avLst/>
+            </a:prstGeom>
+            <a:noFill/>
+          </p:spPr>
+          <p:txBody>
+            <a:bodyPr wrap="none" rtlCol="0">
+              <a:spAutoFit/>
+            </a:bodyPr>
+            <a:lstStyle/>
+            <a:p>
+              <a:r>
+                <a:rPr lang="en-US" altLang="zh-CN" sz="1100" b="1">
+                  <a:latin typeface="+mn-ea"/>
+                </a:rPr>
+                <a:t>Flink</a:t>
+              </a:r>
+              <a:endParaRPr lang="zh-CN" altLang="en-US" sz="1100" b="1">
+                <a:latin typeface="+mn-ea"/>
+              </a:endParaRPr>
+            </a:p>
+          </p:txBody>
+        </p:sp>
+        <p:sp>
+          <p:nvSpPr>
+            <p:cNvPr id="41" name="文本框 40">
+              <a:extLst>
+                <a:ext uri="{FF2B5EF4-FFF2-40B4-BE49-F238E27FC236}">
+                  <a16:creationId xmlns:a16="http://schemas.microsoft.com/office/drawing/2014/main" id="{13C3177B-96A8-47E7-82C6-F55295F1B9D1}"/>
+                </a:ext>
+              </a:extLst>
+            </p:cNvPr>
+            <p:cNvSpPr txBox="1"/>
+            <p:nvPr/>
+          </p:nvSpPr>
+          <p:spPr>
+            <a:xfrm>
+              <a:off x="6839593" y="6150322"/>
+              <a:ext cx="2630848" cy="338554"/>
+            </a:xfrm>
+            <a:prstGeom prst="rect">
+              <a:avLst/>
+            </a:prstGeom>
+            <a:noFill/>
+            <a:ln w="12700" cap="rnd" cmpd="sng">
+              <a:noFill/>
+            </a:ln>
+          </p:spPr>
+          <p:txBody>
+            <a:bodyPr wrap="none" rtlCol="0">
+              <a:spAutoFit/>
+            </a:bodyPr>
+            <a:lstStyle/>
+            <a:p>
+              <a:r>
+                <a:rPr lang="en-US" altLang="zh-CN" sz="1600" u="sng">
+                  <a:solidFill>
+                    <a:schemeClr val="tx1">
+                      <a:lumMod val="65000"/>
+                      <a:lumOff val="35000"/>
+                    </a:schemeClr>
+                  </a:solidFill>
+                </a:rPr>
+                <a:t>SZT-bigdata </a:t>
+              </a:r>
+              <a:r>
+                <a:rPr lang="zh-CN" altLang="en-US" sz="1600" u="sng">
+                  <a:solidFill>
+                    <a:schemeClr val="tx1">
+                      <a:lumMod val="65000"/>
+                      <a:lumOff val="35000"/>
+                    </a:schemeClr>
+                  </a:solidFill>
+                </a:rPr>
+                <a:t>第一期 架构图</a:t>
+              </a:r>
+            </a:p>
+          </p:txBody>
+        </p:sp>
+        <p:sp>
+          <p:nvSpPr>
+            <p:cNvPr id="42" name="文本框 41">
+              <a:extLst>
+                <a:ext uri="{FF2B5EF4-FFF2-40B4-BE49-F238E27FC236}">
+                  <a16:creationId xmlns:a16="http://schemas.microsoft.com/office/drawing/2014/main" id="{D2D2B250-670A-4F1A-B28F-E809AC3047BF}"/>
+                </a:ext>
+              </a:extLst>
+            </p:cNvPr>
+            <p:cNvSpPr txBox="1"/>
+            <p:nvPr/>
+          </p:nvSpPr>
+          <p:spPr>
+            <a:xfrm>
+              <a:off x="2224154" y="3126320"/>
+              <a:ext cx="484428" cy="261610"/>
+            </a:xfrm>
+            <a:prstGeom prst="rect">
+              <a:avLst/>
+            </a:prstGeom>
+            <a:noFill/>
+          </p:spPr>
+          <p:txBody>
+            <a:bodyPr wrap="none" rtlCol="0">
+              <a:spAutoFit/>
+            </a:bodyPr>
+            <a:lstStyle/>
+            <a:p>
+              <a:r>
+                <a:rPr lang="en-US" altLang="zh-CN" sz="1100" b="1">
+                  <a:latin typeface="+mn-ea"/>
+                </a:rPr>
+                <a:t>Flink</a:t>
+              </a:r>
+              <a:endParaRPr lang="zh-CN" altLang="en-US" sz="1100" b="1">
+                <a:latin typeface="+mn-ea"/>
+              </a:endParaRPr>
+            </a:p>
+          </p:txBody>
+        </p:sp>
+        <p:sp>
+          <p:nvSpPr>
+            <p:cNvPr id="43" name="文本框 42">
+              <a:extLst>
+                <a:ext uri="{FF2B5EF4-FFF2-40B4-BE49-F238E27FC236}">
+                  <a16:creationId xmlns:a16="http://schemas.microsoft.com/office/drawing/2014/main" id="{DD2D93AA-2C26-4549-8EDD-735618D7B9BF}"/>
+                </a:ext>
+              </a:extLst>
+            </p:cNvPr>
+            <p:cNvSpPr txBox="1"/>
+            <p:nvPr/>
+          </p:nvSpPr>
+          <p:spPr>
+            <a:xfrm>
+              <a:off x="3037424" y="4120248"/>
+              <a:ext cx="909223" cy="261610"/>
+            </a:xfrm>
+            <a:prstGeom prst="rect">
+              <a:avLst/>
+            </a:prstGeom>
+            <a:noFill/>
+          </p:spPr>
+          <p:txBody>
+            <a:bodyPr wrap="none" rtlCol="0">
+              <a:spAutoFit/>
+            </a:bodyPr>
+            <a:lstStyle/>
+            <a:p>
+              <a:r>
+                <a:rPr lang="en-US" altLang="zh-CN" sz="1100" b="1">
+                  <a:latin typeface="+mn-ea"/>
+                </a:rPr>
+                <a:t>Springboot</a:t>
+              </a:r>
+              <a:endParaRPr lang="zh-CN" altLang="en-US" sz="1100" b="1">
+                <a:latin typeface="+mn-ea"/>
+              </a:endParaRPr>
+            </a:p>
+          </p:txBody>
+        </p:sp>
+        <p:cxnSp>
+          <p:nvCxnSpPr>
+            <p:cNvPr id="48" name="直接箭头连接符 47">
+              <a:extLst>
+                <a:ext uri="{FF2B5EF4-FFF2-40B4-BE49-F238E27FC236}">
+                  <a16:creationId xmlns:a16="http://schemas.microsoft.com/office/drawing/2014/main" id="{40B072C4-A0CE-4F36-8BE4-A79DFB7FCFDB}"/>
+                </a:ext>
+              </a:extLst>
+            </p:cNvPr>
+            <p:cNvCxnSpPr>
+              <a:stCxn id="9" idx="2"/>
+              <a:endCxn id="46" idx="3"/>
+            </p:cNvCxnSpPr>
+            <p:nvPr/>
+          </p:nvCxnSpPr>
+          <p:spPr>
+            <a:xfrm rot="16200000" flipH="1">
+              <a:off x="6683418" y="4272579"/>
+              <a:ext cx="1344317" cy="765829"/>
+            </a:xfrm>
+            <a:prstGeom prst="bentConnector4">
+              <a:avLst>
+                <a:gd name="adj1" fmla="val 25701"/>
+                <a:gd name="adj2" fmla="val 129850"/>
+              </a:avLst>
+            </a:prstGeom>
+            <a:ln>
+              <a:prstDash val="dashDot"/>
+              <a:tailEnd type="triangle"/>
+            </a:ln>
+          </p:spPr>
+          <p:style>
+            <a:lnRef idx="1">
+              <a:schemeClr val="accent1"/>
+            </a:lnRef>
+            <a:fillRef idx="0">
+              <a:schemeClr val="accent1"/>
+            </a:fillRef>
+            <a:effectRef idx="0">
+              <a:schemeClr val="accent1"/>
+            </a:effectRef>
+            <a:fontRef idx="minor">
+              <a:schemeClr val="tx1"/>
+            </a:fontRef>
+          </p:style>
+        </p:cxnSp>
+        <p:sp>
+          <p:nvSpPr>
+            <p:cNvPr id="49" name="文本框 48">
+              <a:extLst>
+                <a:ext uri="{FF2B5EF4-FFF2-40B4-BE49-F238E27FC236}">
+                  <a16:creationId xmlns:a16="http://schemas.microsoft.com/office/drawing/2014/main" id="{83DBC405-B0DF-47C4-915A-7A9CA5500286}"/>
+                </a:ext>
+              </a:extLst>
+            </p:cNvPr>
+            <p:cNvSpPr txBox="1"/>
+            <p:nvPr/>
+          </p:nvSpPr>
+          <p:spPr>
+            <a:xfrm>
+              <a:off x="7738491" y="4975282"/>
+              <a:ext cx="466794" cy="261610"/>
+            </a:xfrm>
+            <a:prstGeom prst="rect">
+              <a:avLst/>
+            </a:prstGeom>
+            <a:noFill/>
+          </p:spPr>
+          <p:txBody>
+            <a:bodyPr wrap="none" rtlCol="0">
+              <a:spAutoFit/>
+            </a:bodyPr>
+            <a:lstStyle/>
+            <a:p>
+              <a:r>
+                <a:rPr lang="zh-CN" altLang="en-US" sz="1100" b="1">
+                  <a:solidFill>
+                    <a:schemeClr val="accent2"/>
+                  </a:solidFill>
+                  <a:latin typeface="+mn-ea"/>
+                </a:rPr>
+                <a:t>可选</a:t>
+              </a:r>
+            </a:p>
+          </p:txBody>
+        </p:sp>
+        <p:sp>
+          <p:nvSpPr>
+            <p:cNvPr id="52" name="文本框 51">
+              <a:extLst>
+                <a:ext uri="{FF2B5EF4-FFF2-40B4-BE49-F238E27FC236}">
+                  <a16:creationId xmlns:a16="http://schemas.microsoft.com/office/drawing/2014/main" id="{40DCB846-E67B-4D47-B62C-9BC93C9118B5}"/>
+                </a:ext>
+              </a:extLst>
+            </p:cNvPr>
+            <p:cNvSpPr txBox="1"/>
+            <p:nvPr/>
+          </p:nvSpPr>
+          <p:spPr>
+            <a:xfrm>
+              <a:off x="4087240" y="5828781"/>
+              <a:ext cx="1796896" cy="430887"/>
+            </a:xfrm>
+            <a:prstGeom prst="rect">
+              <a:avLst/>
+            </a:prstGeom>
+            <a:solidFill>
+              <a:schemeClr val="accent3">
+                <a:lumMod val="20000"/>
+                <a:lumOff val="80000"/>
+              </a:schemeClr>
+            </a:solidFill>
+            <a:ln>
+              <a:noFill/>
+            </a:ln>
+          </p:spPr>
+          <p:txBody>
+            <a:bodyPr wrap="square" rtlCol="0">
+              <a:spAutoFit/>
+            </a:bodyPr>
+            <a:lstStyle/>
+            <a:p>
+              <a:pPr algn="ctr"/>
+              <a:r>
+                <a:rPr lang="en-US" altLang="zh-CN" sz="1100" b="1">
+                  <a:latin typeface="+mn-ea"/>
+                </a:rPr>
+                <a:t>Clickhouse </a:t>
               </a:r>
               <a:r>
                 <a:rPr lang="zh-CN" altLang="en-US" sz="1100" b="1">
                   <a:latin typeface="+mn-ea"/>
                 </a:rPr>
-                <a:t>存储</a:t>
+                <a:t>高性能数据库</a:t>
               </a:r>
               <a:endParaRPr lang="en-US" altLang="zh-CN" sz="1100" b="1">
                 <a:latin typeface="+mn-ea"/>
+              </a:endParaRPr>
+            </a:p>
+            <a:p>
+              <a:pPr algn="ctr"/>
+              <a:r>
+                <a:rPr lang="en-US" altLang="zh-CN" sz="1100" b="1">
+                  <a:latin typeface="+mn-ea"/>
+                </a:rPr>
+                <a:t>Tabix </a:t>
+              </a:r>
+              <a:r>
+                <a:rPr lang="zh-CN" altLang="en-US" sz="1100" b="1">
+                  <a:latin typeface="+mn-ea"/>
+                </a:rPr>
+                <a:t>查询可视化</a:t>
+              </a:r>
+            </a:p>
+          </p:txBody>
+        </p:sp>
+        <p:cxnSp>
+          <p:nvCxnSpPr>
+            <p:cNvPr id="54" name="直接箭头连接符 53">
+              <a:extLst>
+                <a:ext uri="{FF2B5EF4-FFF2-40B4-BE49-F238E27FC236}">
+                  <a16:creationId xmlns:a16="http://schemas.microsoft.com/office/drawing/2014/main" id="{53FD97B0-D10F-42D2-A146-6CD2208BA6FF}"/>
+                </a:ext>
+              </a:extLst>
+            </p:cNvPr>
+            <p:cNvCxnSpPr>
+              <a:cxnSpLocks/>
+              <a:stCxn id="13" idx="2"/>
+              <a:endCxn id="52" idx="0"/>
+            </p:cNvCxnSpPr>
+            <p:nvPr/>
+          </p:nvCxnSpPr>
+          <p:spPr>
+            <a:xfrm flipH="1">
+              <a:off x="4985688" y="5310926"/>
+              <a:ext cx="1" cy="517855"/>
+            </a:xfrm>
+            <a:prstGeom prst="straightConnector1">
+              <a:avLst/>
+            </a:prstGeom>
+            <a:ln>
+              <a:tailEnd type="triangle"/>
+            </a:ln>
+          </p:spPr>
+          <p:style>
+            <a:lnRef idx="1">
+              <a:schemeClr val="accent1"/>
+            </a:lnRef>
+            <a:fillRef idx="0">
+              <a:schemeClr val="accent1"/>
+            </a:fillRef>
+            <a:effectRef idx="0">
+              <a:schemeClr val="accent1"/>
+            </a:effectRef>
+            <a:fontRef idx="minor">
+              <a:schemeClr val="tx1"/>
+            </a:fontRef>
+          </p:style>
+        </p:cxnSp>
+        <p:cxnSp>
+          <p:nvCxnSpPr>
+            <p:cNvPr id="66" name="直接箭头连接符 65">
+              <a:extLst>
+                <a:ext uri="{FF2B5EF4-FFF2-40B4-BE49-F238E27FC236}">
+                  <a16:creationId xmlns:a16="http://schemas.microsoft.com/office/drawing/2014/main" id="{343577E8-FEAE-4CD9-BE3A-7B16E3C3B558}"/>
+                </a:ext>
+              </a:extLst>
+            </p:cNvPr>
+            <p:cNvCxnSpPr>
+              <a:cxnSpLocks/>
+              <a:stCxn id="34" idx="1"/>
+              <a:endCxn id="12" idx="2"/>
+            </p:cNvCxnSpPr>
+            <p:nvPr/>
+          </p:nvCxnSpPr>
+          <p:spPr>
+            <a:xfrm rot="10800000" flipV="1">
+              <a:off x="2700339" y="5066705"/>
+              <a:ext cx="3848041" cy="1203823"/>
+            </a:xfrm>
+            <a:prstGeom prst="bentConnector4">
+              <a:avLst>
+                <a:gd name="adj1" fmla="val 15417"/>
+                <a:gd name="adj2" fmla="val 118990"/>
+              </a:avLst>
+            </a:prstGeom>
+            <a:ln>
+              <a:prstDash val="dashDot"/>
+              <a:tailEnd type="triangle"/>
+            </a:ln>
+          </p:spPr>
+          <p:style>
+            <a:lnRef idx="1">
+              <a:schemeClr val="accent1"/>
+            </a:lnRef>
+            <a:fillRef idx="0">
+              <a:schemeClr val="accent1"/>
+            </a:fillRef>
+            <a:effectRef idx="0">
+              <a:schemeClr val="accent1"/>
+            </a:effectRef>
+            <a:fontRef idx="minor">
+              <a:schemeClr val="tx1"/>
+            </a:fontRef>
+          </p:style>
+        </p:cxnSp>
+        <p:sp>
+          <p:nvSpPr>
+            <p:cNvPr id="70" name="文本框 69">
+              <a:extLst>
+                <a:ext uri="{FF2B5EF4-FFF2-40B4-BE49-F238E27FC236}">
+                  <a16:creationId xmlns:a16="http://schemas.microsoft.com/office/drawing/2014/main" id="{4F31B704-AC01-4D5F-A1CE-1C7196BF7A57}"/>
+                </a:ext>
+              </a:extLst>
+            </p:cNvPr>
+            <p:cNvSpPr txBox="1"/>
+            <p:nvPr/>
+          </p:nvSpPr>
+          <p:spPr>
+            <a:xfrm>
+              <a:off x="5745777" y="6376600"/>
+              <a:ext cx="466794" cy="261610"/>
+            </a:xfrm>
+            <a:prstGeom prst="rect">
+              <a:avLst/>
+            </a:prstGeom>
+            <a:noFill/>
+          </p:spPr>
+          <p:txBody>
+            <a:bodyPr wrap="none" rtlCol="0">
+              <a:spAutoFit/>
+            </a:bodyPr>
+            <a:lstStyle/>
+            <a:p>
+              <a:r>
+                <a:rPr lang="zh-CN" altLang="en-US" sz="1100" b="1">
+                  <a:solidFill>
+                    <a:schemeClr val="accent2"/>
+                  </a:solidFill>
+                  <a:latin typeface="+mn-ea"/>
+                </a:rPr>
+                <a:t>可选</a:t>
+              </a:r>
+            </a:p>
+          </p:txBody>
+        </p:sp>
+        <p:sp>
+          <p:nvSpPr>
+            <p:cNvPr id="44" name="椭圆 43">
+              <a:extLst>
+                <a:ext uri="{FF2B5EF4-FFF2-40B4-BE49-F238E27FC236}">
+                  <a16:creationId xmlns:a16="http://schemas.microsoft.com/office/drawing/2014/main" id="{E6076F25-C651-4743-B903-0E3F5FB4A7B8}"/>
+                </a:ext>
+              </a:extLst>
+            </p:cNvPr>
+            <p:cNvSpPr/>
+            <p:nvPr/>
+          </p:nvSpPr>
+          <p:spPr>
+            <a:xfrm>
+              <a:off x="6572636" y="1840644"/>
+              <a:ext cx="216000" cy="216000"/>
+            </a:xfrm>
+            <a:prstGeom prst="ellipse">
+              <a:avLst/>
+            </a:prstGeom>
+            <a:noFill/>
+            <a:ln w="25400">
+              <a:solidFill>
+                <a:srgbClr val="FF0000"/>
+              </a:solidFill>
+            </a:ln>
+          </p:spPr>
+          <p:style>
+            <a:lnRef idx="2">
+              <a:schemeClr val="accent1">
+                <a:shade val="50000"/>
+              </a:schemeClr>
+            </a:lnRef>
+            <a:fillRef idx="1">
+              <a:schemeClr val="accent1"/>
+            </a:fillRef>
+            <a:effectRef idx="0">
+              <a:schemeClr val="accent1"/>
+            </a:effectRef>
+            <a:fontRef idx="minor">
+              <a:schemeClr val="lt1"/>
+            </a:fontRef>
+          </p:style>
+          <p:txBody>
+            <a:bodyPr lIns="0" tIns="0" rIns="0" bIns="0" rtlCol="0" anchor="ctr" anchorCtr="1">
+              <a:noAutofit/>
+            </a:bodyPr>
+            <a:lstStyle/>
+            <a:p>
+              <a:pPr algn="ctr"/>
+              <a:r>
+                <a:rPr lang="en-US" altLang="zh-CN" sz="1400">
+                  <a:solidFill>
+                    <a:srgbClr val="FF0000"/>
+                  </a:solidFill>
+                </a:rPr>
+                <a:t>2</a:t>
+              </a:r>
+              <a:endParaRPr lang="zh-CN" altLang="en-US" sz="1400">
+                <a:solidFill>
+                  <a:srgbClr val="FF0000"/>
+                </a:solidFill>
+              </a:endParaRPr>
+            </a:p>
+          </p:txBody>
+        </p:sp>
+        <p:sp>
+          <p:nvSpPr>
+            <p:cNvPr id="2" name="椭圆 1">
+              <a:extLst>
+                <a:ext uri="{FF2B5EF4-FFF2-40B4-BE49-F238E27FC236}">
+                  <a16:creationId xmlns:a16="http://schemas.microsoft.com/office/drawing/2014/main" id="{DEE9D242-A2BE-49AD-A2FF-C6348AD5247A}"/>
+                </a:ext>
+              </a:extLst>
+            </p:cNvPr>
+            <p:cNvSpPr/>
+            <p:nvPr/>
+          </p:nvSpPr>
+          <p:spPr>
+            <a:xfrm>
+              <a:off x="6572636" y="543244"/>
+              <a:ext cx="216000" cy="216000"/>
+            </a:xfrm>
+            <a:prstGeom prst="ellipse">
+              <a:avLst/>
+            </a:prstGeom>
+            <a:noFill/>
+            <a:ln w="25400">
+              <a:solidFill>
+                <a:srgbClr val="FF0000"/>
+              </a:solidFill>
+            </a:ln>
+          </p:spPr>
+          <p:style>
+            <a:lnRef idx="2">
+              <a:schemeClr val="accent1">
+                <a:shade val="50000"/>
+              </a:schemeClr>
+            </a:lnRef>
+            <a:fillRef idx="1">
+              <a:schemeClr val="accent1"/>
+            </a:fillRef>
+            <a:effectRef idx="0">
+              <a:schemeClr val="accent1"/>
+            </a:effectRef>
+            <a:fontRef idx="minor">
+              <a:schemeClr val="lt1"/>
+            </a:fontRef>
+          </p:style>
+          <p:txBody>
+            <a:bodyPr lIns="0" tIns="0" rIns="0" bIns="0" rtlCol="0" anchor="ctr" anchorCtr="1">
+              <a:noAutofit/>
+            </a:bodyPr>
+            <a:lstStyle/>
+            <a:p>
+              <a:pPr algn="ctr"/>
+              <a:r>
+                <a:rPr lang="en-US" altLang="zh-CN" sz="1400">
+                  <a:solidFill>
+                    <a:srgbClr val="FF0000"/>
+                  </a:solidFill>
+                </a:rPr>
+                <a:t>1</a:t>
+              </a:r>
+              <a:endParaRPr lang="zh-CN" altLang="en-US" sz="1400">
+                <a:solidFill>
+                  <a:srgbClr val="FF0000"/>
+                </a:solidFill>
+              </a:endParaRPr>
+            </a:p>
+          </p:txBody>
+        </p:sp>
+        <p:sp>
+          <p:nvSpPr>
+            <p:cNvPr id="50" name="椭圆 49">
+              <a:extLst>
+                <a:ext uri="{FF2B5EF4-FFF2-40B4-BE49-F238E27FC236}">
+                  <a16:creationId xmlns:a16="http://schemas.microsoft.com/office/drawing/2014/main" id="{746191FF-8871-48CC-A7E5-9D9C0445B664}"/>
+                </a:ext>
+              </a:extLst>
+            </p:cNvPr>
+            <p:cNvSpPr/>
+            <p:nvPr/>
+          </p:nvSpPr>
+          <p:spPr>
+            <a:xfrm>
+              <a:off x="8456630" y="2100027"/>
+              <a:ext cx="216000" cy="216000"/>
+            </a:xfrm>
+            <a:prstGeom prst="ellipse">
+              <a:avLst/>
+            </a:prstGeom>
+            <a:noFill/>
+            <a:ln w="25400">
+              <a:solidFill>
+                <a:srgbClr val="FF0000"/>
+              </a:solidFill>
+            </a:ln>
+          </p:spPr>
+          <p:style>
+            <a:lnRef idx="2">
+              <a:schemeClr val="accent1">
+                <a:shade val="50000"/>
+              </a:schemeClr>
+            </a:lnRef>
+            <a:fillRef idx="1">
+              <a:schemeClr val="accent1"/>
+            </a:fillRef>
+            <a:effectRef idx="0">
+              <a:schemeClr val="accent1"/>
+            </a:effectRef>
+            <a:fontRef idx="minor">
+              <a:schemeClr val="lt1"/>
+            </a:fontRef>
+          </p:style>
+          <p:txBody>
+            <a:bodyPr lIns="0" tIns="0" rIns="0" bIns="0" rtlCol="0" anchor="ctr" anchorCtr="1">
+              <a:noAutofit/>
+            </a:bodyPr>
+            <a:lstStyle/>
+            <a:p>
+              <a:pPr algn="ctr"/>
+              <a:r>
+                <a:rPr lang="en-US" altLang="zh-CN" sz="1400">
+                  <a:solidFill>
+                    <a:srgbClr val="FF0000"/>
+                  </a:solidFill>
+                </a:rPr>
+                <a:t>3</a:t>
+              </a:r>
+              <a:endParaRPr lang="zh-CN" altLang="en-US" sz="1400">
+                <a:solidFill>
+                  <a:srgbClr val="FF0000"/>
+                </a:solidFill>
+              </a:endParaRPr>
+            </a:p>
+          </p:txBody>
+        </p:sp>
+        <p:sp>
+          <p:nvSpPr>
+            <p:cNvPr id="51" name="椭圆 50">
+              <a:extLst>
+                <a:ext uri="{FF2B5EF4-FFF2-40B4-BE49-F238E27FC236}">
+                  <a16:creationId xmlns:a16="http://schemas.microsoft.com/office/drawing/2014/main" id="{27A078B0-B64C-4BCE-9477-D3C0AA6EF44D}"/>
+                </a:ext>
+              </a:extLst>
+            </p:cNvPr>
+            <p:cNvSpPr/>
+            <p:nvPr/>
+          </p:nvSpPr>
+          <p:spPr>
+            <a:xfrm>
+              <a:off x="7939017" y="2942222"/>
+              <a:ext cx="216000" cy="216000"/>
+            </a:xfrm>
+            <a:prstGeom prst="ellipse">
+              <a:avLst/>
+            </a:prstGeom>
+            <a:noFill/>
+            <a:ln w="25400">
+              <a:solidFill>
+                <a:srgbClr val="FF0000"/>
+              </a:solidFill>
+            </a:ln>
+          </p:spPr>
+          <p:style>
+            <a:lnRef idx="2">
+              <a:schemeClr val="accent1">
+                <a:shade val="50000"/>
+              </a:schemeClr>
+            </a:lnRef>
+            <a:fillRef idx="1">
+              <a:schemeClr val="accent1"/>
+            </a:fillRef>
+            <a:effectRef idx="0">
+              <a:schemeClr val="accent1"/>
+            </a:effectRef>
+            <a:fontRef idx="minor">
+              <a:schemeClr val="lt1"/>
+            </a:fontRef>
+          </p:style>
+          <p:txBody>
+            <a:bodyPr lIns="0" tIns="0" rIns="0" bIns="0" rtlCol="0" anchor="ctr" anchorCtr="1">
+              <a:noAutofit/>
+            </a:bodyPr>
+            <a:lstStyle/>
+            <a:p>
+              <a:pPr algn="ctr"/>
+              <a:r>
+                <a:rPr lang="en-US" altLang="zh-CN" sz="1400">
+                  <a:solidFill>
+                    <a:srgbClr val="FF0000"/>
+                  </a:solidFill>
+                </a:rPr>
+                <a:t>4</a:t>
+              </a:r>
+              <a:endParaRPr lang="zh-CN" altLang="en-US" sz="1400">
+                <a:solidFill>
+                  <a:srgbClr val="FF0000"/>
+                </a:solidFill>
+              </a:endParaRPr>
+            </a:p>
+          </p:txBody>
+        </p:sp>
+        <p:sp>
+          <p:nvSpPr>
+            <p:cNvPr id="53" name="椭圆 52">
+              <a:extLst>
+                <a:ext uri="{FF2B5EF4-FFF2-40B4-BE49-F238E27FC236}">
+                  <a16:creationId xmlns:a16="http://schemas.microsoft.com/office/drawing/2014/main" id="{422FB4E4-C746-4D15-8CA9-D53F40D32874}"/>
+                </a:ext>
+              </a:extLst>
+            </p:cNvPr>
+            <p:cNvSpPr/>
+            <p:nvPr/>
+          </p:nvSpPr>
+          <p:spPr>
+            <a:xfrm>
+              <a:off x="7066715" y="3069241"/>
+              <a:ext cx="216000" cy="216000"/>
+            </a:xfrm>
+            <a:prstGeom prst="ellipse">
+              <a:avLst/>
+            </a:prstGeom>
+            <a:noFill/>
+            <a:ln w="25400">
+              <a:solidFill>
+                <a:srgbClr val="FF0000"/>
+              </a:solidFill>
+            </a:ln>
+          </p:spPr>
+          <p:style>
+            <a:lnRef idx="2">
+              <a:schemeClr val="accent1">
+                <a:shade val="50000"/>
+              </a:schemeClr>
+            </a:lnRef>
+            <a:fillRef idx="1">
+              <a:schemeClr val="accent1"/>
+            </a:fillRef>
+            <a:effectRef idx="0">
+              <a:schemeClr val="accent1"/>
+            </a:effectRef>
+            <a:fontRef idx="minor">
+              <a:schemeClr val="lt1"/>
+            </a:fontRef>
+          </p:style>
+          <p:txBody>
+            <a:bodyPr lIns="0" tIns="0" rIns="0" bIns="0" rtlCol="0" anchor="ctr" anchorCtr="1">
+              <a:noAutofit/>
+            </a:bodyPr>
+            <a:lstStyle/>
+            <a:p>
+              <a:pPr algn="ctr"/>
+              <a:r>
+                <a:rPr lang="en-US" altLang="zh-CN" sz="1400">
+                  <a:solidFill>
+                    <a:srgbClr val="FF0000"/>
+                  </a:solidFill>
+                </a:rPr>
+                <a:t>5</a:t>
+              </a:r>
+              <a:endParaRPr lang="zh-CN" altLang="en-US" sz="1400">
+                <a:solidFill>
+                  <a:srgbClr val="FF0000"/>
+                </a:solidFill>
+              </a:endParaRPr>
+            </a:p>
+          </p:txBody>
+        </p:sp>
+        <p:sp>
+          <p:nvSpPr>
+            <p:cNvPr id="55" name="椭圆 54">
+              <a:extLst>
+                <a:ext uri="{FF2B5EF4-FFF2-40B4-BE49-F238E27FC236}">
+                  <a16:creationId xmlns:a16="http://schemas.microsoft.com/office/drawing/2014/main" id="{5D6E4A59-5324-40F8-9A5B-51340300D756}"/>
+                </a:ext>
+              </a:extLst>
+            </p:cNvPr>
+            <p:cNvSpPr/>
+            <p:nvPr/>
+          </p:nvSpPr>
+          <p:spPr>
+            <a:xfrm>
+              <a:off x="5984810" y="4127027"/>
+              <a:ext cx="216000" cy="216000"/>
+            </a:xfrm>
+            <a:prstGeom prst="ellipse">
+              <a:avLst/>
+            </a:prstGeom>
+            <a:noFill/>
+            <a:ln w="25400">
+              <a:solidFill>
+                <a:srgbClr val="FF0000"/>
+              </a:solidFill>
+            </a:ln>
+          </p:spPr>
+          <p:style>
+            <a:lnRef idx="2">
+              <a:schemeClr val="accent1">
+                <a:shade val="50000"/>
+              </a:schemeClr>
+            </a:lnRef>
+            <a:fillRef idx="1">
+              <a:schemeClr val="accent1"/>
+            </a:fillRef>
+            <a:effectRef idx="0">
+              <a:schemeClr val="accent1"/>
+            </a:effectRef>
+            <a:fontRef idx="minor">
+              <a:schemeClr val="lt1"/>
+            </a:fontRef>
+          </p:style>
+          <p:txBody>
+            <a:bodyPr lIns="0" tIns="0" rIns="0" bIns="0" rtlCol="0" anchor="ctr" anchorCtr="1">
+              <a:noAutofit/>
+            </a:bodyPr>
+            <a:lstStyle/>
+            <a:p>
+              <a:pPr algn="ctr"/>
+              <a:r>
+                <a:rPr lang="en-US" altLang="zh-CN" sz="1400">
+                  <a:solidFill>
+                    <a:srgbClr val="FF0000"/>
+                  </a:solidFill>
+                </a:rPr>
+                <a:t>6</a:t>
+              </a:r>
+              <a:endParaRPr lang="zh-CN" altLang="en-US" sz="1400">
+                <a:solidFill>
+                  <a:srgbClr val="FF0000"/>
+                </a:solidFill>
+              </a:endParaRPr>
+            </a:p>
+          </p:txBody>
+        </p:sp>
+        <p:sp>
+          <p:nvSpPr>
+            <p:cNvPr id="56" name="椭圆 55">
+              <a:extLst>
+                <a:ext uri="{FF2B5EF4-FFF2-40B4-BE49-F238E27FC236}">
+                  <a16:creationId xmlns:a16="http://schemas.microsoft.com/office/drawing/2014/main" id="{BC22BC3B-C8FF-4263-A62D-BEBB20DAF466}"/>
+                </a:ext>
+              </a:extLst>
+            </p:cNvPr>
+            <p:cNvSpPr/>
+            <p:nvPr/>
+          </p:nvSpPr>
+          <p:spPr>
+            <a:xfrm>
+              <a:off x="7941820" y="4776522"/>
+              <a:ext cx="216000" cy="216000"/>
+            </a:xfrm>
+            <a:prstGeom prst="ellipse">
+              <a:avLst/>
+            </a:prstGeom>
+            <a:noFill/>
+            <a:ln w="25400">
+              <a:solidFill>
+                <a:srgbClr val="FF0000"/>
+              </a:solidFill>
+            </a:ln>
+          </p:spPr>
+          <p:style>
+            <a:lnRef idx="2">
+              <a:schemeClr val="accent1">
+                <a:shade val="50000"/>
+              </a:schemeClr>
+            </a:lnRef>
+            <a:fillRef idx="1">
+              <a:schemeClr val="accent1"/>
+            </a:fillRef>
+            <a:effectRef idx="0">
+              <a:schemeClr val="accent1"/>
+            </a:effectRef>
+            <a:fontRef idx="minor">
+              <a:schemeClr val="lt1"/>
+            </a:fontRef>
+          </p:style>
+          <p:txBody>
+            <a:bodyPr lIns="0" tIns="0" rIns="0" bIns="0" rtlCol="0" anchor="ctr" anchorCtr="1">
+              <a:noAutofit/>
+            </a:bodyPr>
+            <a:lstStyle/>
+            <a:p>
+              <a:pPr algn="ctr"/>
+              <a:r>
+                <a:rPr lang="en-US" altLang="zh-CN" sz="1400">
+                  <a:solidFill>
+                    <a:srgbClr val="FF0000"/>
+                  </a:solidFill>
+                </a:rPr>
+                <a:t>7</a:t>
+              </a:r>
+              <a:endParaRPr lang="zh-CN" altLang="en-US" sz="1400">
+                <a:solidFill>
+                  <a:srgbClr val="FF0000"/>
+                </a:solidFill>
+              </a:endParaRPr>
+            </a:p>
+          </p:txBody>
+        </p:sp>
+        <p:sp>
+          <p:nvSpPr>
+            <p:cNvPr id="57" name="椭圆 56">
+              <a:extLst>
+                <a:ext uri="{FF2B5EF4-FFF2-40B4-BE49-F238E27FC236}">
+                  <a16:creationId xmlns:a16="http://schemas.microsoft.com/office/drawing/2014/main" id="{C3E75C65-50EB-47AE-B769-BEE0E6F593F3}"/>
+                </a:ext>
+              </a:extLst>
+            </p:cNvPr>
+            <p:cNvSpPr/>
+            <p:nvPr/>
+          </p:nvSpPr>
+          <p:spPr>
+            <a:xfrm>
+              <a:off x="6005372" y="6189990"/>
+              <a:ext cx="216000" cy="216000"/>
+            </a:xfrm>
+            <a:prstGeom prst="ellipse">
+              <a:avLst/>
+            </a:prstGeom>
+            <a:noFill/>
+            <a:ln w="25400">
+              <a:solidFill>
+                <a:srgbClr val="FF0000"/>
+              </a:solidFill>
+            </a:ln>
+          </p:spPr>
+          <p:style>
+            <a:lnRef idx="2">
+              <a:schemeClr val="accent1">
+                <a:shade val="50000"/>
+              </a:schemeClr>
+            </a:lnRef>
+            <a:fillRef idx="1">
+              <a:schemeClr val="accent1"/>
+            </a:fillRef>
+            <a:effectRef idx="0">
+              <a:schemeClr val="accent1"/>
+            </a:effectRef>
+            <a:fontRef idx="minor">
+              <a:schemeClr val="lt1"/>
+            </a:fontRef>
+          </p:style>
+          <p:txBody>
+            <a:bodyPr lIns="0" tIns="0" rIns="0" bIns="0" rtlCol="0" anchor="ctr" anchorCtr="1">
+              <a:noAutofit/>
+            </a:bodyPr>
+            <a:lstStyle/>
+            <a:p>
+              <a:pPr algn="ctr"/>
+              <a:r>
+                <a:rPr lang="en-US" altLang="zh-CN" sz="1400">
+                  <a:solidFill>
+                    <a:srgbClr val="FF0000"/>
+                  </a:solidFill>
+                </a:rPr>
+                <a:t>8</a:t>
+              </a:r>
+              <a:endParaRPr lang="zh-CN" altLang="en-US" sz="1400">
+                <a:solidFill>
+                  <a:srgbClr val="FF0000"/>
+                </a:solidFill>
+              </a:endParaRPr>
+            </a:p>
+          </p:txBody>
+        </p:sp>
+        <p:sp>
+          <p:nvSpPr>
+            <p:cNvPr id="58" name="椭圆 57">
+              <a:extLst>
+                <a:ext uri="{FF2B5EF4-FFF2-40B4-BE49-F238E27FC236}">
+                  <a16:creationId xmlns:a16="http://schemas.microsoft.com/office/drawing/2014/main" id="{A8D5D7CC-42C2-4992-8BA5-4784818691A9}"/>
+                </a:ext>
+              </a:extLst>
+            </p:cNvPr>
+            <p:cNvSpPr/>
+            <p:nvPr/>
+          </p:nvSpPr>
+          <p:spPr>
+            <a:xfrm>
+              <a:off x="2765572" y="3142600"/>
+              <a:ext cx="216000" cy="216000"/>
+            </a:xfrm>
+            <a:prstGeom prst="ellipse">
+              <a:avLst/>
+            </a:prstGeom>
+            <a:noFill/>
+            <a:ln w="25400">
+              <a:solidFill>
+                <a:srgbClr val="FF0000"/>
+              </a:solidFill>
+            </a:ln>
+          </p:spPr>
+          <p:style>
+            <a:lnRef idx="2">
+              <a:schemeClr val="accent1">
+                <a:shade val="50000"/>
+              </a:schemeClr>
+            </a:lnRef>
+            <a:fillRef idx="1">
+              <a:schemeClr val="accent1"/>
+            </a:fillRef>
+            <a:effectRef idx="0">
+              <a:schemeClr val="accent1"/>
+            </a:effectRef>
+            <a:fontRef idx="minor">
+              <a:schemeClr val="lt1"/>
+            </a:fontRef>
+          </p:style>
+          <p:txBody>
+            <a:bodyPr lIns="0" tIns="0" rIns="0" bIns="0" rtlCol="0" anchor="ctr" anchorCtr="1">
+              <a:noAutofit/>
+            </a:bodyPr>
+            <a:lstStyle/>
+            <a:p>
+              <a:pPr algn="ctr"/>
+              <a:r>
+                <a:rPr lang="en-US" altLang="zh-CN" sz="1400">
+                  <a:solidFill>
+                    <a:srgbClr val="FF0000"/>
+                  </a:solidFill>
+                </a:rPr>
+                <a:t>9</a:t>
+              </a:r>
+              <a:endParaRPr lang="zh-CN" altLang="en-US" sz="1400">
+                <a:solidFill>
+                  <a:srgbClr val="FF0000"/>
+                </a:solidFill>
+              </a:endParaRPr>
+            </a:p>
+          </p:txBody>
+        </p:sp>
+        <p:sp>
+          <p:nvSpPr>
+            <p:cNvPr id="59" name="椭圆 58">
+              <a:extLst>
+                <a:ext uri="{FF2B5EF4-FFF2-40B4-BE49-F238E27FC236}">
+                  <a16:creationId xmlns:a16="http://schemas.microsoft.com/office/drawing/2014/main" id="{1948622D-DDDE-491F-9154-70AEEC16A938}"/>
+                </a:ext>
+              </a:extLst>
+            </p:cNvPr>
+            <p:cNvSpPr/>
+            <p:nvPr/>
+          </p:nvSpPr>
+          <p:spPr>
+            <a:xfrm>
+              <a:off x="2134629" y="5111652"/>
+              <a:ext cx="216000" cy="216000"/>
+            </a:xfrm>
+            <a:prstGeom prst="ellipse">
+              <a:avLst/>
+            </a:prstGeom>
+            <a:noFill/>
+            <a:ln w="25400">
+              <a:solidFill>
+                <a:srgbClr val="FF0000"/>
+              </a:solidFill>
+            </a:ln>
+          </p:spPr>
+          <p:style>
+            <a:lnRef idx="2">
+              <a:schemeClr val="accent1">
+                <a:shade val="50000"/>
+              </a:schemeClr>
+            </a:lnRef>
+            <a:fillRef idx="1">
+              <a:schemeClr val="accent1"/>
+            </a:fillRef>
+            <a:effectRef idx="0">
+              <a:schemeClr val="accent1"/>
+            </a:effectRef>
+            <a:fontRef idx="minor">
+              <a:schemeClr val="lt1"/>
+            </a:fontRef>
+          </p:style>
+          <p:txBody>
+            <a:bodyPr lIns="0" tIns="0" rIns="0" bIns="0" rtlCol="0" anchor="ctr" anchorCtr="1">
+              <a:normAutofit fontScale="77500" lnSpcReduction="20000"/>
+            </a:bodyPr>
+            <a:lstStyle/>
+            <a:p>
+              <a:pPr algn="ctr"/>
+              <a:r>
+                <a:rPr lang="en-US" altLang="zh-CN" sz="1400">
+                  <a:solidFill>
+                    <a:srgbClr val="FF0000"/>
+                  </a:solidFill>
+                </a:rPr>
+                <a:t>10</a:t>
+              </a:r>
+              <a:endParaRPr lang="zh-CN" altLang="en-US" sz="1400">
+                <a:solidFill>
+                  <a:srgbClr val="FF0000"/>
+                </a:solidFill>
+              </a:endParaRPr>
+            </a:p>
+          </p:txBody>
+        </p:sp>
+        <p:sp>
+          <p:nvSpPr>
+            <p:cNvPr id="61" name="椭圆 60">
+              <a:extLst>
+                <a:ext uri="{FF2B5EF4-FFF2-40B4-BE49-F238E27FC236}">
+                  <a16:creationId xmlns:a16="http://schemas.microsoft.com/office/drawing/2014/main" id="{5DF66DE8-DFD7-480F-8E1F-197908A0193F}"/>
+                </a:ext>
+              </a:extLst>
+            </p:cNvPr>
+            <p:cNvSpPr/>
+            <p:nvPr/>
+          </p:nvSpPr>
+          <p:spPr>
+            <a:xfrm>
+              <a:off x="3040075" y="5111652"/>
+              <a:ext cx="216000" cy="216000"/>
+            </a:xfrm>
+            <a:prstGeom prst="ellipse">
+              <a:avLst/>
+            </a:prstGeom>
+            <a:noFill/>
+            <a:ln w="25400">
+              <a:solidFill>
+                <a:srgbClr val="FF0000"/>
+              </a:solidFill>
+            </a:ln>
+          </p:spPr>
+          <p:style>
+            <a:lnRef idx="2">
+              <a:schemeClr val="accent1">
+                <a:shade val="50000"/>
+              </a:schemeClr>
+            </a:lnRef>
+            <a:fillRef idx="1">
+              <a:schemeClr val="accent1"/>
+            </a:fillRef>
+            <a:effectRef idx="0">
+              <a:schemeClr val="accent1"/>
+            </a:effectRef>
+            <a:fontRef idx="minor">
+              <a:schemeClr val="lt1"/>
+            </a:fontRef>
+          </p:style>
+          <p:txBody>
+            <a:bodyPr lIns="0" tIns="0" rIns="0" bIns="0" rtlCol="0" anchor="ctr" anchorCtr="1">
+              <a:normAutofit fontScale="77500" lnSpcReduction="20000"/>
+            </a:bodyPr>
+            <a:lstStyle/>
+            <a:p>
+              <a:pPr algn="ctr"/>
+              <a:r>
+                <a:rPr lang="en-US" altLang="zh-CN" sz="1400">
+                  <a:solidFill>
+                    <a:srgbClr val="FF0000"/>
+                  </a:solidFill>
+                </a:rPr>
+                <a:t>11</a:t>
+              </a:r>
+              <a:endParaRPr lang="zh-CN" altLang="en-US" sz="1400">
+                <a:solidFill>
+                  <a:srgbClr val="FF0000"/>
+                </a:solidFill>
+              </a:endParaRPr>
+            </a:p>
+          </p:txBody>
+        </p:sp>
+        <p:sp>
+          <p:nvSpPr>
+            <p:cNvPr id="62" name="椭圆 61">
+              <a:extLst>
+                <a:ext uri="{FF2B5EF4-FFF2-40B4-BE49-F238E27FC236}">
+                  <a16:creationId xmlns:a16="http://schemas.microsoft.com/office/drawing/2014/main" id="{D0ECCE11-98A1-4AC8-BB6D-B8971B472F43}"/>
+                </a:ext>
+              </a:extLst>
+            </p:cNvPr>
+            <p:cNvSpPr/>
+            <p:nvPr/>
+          </p:nvSpPr>
+          <p:spPr>
+            <a:xfrm>
+              <a:off x="2466368" y="5575869"/>
+              <a:ext cx="216000" cy="216000"/>
+            </a:xfrm>
+            <a:prstGeom prst="ellipse">
+              <a:avLst/>
+            </a:prstGeom>
+            <a:noFill/>
+            <a:ln w="25400">
+              <a:solidFill>
+                <a:srgbClr val="FF0000"/>
+              </a:solidFill>
+            </a:ln>
+          </p:spPr>
+          <p:style>
+            <a:lnRef idx="2">
+              <a:schemeClr val="accent1">
+                <a:shade val="50000"/>
+              </a:schemeClr>
+            </a:lnRef>
+            <a:fillRef idx="1">
+              <a:schemeClr val="accent1"/>
+            </a:fillRef>
+            <a:effectRef idx="0">
+              <a:schemeClr val="accent1"/>
+            </a:effectRef>
+            <a:fontRef idx="minor">
+              <a:schemeClr val="lt1"/>
+            </a:fontRef>
+          </p:style>
+          <p:txBody>
+            <a:bodyPr lIns="0" tIns="0" rIns="0" bIns="0" rtlCol="0" anchor="ctr" anchorCtr="1">
+              <a:normAutofit fontScale="77500" lnSpcReduction="20000"/>
+            </a:bodyPr>
+            <a:lstStyle/>
+            <a:p>
+              <a:pPr algn="ctr"/>
+              <a:r>
+                <a:rPr lang="en-US" altLang="zh-CN" sz="1400">
+                  <a:solidFill>
+                    <a:srgbClr val="FF0000"/>
+                  </a:solidFill>
+                </a:rPr>
+                <a:t>12</a:t>
+              </a:r>
+              <a:endParaRPr lang="zh-CN" altLang="en-US" sz="1400">
+                <a:solidFill>
+                  <a:srgbClr val="FF0000"/>
+                </a:solidFill>
+              </a:endParaRPr>
+            </a:p>
+          </p:txBody>
+        </p:sp>
+        <p:sp>
+          <p:nvSpPr>
+            <p:cNvPr id="63" name="椭圆 62">
+              <a:extLst>
+                <a:ext uri="{FF2B5EF4-FFF2-40B4-BE49-F238E27FC236}">
+                  <a16:creationId xmlns:a16="http://schemas.microsoft.com/office/drawing/2014/main" id="{68A64925-3A5D-4E1D-B330-E79A2C623A25}"/>
+                </a:ext>
+              </a:extLst>
+            </p:cNvPr>
+            <p:cNvSpPr/>
+            <p:nvPr/>
+          </p:nvSpPr>
+          <p:spPr>
+            <a:xfrm>
+              <a:off x="5731428" y="2837040"/>
+              <a:ext cx="216000" cy="216000"/>
+            </a:xfrm>
+            <a:prstGeom prst="ellipse">
+              <a:avLst/>
+            </a:prstGeom>
+            <a:noFill/>
+            <a:ln w="25400">
+              <a:solidFill>
+                <a:srgbClr val="FF0000"/>
+              </a:solidFill>
+            </a:ln>
+          </p:spPr>
+          <p:style>
+            <a:lnRef idx="2">
+              <a:schemeClr val="accent1">
+                <a:shade val="50000"/>
+              </a:schemeClr>
+            </a:lnRef>
+            <a:fillRef idx="1">
+              <a:schemeClr val="accent1"/>
+            </a:fillRef>
+            <a:effectRef idx="0">
+              <a:schemeClr val="accent1"/>
+            </a:effectRef>
+            <a:fontRef idx="minor">
+              <a:schemeClr val="lt1"/>
+            </a:fontRef>
+          </p:style>
+          <p:txBody>
+            <a:bodyPr lIns="0" tIns="0" rIns="0" bIns="0" rtlCol="0" anchor="ctr" anchorCtr="1">
+              <a:normAutofit fontScale="77500" lnSpcReduction="20000"/>
+            </a:bodyPr>
+            <a:lstStyle/>
+            <a:p>
+              <a:pPr algn="ctr"/>
+              <a:r>
+                <a:rPr lang="en-US" altLang="zh-CN" sz="1400">
+                  <a:solidFill>
+                    <a:srgbClr val="FF0000"/>
+                  </a:solidFill>
+                </a:rPr>
+                <a:t>13</a:t>
+              </a:r>
+              <a:endParaRPr lang="zh-CN" altLang="en-US" sz="1400">
+                <a:solidFill>
+                  <a:srgbClr val="FF0000"/>
+                </a:solidFill>
+              </a:endParaRPr>
+            </a:p>
+          </p:txBody>
+        </p:sp>
+        <p:sp>
+          <p:nvSpPr>
+            <p:cNvPr id="64" name="椭圆 63">
+              <a:extLst>
+                <a:ext uri="{FF2B5EF4-FFF2-40B4-BE49-F238E27FC236}">
+                  <a16:creationId xmlns:a16="http://schemas.microsoft.com/office/drawing/2014/main" id="{EEEA73CB-F791-49FB-9A0D-AA432E37D6BC}"/>
+                </a:ext>
+              </a:extLst>
+            </p:cNvPr>
+            <p:cNvSpPr/>
+            <p:nvPr/>
+          </p:nvSpPr>
+          <p:spPr>
+            <a:xfrm>
+              <a:off x="3827976" y="4360203"/>
+              <a:ext cx="216000" cy="216000"/>
+            </a:xfrm>
+            <a:prstGeom prst="ellipse">
+              <a:avLst/>
+            </a:prstGeom>
+            <a:noFill/>
+            <a:ln w="25400">
+              <a:solidFill>
+                <a:srgbClr val="FF0000"/>
+              </a:solidFill>
+            </a:ln>
+          </p:spPr>
+          <p:style>
+            <a:lnRef idx="2">
+              <a:schemeClr val="accent1">
+                <a:shade val="50000"/>
+              </a:schemeClr>
+            </a:lnRef>
+            <a:fillRef idx="1">
+              <a:schemeClr val="accent1"/>
+            </a:fillRef>
+            <a:effectRef idx="0">
+              <a:schemeClr val="accent1"/>
+            </a:effectRef>
+            <a:fontRef idx="minor">
+              <a:schemeClr val="lt1"/>
+            </a:fontRef>
+          </p:style>
+          <p:txBody>
+            <a:bodyPr lIns="0" tIns="0" rIns="0" bIns="0" rtlCol="0" anchor="ctr" anchorCtr="1">
+              <a:normAutofit fontScale="77500" lnSpcReduction="20000"/>
+            </a:bodyPr>
+            <a:lstStyle/>
+            <a:p>
+              <a:pPr algn="ctr"/>
+              <a:r>
+                <a:rPr lang="en-US" altLang="zh-CN" sz="1400">
+                  <a:solidFill>
+                    <a:srgbClr val="FF0000"/>
+                  </a:solidFill>
+                </a:rPr>
+                <a:t>14</a:t>
+              </a:r>
+              <a:endParaRPr lang="zh-CN" altLang="en-US" sz="1400">
+                <a:solidFill>
+                  <a:srgbClr val="FF0000"/>
+                </a:solidFill>
+              </a:endParaRPr>
+            </a:p>
+          </p:txBody>
+        </p:sp>
+        <p:sp>
+          <p:nvSpPr>
+            <p:cNvPr id="65" name="椭圆 64">
+              <a:extLst>
+                <a:ext uri="{FF2B5EF4-FFF2-40B4-BE49-F238E27FC236}">
+                  <a16:creationId xmlns:a16="http://schemas.microsoft.com/office/drawing/2014/main" id="{31EFE304-47F5-48A4-A440-6E408B88C046}"/>
+                </a:ext>
+              </a:extLst>
+            </p:cNvPr>
+            <p:cNvSpPr/>
+            <p:nvPr/>
+          </p:nvSpPr>
+          <p:spPr>
+            <a:xfrm>
+              <a:off x="5265778" y="4529029"/>
+              <a:ext cx="216000" cy="216000"/>
+            </a:xfrm>
+            <a:prstGeom prst="ellipse">
+              <a:avLst/>
+            </a:prstGeom>
+            <a:noFill/>
+            <a:ln w="25400">
+              <a:solidFill>
+                <a:srgbClr val="FF0000"/>
+              </a:solidFill>
+            </a:ln>
+          </p:spPr>
+          <p:style>
+            <a:lnRef idx="2">
+              <a:schemeClr val="accent1">
+                <a:shade val="50000"/>
+              </a:schemeClr>
+            </a:lnRef>
+            <a:fillRef idx="1">
+              <a:schemeClr val="accent1"/>
+            </a:fillRef>
+            <a:effectRef idx="0">
+              <a:schemeClr val="accent1"/>
+            </a:effectRef>
+            <a:fontRef idx="minor">
+              <a:schemeClr val="lt1"/>
+            </a:fontRef>
+          </p:style>
+          <p:txBody>
+            <a:bodyPr lIns="0" tIns="0" rIns="0" bIns="0" rtlCol="0" anchor="ctr" anchorCtr="1">
+              <a:normAutofit fontScale="77500" lnSpcReduction="20000"/>
+            </a:bodyPr>
+            <a:lstStyle/>
+            <a:p>
+              <a:pPr algn="ctr"/>
+              <a:r>
+                <a:rPr lang="en-US" altLang="zh-CN" sz="1400">
+                  <a:solidFill>
+                    <a:srgbClr val="FF0000"/>
+                  </a:solidFill>
+                </a:rPr>
+                <a:t>15</a:t>
+              </a:r>
+              <a:endParaRPr lang="zh-CN" altLang="en-US" sz="1400">
+                <a:solidFill>
+                  <a:srgbClr val="FF0000"/>
+                </a:solidFill>
+              </a:endParaRPr>
+            </a:p>
+          </p:txBody>
+        </p:sp>
+        <p:sp>
+          <p:nvSpPr>
+            <p:cNvPr id="68" name="椭圆 67">
+              <a:extLst>
+                <a:ext uri="{FF2B5EF4-FFF2-40B4-BE49-F238E27FC236}">
+                  <a16:creationId xmlns:a16="http://schemas.microsoft.com/office/drawing/2014/main" id="{FEA7AF86-D368-4E1F-ABA5-5078F12426F7}"/>
+                </a:ext>
+              </a:extLst>
+            </p:cNvPr>
+            <p:cNvSpPr/>
+            <p:nvPr/>
+          </p:nvSpPr>
+          <p:spPr>
+            <a:xfrm>
+              <a:off x="5265778" y="5601920"/>
+              <a:ext cx="216000" cy="216000"/>
+            </a:xfrm>
+            <a:prstGeom prst="ellipse">
+              <a:avLst/>
+            </a:prstGeom>
+            <a:noFill/>
+            <a:ln w="25400">
+              <a:solidFill>
+                <a:srgbClr val="FF0000"/>
+              </a:solidFill>
+            </a:ln>
+          </p:spPr>
+          <p:style>
+            <a:lnRef idx="2">
+              <a:schemeClr val="accent1">
+                <a:shade val="50000"/>
+              </a:schemeClr>
+            </a:lnRef>
+            <a:fillRef idx="1">
+              <a:schemeClr val="accent1"/>
+            </a:fillRef>
+            <a:effectRef idx="0">
+              <a:schemeClr val="accent1"/>
+            </a:effectRef>
+            <a:fontRef idx="minor">
+              <a:schemeClr val="lt1"/>
+            </a:fontRef>
+          </p:style>
+          <p:txBody>
+            <a:bodyPr lIns="0" tIns="0" rIns="0" bIns="0" rtlCol="0" anchor="ctr" anchorCtr="1">
+              <a:normAutofit fontScale="77500" lnSpcReduction="20000"/>
+            </a:bodyPr>
+            <a:lstStyle/>
+            <a:p>
+              <a:pPr algn="ctr"/>
+              <a:r>
+                <a:rPr lang="en-US" altLang="zh-CN" sz="1400">
+                  <a:solidFill>
+                    <a:srgbClr val="FF0000"/>
+                  </a:solidFill>
+                </a:rPr>
+                <a:t>16</a:t>
+              </a:r>
+              <a:endParaRPr lang="zh-CN" altLang="en-US" sz="1400">
+                <a:solidFill>
+                  <a:srgbClr val="FF0000"/>
+                </a:solidFill>
               </a:endParaRPr>
             </a:p>
           </p:txBody>
@@ -4796,10 +6830,10 @@
       </p:grpSp>
       <p:sp>
         <p:nvSpPr>
-          <p:cNvPr id="35" name="文本框 34">
+          <p:cNvPr id="67" name="文本框 66">
             <a:extLst>
               <a:ext uri="{FF2B5EF4-FFF2-40B4-BE49-F238E27FC236}">
-                <a16:creationId xmlns:a16="http://schemas.microsoft.com/office/drawing/2014/main" id="{0905FC4A-380F-4E05-A80D-51339D97870B}"/>
+                <a16:creationId xmlns:a16="http://schemas.microsoft.com/office/drawing/2014/main" id="{B473A48A-40FD-4635-938F-E9A656BFBC06}"/>
               </a:ext>
             </a:extLst>
           </p:cNvPr>
@@ -4808,415 +6842,8 @@
         </p:nvSpPr>
         <p:spPr>
           <a:xfrm>
-            <a:off x="2966660" y="2336568"/>
-            <a:ext cx="466794" cy="261610"/>
-          </a:xfrm>
-          <a:prstGeom prst="rect">
-            <a:avLst/>
-          </a:prstGeom>
-          <a:noFill/>
-        </p:spPr>
-        <p:txBody>
-          <a:bodyPr wrap="none" rtlCol="0">
-            <a:spAutoFit/>
-          </a:bodyPr>
-          <a:lstStyle/>
-          <a:p>
-            <a:r>
-              <a:rPr lang="zh-CN" altLang="en-US" sz="1100" b="1">
-                <a:solidFill>
-                  <a:schemeClr val="accent2"/>
-                </a:solidFill>
-                <a:latin typeface="+mn-ea"/>
-              </a:rPr>
-              <a:t>可选</a:t>
-            </a:r>
-          </a:p>
-        </p:txBody>
-      </p:sp>
-      <p:sp>
-        <p:nvSpPr>
-          <p:cNvPr id="36" name="文本框 35">
-            <a:extLst>
-              <a:ext uri="{FF2B5EF4-FFF2-40B4-BE49-F238E27FC236}">
-                <a16:creationId xmlns:a16="http://schemas.microsoft.com/office/drawing/2014/main" id="{A5B9C7CB-D791-4DFD-B6FF-A38E50831CA7}"/>
-              </a:ext>
-            </a:extLst>
-          </p:cNvPr>
-          <p:cNvSpPr txBox="1"/>
-          <p:nvPr/>
-        </p:nvSpPr>
-        <p:spPr>
-          <a:xfrm>
-            <a:off x="7768165" y="2573170"/>
-            <a:ext cx="466794" cy="261610"/>
-          </a:xfrm>
-          <a:prstGeom prst="rect">
-            <a:avLst/>
-          </a:prstGeom>
-          <a:noFill/>
-        </p:spPr>
-        <p:txBody>
-          <a:bodyPr wrap="none" rtlCol="0">
-            <a:spAutoFit/>
-          </a:bodyPr>
-          <a:lstStyle/>
-          <a:p>
-            <a:r>
-              <a:rPr lang="zh-CN" altLang="en-US" sz="1100" b="1">
-                <a:solidFill>
-                  <a:schemeClr val="accent2"/>
-                </a:solidFill>
-                <a:latin typeface="+mn-ea"/>
-              </a:rPr>
-              <a:t>可选</a:t>
-            </a:r>
-          </a:p>
-        </p:txBody>
-      </p:sp>
-      <p:sp>
-        <p:nvSpPr>
-          <p:cNvPr id="37" name="文本框 36">
-            <a:extLst>
-              <a:ext uri="{FF2B5EF4-FFF2-40B4-BE49-F238E27FC236}">
-                <a16:creationId xmlns:a16="http://schemas.microsoft.com/office/drawing/2014/main" id="{4195F2E0-1700-4B39-B165-CF9BF12668CA}"/>
-              </a:ext>
-            </a:extLst>
-          </p:cNvPr>
-          <p:cNvSpPr txBox="1"/>
-          <p:nvPr/>
-        </p:nvSpPr>
-        <p:spPr>
-          <a:xfrm>
-            <a:off x="5342356" y="3018598"/>
-            <a:ext cx="484428" cy="261610"/>
-          </a:xfrm>
-          <a:prstGeom prst="rect">
-            <a:avLst/>
-          </a:prstGeom>
-          <a:noFill/>
-        </p:spPr>
-        <p:txBody>
-          <a:bodyPr wrap="none" rtlCol="0">
-            <a:spAutoFit/>
-          </a:bodyPr>
-          <a:lstStyle/>
-          <a:p>
-            <a:r>
-              <a:rPr lang="en-US" altLang="zh-CN" sz="1100" b="1">
-                <a:latin typeface="+mn-ea"/>
-              </a:rPr>
-              <a:t>Flink</a:t>
-            </a:r>
-            <a:endParaRPr lang="zh-CN" altLang="en-US" sz="1100" b="1">
-              <a:latin typeface="+mn-ea"/>
-            </a:endParaRPr>
-          </a:p>
-        </p:txBody>
-      </p:sp>
-      <p:sp>
-        <p:nvSpPr>
-          <p:cNvPr id="38" name="文本框 37">
-            <a:extLst>
-              <a:ext uri="{FF2B5EF4-FFF2-40B4-BE49-F238E27FC236}">
-                <a16:creationId xmlns:a16="http://schemas.microsoft.com/office/drawing/2014/main" id="{8B7E28BE-C346-41CD-AB75-AD7511CB46D6}"/>
-              </a:ext>
-            </a:extLst>
-          </p:cNvPr>
-          <p:cNvSpPr txBox="1"/>
-          <p:nvPr/>
-        </p:nvSpPr>
-        <p:spPr>
-          <a:xfrm>
-            <a:off x="6521815" y="3018598"/>
-            <a:ext cx="484428" cy="261610"/>
-          </a:xfrm>
-          <a:prstGeom prst="rect">
-            <a:avLst/>
-          </a:prstGeom>
-          <a:noFill/>
-        </p:spPr>
-        <p:txBody>
-          <a:bodyPr wrap="none" rtlCol="0">
-            <a:spAutoFit/>
-          </a:bodyPr>
-          <a:lstStyle/>
-          <a:p>
-            <a:r>
-              <a:rPr lang="en-US" altLang="zh-CN" sz="1100" b="1">
-                <a:latin typeface="+mn-ea"/>
-              </a:rPr>
-              <a:t>Flink</a:t>
-            </a:r>
-            <a:endParaRPr lang="zh-CN" altLang="en-US" sz="1100" b="1">
-              <a:latin typeface="+mn-ea"/>
-            </a:endParaRPr>
-          </a:p>
-        </p:txBody>
-      </p:sp>
-      <p:sp>
-        <p:nvSpPr>
-          <p:cNvPr id="39" name="文本框 38">
-            <a:extLst>
-              <a:ext uri="{FF2B5EF4-FFF2-40B4-BE49-F238E27FC236}">
-                <a16:creationId xmlns:a16="http://schemas.microsoft.com/office/drawing/2014/main" id="{52ABB6E2-9EB9-4393-9747-EF8C4AFDE57F}"/>
-              </a:ext>
-            </a:extLst>
-          </p:cNvPr>
-          <p:cNvSpPr txBox="1"/>
-          <p:nvPr/>
-        </p:nvSpPr>
-        <p:spPr>
-          <a:xfrm>
-            <a:off x="8155017" y="3018598"/>
-            <a:ext cx="484428" cy="261610"/>
-          </a:xfrm>
-          <a:prstGeom prst="rect">
-            <a:avLst/>
-          </a:prstGeom>
-          <a:noFill/>
-        </p:spPr>
-        <p:txBody>
-          <a:bodyPr wrap="none" rtlCol="0">
-            <a:spAutoFit/>
-          </a:bodyPr>
-          <a:lstStyle/>
-          <a:p>
-            <a:r>
-              <a:rPr lang="en-US" altLang="zh-CN" sz="1100" b="1">
-                <a:latin typeface="+mn-ea"/>
-              </a:rPr>
-              <a:t>Flink</a:t>
-            </a:r>
-            <a:endParaRPr lang="zh-CN" altLang="en-US" sz="1100" b="1">
-              <a:latin typeface="+mn-ea"/>
-            </a:endParaRPr>
-          </a:p>
-        </p:txBody>
-      </p:sp>
-      <p:sp>
-        <p:nvSpPr>
-          <p:cNvPr id="41" name="文本框 40">
-            <a:extLst>
-              <a:ext uri="{FF2B5EF4-FFF2-40B4-BE49-F238E27FC236}">
-                <a16:creationId xmlns:a16="http://schemas.microsoft.com/office/drawing/2014/main" id="{13C3177B-96A8-47E7-82C6-F55295F1B9D1}"/>
-              </a:ext>
-            </a:extLst>
-          </p:cNvPr>
-          <p:cNvSpPr txBox="1"/>
-          <p:nvPr/>
-        </p:nvSpPr>
-        <p:spPr>
-          <a:xfrm>
-            <a:off x="6929521" y="6250675"/>
-            <a:ext cx="2935419" cy="369332"/>
-          </a:xfrm>
-          <a:prstGeom prst="rect">
-            <a:avLst/>
-          </a:prstGeom>
-          <a:noFill/>
-          <a:ln w="12700" cap="rnd" cmpd="sng">
-            <a:noFill/>
-          </a:ln>
-        </p:spPr>
-        <p:txBody>
-          <a:bodyPr wrap="none" rtlCol="0">
-            <a:spAutoFit/>
-          </a:bodyPr>
-          <a:lstStyle/>
-          <a:p>
-            <a:r>
-              <a:rPr lang="en-US" altLang="zh-CN" u="sng">
-                <a:solidFill>
-                  <a:schemeClr val="tx1">
-                    <a:lumMod val="65000"/>
-                    <a:lumOff val="35000"/>
-                  </a:schemeClr>
-                </a:solidFill>
-              </a:rPr>
-              <a:t>SZT-bigdata </a:t>
-            </a:r>
-            <a:r>
-              <a:rPr lang="zh-CN" altLang="en-US" u="sng">
-                <a:solidFill>
-                  <a:schemeClr val="tx1">
-                    <a:lumMod val="65000"/>
-                    <a:lumOff val="35000"/>
-                  </a:schemeClr>
-                </a:solidFill>
-              </a:rPr>
-              <a:t>第一期 架构图</a:t>
-            </a:r>
-          </a:p>
-        </p:txBody>
-      </p:sp>
-      <p:sp>
-        <p:nvSpPr>
-          <p:cNvPr id="42" name="文本框 41">
-            <a:extLst>
-              <a:ext uri="{FF2B5EF4-FFF2-40B4-BE49-F238E27FC236}">
-                <a16:creationId xmlns:a16="http://schemas.microsoft.com/office/drawing/2014/main" id="{D2D2B250-670A-4F1A-B28F-E809AC3047BF}"/>
-              </a:ext>
-            </a:extLst>
-          </p:cNvPr>
-          <p:cNvSpPr txBox="1"/>
-          <p:nvPr/>
-        </p:nvSpPr>
-        <p:spPr>
-          <a:xfrm>
-            <a:off x="2224154" y="3126320"/>
-            <a:ext cx="484428" cy="261610"/>
-          </a:xfrm>
-          <a:prstGeom prst="rect">
-            <a:avLst/>
-          </a:prstGeom>
-          <a:noFill/>
-        </p:spPr>
-        <p:txBody>
-          <a:bodyPr wrap="none" rtlCol="0">
-            <a:spAutoFit/>
-          </a:bodyPr>
-          <a:lstStyle/>
-          <a:p>
-            <a:r>
-              <a:rPr lang="en-US" altLang="zh-CN" sz="1100" b="1">
-                <a:latin typeface="+mn-ea"/>
-              </a:rPr>
-              <a:t>Flink</a:t>
-            </a:r>
-            <a:endParaRPr lang="zh-CN" altLang="en-US" sz="1100" b="1">
-              <a:latin typeface="+mn-ea"/>
-            </a:endParaRPr>
-          </a:p>
-        </p:txBody>
-      </p:sp>
-      <p:sp>
-        <p:nvSpPr>
-          <p:cNvPr id="43" name="文本框 42">
-            <a:extLst>
-              <a:ext uri="{FF2B5EF4-FFF2-40B4-BE49-F238E27FC236}">
-                <a16:creationId xmlns:a16="http://schemas.microsoft.com/office/drawing/2014/main" id="{DD2D93AA-2C26-4549-8EDD-735618D7B9BF}"/>
-              </a:ext>
-            </a:extLst>
-          </p:cNvPr>
-          <p:cNvSpPr txBox="1"/>
-          <p:nvPr/>
-        </p:nvSpPr>
-        <p:spPr>
-          <a:xfrm>
-            <a:off x="3037424" y="4120248"/>
-            <a:ext cx="909223" cy="261610"/>
-          </a:xfrm>
-          <a:prstGeom prst="rect">
-            <a:avLst/>
-          </a:prstGeom>
-          <a:noFill/>
-        </p:spPr>
-        <p:txBody>
-          <a:bodyPr wrap="none" rtlCol="0">
-            <a:spAutoFit/>
-          </a:bodyPr>
-          <a:lstStyle/>
-          <a:p>
-            <a:r>
-              <a:rPr lang="en-US" altLang="zh-CN" sz="1100" b="1">
-                <a:latin typeface="+mn-ea"/>
-              </a:rPr>
-              <a:t>Springboot</a:t>
-            </a:r>
-            <a:endParaRPr lang="zh-CN" altLang="en-US" sz="1100" b="1">
-              <a:latin typeface="+mn-ea"/>
-            </a:endParaRPr>
-          </a:p>
-        </p:txBody>
-      </p:sp>
-    </p:spTree>
-    <p:custDataLst>
-      <p:tags r:id="rId1"/>
-    </p:custDataLst>
-    <p:extLst>
-      <p:ext uri="{BB962C8B-B14F-4D97-AF65-F5344CB8AC3E}">
-        <p14:creationId xmlns:p14="http://schemas.microsoft.com/office/powerpoint/2010/main" val="884283406"/>
-      </p:ext>
-    </p:extLst>
-  </p:cSld>
-  <p:clrMapOvr>
-    <a:masterClrMapping/>
-  </p:clrMapOvr>
-</p:sld>
-</file>
-
-<file path=ppt/slides/slide2.xml><?xml version="1.0" encoding="utf-8"?>
-<p:sld xmlns:a="http://schemas.openxmlformats.org/drawingml/2006/main" xmlns:r="http://schemas.openxmlformats.org/officeDocument/2006/relationships" xmlns:p="http://schemas.openxmlformats.org/presentationml/2006/main">
-  <p:cSld>
-    <p:bg>
-      <p:bgPr>
-        <a:solidFill>
-          <a:schemeClr val="bg1"/>
-        </a:solidFill>
-        <a:effectLst/>
-      </p:bgPr>
-    </p:bg>
-    <p:spTree>
-      <p:nvGrpSpPr>
-        <p:cNvPr id="1" name=""/>
-        <p:cNvGrpSpPr/>
-        <p:nvPr/>
-      </p:nvGrpSpPr>
-      <p:grpSpPr>
-        <a:xfrm>
-          <a:off x="0" y="0"/>
-          <a:ext cx="0" cy="0"/>
-          <a:chOff x="0" y="0"/>
-          <a:chExt cx="0" cy="0"/>
-        </a:xfrm>
-      </p:grpSpPr>
-      <p:pic>
-        <p:nvPicPr>
-          <p:cNvPr id="4" name="图片 3">
-            <a:extLst>
-              <a:ext uri="{FF2B5EF4-FFF2-40B4-BE49-F238E27FC236}">
-                <a16:creationId xmlns:a16="http://schemas.microsoft.com/office/drawing/2014/main" id="{7E898977-21F8-4751-AA8E-FF8ACCD13072}"/>
-              </a:ext>
-            </a:extLst>
-          </p:cNvPr>
-          <p:cNvPicPr>
-            <a:picLocks noChangeAspect="1"/>
-          </p:cNvPicPr>
-          <p:nvPr/>
-        </p:nvPicPr>
-        <p:blipFill>
-          <a:blip r:embed="rId2"/>
-          <a:stretch>
-            <a:fillRect/>
-          </a:stretch>
-        </p:blipFill>
-        <p:spPr>
-          <a:xfrm>
-            <a:off x="3677465" y="0"/>
-            <a:ext cx="8883650" cy="6858000"/>
-          </a:xfrm>
-          <a:prstGeom prst="rect">
-            <a:avLst/>
-          </a:prstGeom>
-        </p:spPr>
-      </p:pic>
-      <p:sp>
-        <p:nvSpPr>
-          <p:cNvPr id="3" name="文本框 2">
-            <a:extLst>
-              <a:ext uri="{FF2B5EF4-FFF2-40B4-BE49-F238E27FC236}">
-                <a16:creationId xmlns:a16="http://schemas.microsoft.com/office/drawing/2014/main" id="{D947088B-3E08-46DE-8F82-013DED62578D}"/>
-              </a:ext>
-            </a:extLst>
-          </p:cNvPr>
-          <p:cNvSpPr txBox="1"/>
-          <p:nvPr/>
-        </p:nvSpPr>
-        <p:spPr>
-          <a:xfrm>
-            <a:off x="310393" y="117446"/>
-            <a:ext cx="4295164" cy="2677656"/>
+            <a:off x="68827" y="117446"/>
+            <a:ext cx="4295164" cy="3477875"/>
           </a:xfrm>
           <a:prstGeom prst="rect">
             <a:avLst/>
@@ -5290,13 +6917,13 @@
               <a:rPr lang="en-US" altLang="zh-CN" sz="1200">
                 <a:latin typeface="+mn-ea"/>
               </a:rPr>
-              <a:t>6-CDH+HUE+HDFS </a:t>
+              <a:t>6-Hive sql </a:t>
             </a:r>
             <a:r>
               <a:rPr lang="zh-CN" altLang="en-US" sz="1200">
                 <a:latin typeface="+mn-ea"/>
               </a:rPr>
-              <a:t>上传</a:t>
+              <a:t>脚本（开发维护成本最低）</a:t>
             </a:r>
             <a:endParaRPr lang="en-US" altLang="zh-CN" sz="1200">
               <a:latin typeface="+mn-ea"/>
@@ -5307,7 +6934,61 @@
               <a:rPr lang="en-US" altLang="zh-CN" sz="1200">
                 <a:latin typeface="+mn-ea"/>
               </a:rPr>
-              <a:t>7</a:t>
+              <a:t>7-Saprk </a:t>
+            </a:r>
+            <a:r>
+              <a:rPr lang="zh-CN" altLang="en-US" sz="1200">
+                <a:latin typeface="+mn-ea"/>
+              </a:rPr>
+              <a:t>程序（开发维护成本最高，但是功能更强）</a:t>
+            </a:r>
+            <a:endParaRPr lang="en-US" altLang="zh-CN" sz="1200">
+              <a:latin typeface="+mn-ea"/>
+            </a:endParaRPr>
+          </a:p>
+          <a:p>
+            <a:r>
+              <a:rPr lang="en-US" altLang="zh-CN" sz="1200">
+                <a:latin typeface="+mn-ea"/>
+              </a:rPr>
+              <a:t>8-HUE </a:t>
+            </a:r>
+            <a:r>
+              <a:rPr lang="zh-CN" altLang="en-US" sz="1200">
+                <a:latin typeface="+mn-ea"/>
+              </a:rPr>
+              <a:t>方便查询和展示 </a:t>
+            </a:r>
+            <a:r>
+              <a:rPr lang="en-US" altLang="zh-CN" sz="1200">
+                <a:latin typeface="+mn-ea"/>
+              </a:rPr>
+              <a:t>Hive </a:t>
+            </a:r>
+            <a:r>
+              <a:rPr lang="zh-CN" altLang="en-US" sz="1200">
+                <a:latin typeface="+mn-ea"/>
+              </a:rPr>
+              <a:t>数据</a:t>
+            </a:r>
+            <a:endParaRPr lang="en-US" altLang="zh-CN" sz="1200">
+              <a:latin typeface="+mn-ea"/>
+            </a:endParaRPr>
+          </a:p>
+          <a:p>
+            <a:r>
+              <a:rPr lang="en-US" altLang="zh-CN" sz="1200">
+                <a:latin typeface="+mn-ea"/>
+              </a:rPr>
+              <a:t>9-cn.java666.etlflink.app.Redis2HBase</a:t>
+            </a:r>
+          </a:p>
+          <a:p>
+            <a:r>
+              <a:rPr lang="en-US" altLang="zh-CN" sz="1200">
+                <a:latin typeface="+mn-ea"/>
+              </a:rPr>
+              <a:t>10</a:t>
             </a:r>
             <a:r>
               <a:rPr lang="zh-CN" altLang="en-US" sz="1200">
@@ -5319,34 +7000,6 @@
               <a:rPr lang="en-US" altLang="zh-CN" sz="1200">
                 <a:latin typeface="+mn-ea"/>
               </a:rPr>
-              <a:t>8-sql/hive.sql</a:t>
-            </a:r>
-          </a:p>
-          <a:p>
-            <a:r>
-              <a:rPr lang="en-US" altLang="zh-CN" sz="1200">
-                <a:latin typeface="+mn-ea"/>
-              </a:rPr>
-              <a:t>9-cn.java666.etlflink.app.Redis2HBase</a:t>
-            </a:r>
-          </a:p>
-          <a:p>
-            <a:r>
-              <a:rPr lang="en-US" altLang="zh-CN" sz="1200">
-                <a:latin typeface="+mn-ea"/>
-              </a:rPr>
-              <a:t>10</a:t>
-            </a:r>
-            <a:r>
-              <a:rPr lang="zh-CN" altLang="en-US" sz="1200">
-                <a:latin typeface="+mn-ea"/>
-              </a:rPr>
-              <a:t>、</a:t>
-            </a:r>
-            <a:r>
-              <a:rPr lang="en-US" altLang="zh-CN" sz="1200">
-                <a:latin typeface="+mn-ea"/>
-              </a:rPr>
               <a:t>14-cn.java666.szthbase.controller.KafkaListen#sink2Hbase</a:t>
             </a:r>
           </a:p>
@@ -5363,8 +7016,17 @@
               <a:rPr lang="en-US" altLang="zh-CN" sz="1200">
                 <a:latin typeface="+mn-ea"/>
               </a:rPr>
-              <a:t>12-CDH+HUE+Hbase</a:t>
-            </a:r>
+              <a:t>12-CDH HDFS+HUE+Hbase+Hive </a:t>
+            </a:r>
+            <a:r>
+              <a:rPr lang="zh-CN" altLang="en-US" sz="1200">
+                <a:latin typeface="+mn-ea"/>
+              </a:rPr>
+              <a:t>一站式查询</a:t>
+            </a:r>
+            <a:endParaRPr lang="en-US" altLang="zh-CN" sz="1200">
+              <a:latin typeface="+mn-ea"/>
+            </a:endParaRPr>
           </a:p>
           <a:p>
             <a:r>
@@ -5382,21 +7044,51 @@
               <a:t>15-</a:t>
             </a:r>
             <a:r>
-              <a:rPr lang="zh-CN" altLang="en-US" sz="1200">
+              <a:rPr lang="af-ZA" altLang="zh-CN" sz="1200">
                 <a:latin typeface="+mn-ea"/>
               </a:rPr>
-              <a:t>待开发</a:t>
+              <a:t>cn.java666.sztflink.realtime.Kafka2MyCH</a:t>
+            </a:r>
+          </a:p>
+          <a:p>
+            <a:r>
+              <a:rPr lang="af-ZA" altLang="zh-CN" sz="1200">
+                <a:latin typeface="+mn-ea"/>
+              </a:rPr>
+              <a:t>16-cn.java666.sztflink.realtime.sink.MyClickhouseSinkFun</a:t>
+            </a:r>
+          </a:p>
+          <a:p>
+            <a:endParaRPr lang="af-ZA" altLang="zh-CN" sz="1200">
+              <a:latin typeface="+mn-ea"/>
+            </a:endParaRPr>
+          </a:p>
+          <a:p>
+            <a:r>
+              <a:rPr lang="zh-CN" altLang="en-US">
+                <a:solidFill>
+                  <a:srgbClr val="FF0000"/>
+                </a:solidFill>
+                <a:latin typeface="+mn-ea"/>
+              </a:rPr>
+              <a:t>下一步，计划开发数据湖中台解决方案</a:t>
             </a:r>
             <a:endParaRPr lang="en-US" altLang="zh-CN" sz="1200">
+              <a:solidFill>
+                <a:srgbClr val="FF0000"/>
+              </a:solidFill>
               <a:latin typeface="+mn-ea"/>
             </a:endParaRPr>
           </a:p>
         </p:txBody>
       </p:sp>
     </p:spTree>
+    <p:custDataLst>
+      <p:tags r:id="rId1"/>
+    </p:custDataLst>
     <p:extLst>
       <p:ext uri="{BB962C8B-B14F-4D97-AF65-F5344CB8AC3E}">
-        <p14:creationId xmlns:p14="http://schemas.microsoft.com/office/powerpoint/2010/main" val="2792145068"/>
+        <p14:creationId xmlns:p14="http://schemas.microsoft.com/office/powerpoint/2010/main" val="884283406"/>
       </p:ext>
     </p:extLst>
   </p:cSld>
@@ -5705,4 +7397,299 @@
     </a:ext>
   </a:extLst>
 </a:theme>
+</file>
+
+<file path=ppt/theme/theme2.xml><?xml version="1.0" encoding="utf-8"?>
+<a:theme xmlns:a="http://schemas.openxmlformats.org/drawingml/2006/main" name="Office 主题​​">
+  <a:themeElements>
+    <a:clrScheme name="Office">
+      <a:dk1>
+        <a:sysClr val="windowText" lastClr="000000"/>
+      </a:dk1>
+      <a:lt1>
+        <a:sysClr val="window" lastClr="FFFFFF"/>
+      </a:lt1>
+      <a:dk2>
+        <a:srgbClr val="44546A"/>
+      </a:dk2>
+      <a:lt2>
+        <a:srgbClr val="E7E6E6"/>
+      </a:lt2>
+      <a:accent1>
+        <a:srgbClr val="4472C4"/>
+      </a:accent1>
+      <a:accent2>
+        <a:srgbClr val="ED7D31"/>
+      </a:accent2>
+      <a:accent3>
+        <a:srgbClr val="A5A5A5"/>
+      </a:accent3>
+      <a:accent4>
+        <a:srgbClr val="FFC000"/>
+      </a:accent4>
+      <a:accent5>
+        <a:srgbClr val="5B9BD5"/>
+      </a:accent5>
+      <a:accent6>
+        <a:srgbClr val="70AD47"/>
+      </a:accent6>
+      <a:hlink>
+        <a:srgbClr val="0563C1"/>
+      </a:hlink>
+      <a:folHlink>
+        <a:srgbClr val="954F72"/>
+      </a:folHlink>
+    </a:clrScheme>
+    <a:fontScheme name="Office">
+      <a:majorFont>
+        <a:latin typeface="等线 Light" panose="020F0302020204030204"/>
+        <a:ea typeface=""/>
+        <a:cs typeface=""/>
+        <a:font script="Jpan" typeface="游ゴシック Light"/>
+        <a:font script="Hang" typeface="맑은 고딕"/>
+        <a:font script="Hans" typeface="等线 Light"/>
+        <a:font script="Hant" typeface="新細明體"/>
+        <a:font script="Arab" typeface="Times New Roman"/>
+        <a:font script="Hebr" typeface="Times New Roman"/>
+        <a:font script="Thai" typeface="Angsana New"/>
+        <a:font script="Ethi" typeface="Nyala"/>
+        <a:font script="Beng" typeface="Vrinda"/>
+        <a:font script="Gujr" typeface="Shruti"/>
+        <a:font script="Khmr" typeface="MoolBoran"/>
+        <a:font script="Knda" typeface="Tunga"/>
+        <a:font script="Guru" typeface="Raavi"/>
+        <a:font script="Cans" typeface="Euphemia"/>
+        <a:font script="Cher" typeface="Plantagenet Cherokee"/>
+        <a:font script="Yiii" typeface="Microsoft Yi Baiti"/>
+        <a:font script="Tibt" typeface="Microsoft Himalaya"/>
+        <a:font script="Thaa" typeface="MV Boli"/>
+        <a:font script="Deva" typeface="Mangal"/>
+        <a:font script="Telu" typeface="Gautami"/>
+        <a:font script="Taml" typeface="Latha"/>
+        <a:font script="Syrc" typeface="Estrangelo Edessa"/>
+        <a:font script="Orya" typeface="Kalinga"/>
+        <a:font script="Mlym" typeface="Kartika"/>
+        <a:font script="Laoo" typeface="DokChampa"/>
+        <a:font script="Sinh" typeface="Iskoola Pota"/>
+        <a:font script="Mong" typeface="Mongolian Baiti"/>
+        <a:font script="Viet" typeface="Times New Roman"/>
+        <a:font script="Uigh" typeface="Microsoft Uighur"/>
+        <a:font script="Geor" typeface="Sylfaen"/>
+        <a:font script="Armn" typeface="Arial"/>
+        <a:font script="Bugi" typeface="Leelawadee UI"/>
+        <a:font script="Bopo" typeface="Microsoft JhengHei"/>
+        <a:font script="Java" typeface="Javanese Text"/>
+        <a:font script="Lisu" typeface="Segoe UI"/>
+        <a:font script="Mymr" typeface="Myanmar Text"/>
+        <a:font script="Nkoo" typeface="Ebrima"/>
+        <a:font script="Olck" typeface="Nirmala UI"/>
+        <a:font script="Osma" typeface="Ebrima"/>
+        <a:font script="Phag" typeface="Phagspa"/>
+        <a:font script="Syrn" typeface="Estrangelo Edessa"/>
+        <a:font script="Syrj" typeface="Estrangelo Edessa"/>
+        <a:font script="Syre" typeface="Estrangelo Edessa"/>
+        <a:font script="Sora" typeface="Nirmala UI"/>
+        <a:font script="Tale" typeface="Microsoft Tai Le"/>
+        <a:font script="Talu" typeface="Microsoft New Tai Lue"/>
+        <a:font script="Tfng" typeface="Ebrima"/>
+      </a:majorFont>
+      <a:minorFont>
+        <a:latin typeface="等线" panose="020F0502020204030204"/>
+        <a:ea typeface=""/>
+        <a:cs typeface=""/>
+        <a:font script="Jpan" typeface="游ゴシック"/>
+        <a:font script="Hang" typeface="맑은 고딕"/>
+        <a:font script="Hans" typeface="等线"/>
+        <a:font script="Hant" typeface="新細明體"/>
+        <a:font script="Arab" typeface="Arial"/>
+        <a:font script="Hebr" typeface="Arial"/>
+        <a:font script="Thai" typeface="Cordia New"/>
+        <a:font script="Ethi" typeface="Nyala"/>
+        <a:font script="Beng" typeface="Vrinda"/>
+        <a:font script="Gujr" typeface="Shruti"/>
+        <a:font script="Khmr" typeface="DaunPenh"/>
+        <a:font script="Knda" typeface="Tunga"/>
+        <a:font script="Guru" typeface="Raavi"/>
+        <a:font script="Cans" typeface="Euphemia"/>
+        <a:font script="Cher" typeface="Plantagenet Cherokee"/>
+        <a:font script="Yiii" typeface="Microsoft Yi Baiti"/>
+        <a:font script="Tibt" typeface="Microsoft Himalaya"/>
+        <a:font script="Thaa" typeface="MV Boli"/>
+        <a:font script="Deva" typeface="Mangal"/>
+        <a:font script="Telu" typeface="Gautami"/>
+        <a:font script="Taml" typeface="Latha"/>
+        <a:font script="Syrc" typeface="Estrangelo Edessa"/>
+        <a:font script="Orya" typeface="Kalinga"/>
+        <a:font script="Mlym" typeface="Kartika"/>
+        <a:font script="Laoo" typeface="DokChampa"/>
+        <a:font script="Sinh" typeface="Iskoola Pota"/>
+        <a:font script="Mong" typeface="Mongolian Baiti"/>
+        <a:font script="Viet" typeface="Arial"/>
+        <a:font script="Uigh" typeface="Microsoft Uighur"/>
+        <a:font script="Geor" typeface="Sylfaen"/>
+        <a:font script="Armn" typeface="Arial"/>
+        <a:font script="Bugi" typeface="Leelawadee UI"/>
+        <a:font script="Bopo" typeface="Microsoft JhengHei"/>
+        <a:font script="Java" typeface="Javanese Text"/>
+        <a:font script="Lisu" typeface="Segoe UI"/>
+        <a:font script="Mymr" typeface="Myanmar Text"/>
+        <a:font script="Nkoo" typeface="Ebrima"/>
+        <a:font script="Olck" typeface="Nirmala UI"/>
+        <a:font script="Osma" typeface="Ebrima"/>
+        <a:font script="Phag" typeface="Phagspa"/>
+        <a:font script="Syrn" typeface="Estrangelo Edessa"/>
+        <a:font script="Syrj" typeface="Estrangelo Edessa"/>
+        <a:font script="Syre" typeface="Estrangelo Edessa"/>
+        <a:font script="Sora" typeface="Nirmala UI"/>
+        <a:font script="Tale" typeface="Microsoft Tai Le"/>
+        <a:font script="Talu" typeface="Microsoft New Tai Lue"/>
+        <a:font script="Tfng" typeface="Ebrima"/>
+      </a:minorFont>
+    </a:fontScheme>
+    <a:fmtScheme name="Office">
+      <a:fillStyleLst>
+        <a:solidFill>
+          <a:schemeClr val="phClr"/>
+        </a:solidFill>
+        <a:gradFill rotWithShape="1">
+          <a:gsLst>
+            <a:gs pos="0">
+              <a:schemeClr val="phClr">
+                <a:lumMod val="110000"/>
+                <a:satMod val="105000"/>
+                <a:tint val="67000"/>
+              </a:schemeClr>
+            </a:gs>
+            <a:gs pos="50000">
+              <a:schemeClr val="phClr">
+                <a:lumMod val="105000"/>
+                <a:satMod val="103000"/>
+                <a:tint val="73000"/>
+              </a:schemeClr>
+            </a:gs>
+            <a:gs pos="100000">
+              <a:schemeClr val="phClr">
+                <a:lumMod val="105000"/>
+                <a:satMod val="109000"/>
+                <a:tint val="81000"/>
+              </a:schemeClr>
+            </a:gs>
+          </a:gsLst>
+          <a:lin ang="5400000" scaled="0"/>
+        </a:gradFill>
+        <a:gradFill rotWithShape="1">
+          <a:gsLst>
+            <a:gs pos="0">
+              <a:schemeClr val="phClr">
+                <a:satMod val="103000"/>
+                <a:lumMod val="102000"/>
+                <a:tint val="94000"/>
+              </a:schemeClr>
+            </a:gs>
+            <a:gs pos="50000">
+              <a:schemeClr val="phClr">
+                <a:satMod val="110000"/>
+                <a:lumMod val="100000"/>
+                <a:shade val="100000"/>
+              </a:schemeClr>
+            </a:gs>
+            <a:gs pos="100000">
+              <a:schemeClr val="phClr">
+                <a:lumMod val="99000"/>
+                <a:satMod val="120000"/>
+                <a:shade val="78000"/>
+              </a:schemeClr>
+            </a:gs>
+          </a:gsLst>
+          <a:lin ang="5400000" scaled="0"/>
+        </a:gradFill>
+      </a:fillStyleLst>
+      <a:lnStyleLst>
+        <a:ln w="6350" cap="flat" cmpd="sng" algn="ctr">
+          <a:solidFill>
+            <a:schemeClr val="phClr"/>
+          </a:solidFill>
+          <a:prstDash val="solid"/>
+          <a:miter lim="800000"/>
+        </a:ln>
+        <a:ln w="12700" cap="flat" cmpd="sng" algn="ctr">
+          <a:solidFill>
+            <a:schemeClr val="phClr"/>
+          </a:solidFill>
+          <a:prstDash val="solid"/>
+          <a:miter lim="800000"/>
+        </a:ln>
+        <a:ln w="19050" cap="flat" cmpd="sng" algn="ctr">
+          <a:solidFill>
+            <a:schemeClr val="phClr"/>
+          </a:solidFill>
+          <a:prstDash val="solid"/>
+          <a:miter lim="800000"/>
+        </a:ln>
+      </a:lnStyleLst>
+      <a:effectStyleLst>
+        <a:effectStyle>
+          <a:effectLst/>
+        </a:effectStyle>
+        <a:effectStyle>
+          <a:effectLst/>
+        </a:effectStyle>
+        <a:effectStyle>
+          <a:effectLst>
+            <a:outerShdw blurRad="57150" dist="19050" dir="5400000" algn="ctr" rotWithShape="0">
+              <a:srgbClr val="000000">
+                <a:alpha val="63000"/>
+              </a:srgbClr>
+            </a:outerShdw>
+          </a:effectLst>
+        </a:effectStyle>
+      </a:effectStyleLst>
+      <a:bgFillStyleLst>
+        <a:solidFill>
+          <a:schemeClr val="phClr"/>
+        </a:solidFill>
+        <a:solidFill>
+          <a:schemeClr val="phClr">
+            <a:tint val="95000"/>
+            <a:satMod val="170000"/>
+          </a:schemeClr>
+        </a:solidFill>
+        <a:gradFill rotWithShape="1">
+          <a:gsLst>
+            <a:gs pos="0">
+              <a:schemeClr val="phClr">
+                <a:tint val="93000"/>
+                <a:satMod val="150000"/>
+                <a:shade val="98000"/>
+                <a:lumMod val="102000"/>
+              </a:schemeClr>
+            </a:gs>
+            <a:gs pos="50000">
+              <a:schemeClr val="phClr">
+                <a:tint val="98000"/>
+                <a:satMod val="130000"/>
+                <a:shade val="90000"/>
+                <a:lumMod val="103000"/>
+              </a:schemeClr>
+            </a:gs>
+            <a:gs pos="100000">
+              <a:schemeClr val="phClr">
+                <a:shade val="63000"/>
+                <a:satMod val="120000"/>
+              </a:schemeClr>
+            </a:gs>
+          </a:gsLst>
+          <a:lin ang="5400000" scaled="0"/>
+        </a:gradFill>
+      </a:bgFillStyleLst>
+    </a:fmtScheme>
+  </a:themeElements>
+  <a:objectDefaults/>
+  <a:extraClrSchemeLst/>
+  <a:extLst>
+    <a:ext uri="{05A4C25C-085E-4340-85A3-A5531E510DB2}">
+      <thm15:themeFamily xmlns:thm15="http://schemas.microsoft.com/office/thememl/2012/main" name="Office Theme" id="{62F939B6-93AF-4DB8-9C6B-D6C7DFDC589F}" vid="{4A3C46E8-61CC-4603-A589-7422A47A8E4A}"/>
+    </a:ext>
+  </a:extLst>
+</a:theme>
 </file>